--- a/documentacao/Slide/Slide Finalizado.pptx
+++ b/documentacao/Slide/Slide Finalizado.pptx
@@ -252,7 +252,7 @@
           <a:p>
             <a:fld id="{1D8BD707-D9CF-40AE-B4C6-C98DA3205C09}" type="datetimeFigureOut">
               <a:rPr lang="en-US"/>
-              <a:t>11/22/2020</a:t>
+              <a:t>11/24/2020</a:t>
             </a:fld>
             <a:endParaRPr lang="en-US"/>
           </a:p>
@@ -427,7 +427,7 @@
           <a:p>
             <a:fld id="{1D8BD707-D9CF-40AE-B4C6-C98DA3205C09}" type="datetimeFigureOut">
               <a:rPr lang="en-US"/>
-              <a:t>11/22/2020</a:t>
+              <a:t>11/24/2020</a:t>
             </a:fld>
             <a:endParaRPr lang="en-US"/>
           </a:p>
@@ -641,7 +641,7 @@
           <a:p>
             <a:fld id="{1D8BD707-D9CF-40AE-B4C6-C98DA3205C09}" type="datetimeFigureOut">
               <a:rPr lang="en-US"/>
-              <a:t>11/22/2020</a:t>
+              <a:t>11/24/2020</a:t>
             </a:fld>
             <a:endParaRPr lang="en-US"/>
           </a:p>
@@ -789,7 +789,7 @@
           <a:p>
             <a:fld id="{1D8BD707-D9CF-40AE-B4C6-C98DA3205C09}" type="datetimeFigureOut">
               <a:rPr lang="en-US"/>
-              <a:t>11/22/2020</a:t>
+              <a:t>11/24/2020</a:t>
             </a:fld>
             <a:endParaRPr lang="en-US"/>
           </a:p>
@@ -908,7 +908,7 @@
           <a:p>
             <a:fld id="{1D8BD707-D9CF-40AE-B4C6-C98DA3205C09}" type="datetimeFigureOut">
               <a:rPr lang="en-US"/>
-              <a:t>11/22/2020</a:t>
+              <a:t>11/24/2020</a:t>
             </a:fld>
             <a:endParaRPr lang="en-US"/>
           </a:p>
@@ -1131,7 +1131,7 @@
           <a:p>
             <a:fld id="{1D8BD707-D9CF-40AE-B4C6-C98DA3205C09}" type="datetimeFigureOut">
               <a:rPr lang="en-US"/>
-              <a:t>11/22/2020</a:t>
+              <a:t>11/24/2020</a:t>
             </a:fld>
             <a:endParaRPr lang="en-US"/>
           </a:p>
@@ -3648,7 +3648,18 @@
           <a:bodyPr wrap="square" lIns="0" tIns="0" rIns="0" bIns="0" rtlCol="0"/>
           <a:lstStyle/>
           <a:p>
-            <a:endParaRPr/>
+            <a:pPr marL="12700" marR="5080">
+              <a:lnSpc>
+                <a:spcPts val="4280"/>
+              </a:lnSpc>
+              <a:spcBef>
+                <a:spcPts val="275"/>
+              </a:spcBef>
+            </a:pPr>
+            <a:endParaRPr lang="pt-BR" dirty="0">
+              <a:latin typeface="Arimo"/>
+              <a:cs typeface="Arimo"/>
+            </a:endParaRPr>
           </a:p>
         </p:txBody>
       </p:sp>
@@ -4125,7 +4136,7 @@
               </a:rPr>
               <a:t>A</a:t>
             </a:r>
-            <a:endParaRPr sz="3600">
+            <a:endParaRPr sz="3600" dirty="0">
               <a:latin typeface="Arimo"/>
               <a:cs typeface="Arimo"/>
             </a:endParaRPr>
@@ -4166,7 +4177,7 @@
               </a:rPr>
               <a:t>TRANS!</a:t>
             </a:r>
-            <a:endParaRPr sz="3600">
+            <a:endParaRPr sz="3600" dirty="0">
               <a:latin typeface="Arimo"/>
               <a:cs typeface="Arimo"/>
             </a:endParaRPr>
@@ -6917,35 +6928,6 @@
       </p:sp>
       <p:sp>
         <p:nvSpPr>
-          <p:cNvPr id="3" name="object 3"/>
-          <p:cNvSpPr/>
-          <p:nvPr/>
-        </p:nvSpPr>
-        <p:spPr>
-          <a:xfrm>
-            <a:off x="13343290" y="4343643"/>
-            <a:ext cx="2486024" cy="3571859"/>
-          </a:xfrm>
-          <a:prstGeom prst="rect">
-            <a:avLst/>
-          </a:prstGeom>
-          <a:blipFill>
-            <a:blip r:embed="rId3" cstate="print"/>
-            <a:stretch>
-              <a:fillRect/>
-            </a:stretch>
-          </a:blipFill>
-        </p:spPr>
-        <p:txBody>
-          <a:bodyPr wrap="square" lIns="0" tIns="0" rIns="0" bIns="0" rtlCol="0"/>
-          <a:lstStyle/>
-          <a:p>
-            <a:endParaRPr/>
-          </a:p>
-        </p:txBody>
-      </p:sp>
-      <p:sp>
-        <p:nvSpPr>
           <p:cNvPr id="4" name="object 4"/>
           <p:cNvSpPr txBox="1">
             <a:spLocks noGrp="1"/>
@@ -7073,7 +7055,7 @@
               <a:rPr sz="3400" spc="-85" dirty="0">
                 <a:latin typeface="Noto Sans"/>
                 <a:cs typeface="Noto Sans"/>
-                <a:hlinkClick r:id="rId4"/>
+                <a:hlinkClick r:id="rId3"/>
               </a:rPr>
               <a:t>dylan.reboucas@bandtec.com.br</a:t>
             </a:r>
@@ -7084,6 +7066,47 @@
           </a:p>
         </p:txBody>
       </p:sp>
+      <p:pic>
+        <p:nvPicPr>
+          <p:cNvPr id="1026" name="Picture 2" descr="C:\Users\rosimeire\Desktop\jkjk.png"/>
+          <p:cNvPicPr>
+            <a:picLocks noChangeAspect="1" noChangeArrowheads="1"/>
+          </p:cNvPicPr>
+          <p:nvPr/>
+        </p:nvPicPr>
+        <p:blipFill>
+          <a:blip r:embed="rId4">
+            <a:extLst>
+              <a:ext uri="{28A0092B-C50C-407E-A947-70E740481C1C}">
+                <a14:useLocalDpi xmlns:a14="http://schemas.microsoft.com/office/drawing/2010/main" val="0"/>
+              </a:ext>
+            </a:extLst>
+          </a:blip>
+          <a:srcRect/>
+          <a:stretch>
+            <a:fillRect/>
+          </a:stretch>
+        </p:blipFill>
+        <p:spPr bwMode="auto">
+          <a:xfrm>
+            <a:off x="12832858" y="4461641"/>
+            <a:ext cx="3505200" cy="3505200"/>
+          </a:xfrm>
+          <a:prstGeom prst="rect">
+            <a:avLst/>
+          </a:prstGeom>
+          <a:noFill/>
+          <a:extLst>
+            <a:ext uri="{909E8E84-426E-40DD-AFC4-6F175D3DCCD1}">
+              <a14:hiddenFill xmlns:a14="http://schemas.microsoft.com/office/drawing/2010/main">
+                <a:solidFill>
+                  <a:srgbClr val="FFFFFF"/>
+                </a:solidFill>
+              </a14:hiddenFill>
+            </a:ext>
+          </a:extLst>
+        </p:spPr>
+      </p:pic>
     </p:spTree>
   </p:cSld>
   <p:clrMapOvr>
@@ -7317,7 +7340,7 @@
                                           </p:stCondLst>
                                         </p:cTn>
                                         <p:tgtEl>
-                                          <p:spTgt spid="3"/>
+                                          <p:spTgt spid="6"/>
                                         </p:tgtEl>
                                         <p:attrNameLst>
                                           <p:attrName>style.visibility</p:attrName>
@@ -7330,97 +7353,6 @@
                                     <p:anim calcmode="lin" valueType="num">
                                       <p:cBhvr additive="base">
                                         <p:cTn id="19" dur="500" fill="hold"/>
-                                        <p:tgtEl>
-                                          <p:spTgt spid="3"/>
-                                        </p:tgtEl>
-                                        <p:attrNameLst>
-                                          <p:attrName>ppt_x</p:attrName>
-                                        </p:attrNameLst>
-                                      </p:cBhvr>
-                                      <p:tavLst>
-                                        <p:tav tm="0">
-                                          <p:val>
-                                            <p:strVal val="#ppt_x"/>
-                                          </p:val>
-                                        </p:tav>
-                                        <p:tav tm="100000">
-                                          <p:val>
-                                            <p:strVal val="#ppt_x"/>
-                                          </p:val>
-                                        </p:tav>
-                                      </p:tavLst>
-                                    </p:anim>
-                                    <p:anim calcmode="lin" valueType="num">
-                                      <p:cBhvr additive="base">
-                                        <p:cTn id="20" dur="500" fill="hold"/>
-                                        <p:tgtEl>
-                                          <p:spTgt spid="3"/>
-                                        </p:tgtEl>
-                                        <p:attrNameLst>
-                                          <p:attrName>ppt_y</p:attrName>
-                                        </p:attrNameLst>
-                                      </p:cBhvr>
-                                      <p:tavLst>
-                                        <p:tav tm="0">
-                                          <p:val>
-                                            <p:strVal val="1+#ppt_h/2"/>
-                                          </p:val>
-                                        </p:tav>
-                                        <p:tav tm="100000">
-                                          <p:val>
-                                            <p:strVal val="#ppt_y"/>
-                                          </p:val>
-                                        </p:tav>
-                                      </p:tavLst>
-                                    </p:anim>
-                                  </p:childTnLst>
-                                </p:cTn>
-                              </p:par>
-                            </p:childTnLst>
-                          </p:cTn>
-                        </p:par>
-                      </p:childTnLst>
-                    </p:cTn>
-                  </p:par>
-                  <p:par>
-                    <p:cTn id="21" fill="hold">
-                      <p:stCondLst>
-                        <p:cond delay="indefinite"/>
-                      </p:stCondLst>
-                      <p:childTnLst>
-                        <p:par>
-                          <p:cTn id="22" fill="hold">
-                            <p:stCondLst>
-                              <p:cond delay="0"/>
-                            </p:stCondLst>
-                            <p:childTnLst>
-                              <p:par>
-                                <p:cTn id="23" presetID="2" presetClass="entr" presetSubtype="4" fill="hold" grpId="0" nodeType="clickEffect">
-                                  <p:stCondLst>
-                                    <p:cond delay="0"/>
-                                  </p:stCondLst>
-                                  <p:childTnLst>
-                                    <p:set>
-                                      <p:cBhvr>
-                                        <p:cTn id="24" dur="1" fill="hold">
-                                          <p:stCondLst>
-                                            <p:cond delay="0"/>
-                                          </p:stCondLst>
-                                        </p:cTn>
-                                        <p:tgtEl>
-                                          <p:spTgt spid="6"/>
-                                        </p:tgtEl>
-                                        <p:attrNameLst>
-                                          <p:attrName>style.visibility</p:attrName>
-                                        </p:attrNameLst>
-                                      </p:cBhvr>
-                                      <p:to>
-                                        <p:strVal val="visible"/>
-                                      </p:to>
-                                    </p:set>
-                                    <p:anim calcmode="lin" valueType="num">
-                                      <p:cBhvr additive="base">
-                                        <p:cTn id="25" dur="500" fill="hold"/>
                                         <p:tgtEl>
                                           <p:spTgt spid="6"/>
                                         </p:tgtEl>
@@ -7443,7 +7375,7 @@
                                     </p:anim>
                                     <p:anim calcmode="lin" valueType="num">
                                       <p:cBhvr additive="base">
-                                        <p:cTn id="26" dur="500" fill="hold"/>
+                                        <p:cTn id="20" dur="500" fill="hold"/>
                                         <p:tgtEl>
                                           <p:spTgt spid="6"/>
                                         </p:tgtEl>
@@ -7495,7 +7427,6 @@
       </p:par>
     </p:tnLst>
     <p:bldLst>
-      <p:bldP spid="3" grpId="0" animBg="1"/>
       <p:bldP spid="4" grpId="0"/>
       <p:bldP spid="5" grpId="0"/>
       <p:bldP spid="6" grpId="0"/>

--- a/documentacao/Slide/Slide Finalizado.pptx
+++ b/documentacao/Slide/Slide Finalizado.pptx
@@ -7,11 +7,10 @@
   <p:sldIdLst>
     <p:sldId id="256" r:id="rId2"/>
     <p:sldId id="257" r:id="rId3"/>
-    <p:sldId id="258" r:id="rId4"/>
-    <p:sldId id="259" r:id="rId5"/>
-    <p:sldId id="260" r:id="rId6"/>
-    <p:sldId id="261" r:id="rId7"/>
-    <p:sldId id="262" r:id="rId8"/>
+    <p:sldId id="259" r:id="rId4"/>
+    <p:sldId id="260" r:id="rId5"/>
+    <p:sldId id="261" r:id="rId6"/>
+    <p:sldId id="262" r:id="rId7"/>
   </p:sldIdLst>
   <p:sldSz cx="18288000" cy="10287000"/>
   <p:notesSz cx="18288000" cy="10287000"/>
@@ -221,7 +220,7 @@
             </a:lvl1pPr>
           </a:lstStyle>
           <a:p>
-            <a:endParaRPr/>
+            <a:endParaRPr dirty="0"/>
           </a:p>
         </p:txBody>
       </p:sp>
@@ -252,9 +251,9 @@
           <a:p>
             <a:fld id="{1D8BD707-D9CF-40AE-B4C6-C98DA3205C09}" type="datetimeFigureOut">
               <a:rPr lang="en-US"/>
-              <a:t>11/24/2020</a:t>
+              <a:t>11/30/2020</a:t>
             </a:fld>
-            <a:endParaRPr lang="en-US"/>
+            <a:endParaRPr lang="en-US" dirty="0"/>
           </a:p>
         </p:txBody>
       </p:sp>
@@ -286,7 +285,7 @@
             <a:fld id="{B6F15528-21DE-4FAA-801E-634DDDAF4B2B}" type="slidenum">
               <a:t>‹nº›</a:t>
             </a:fld>
-            <a:endParaRPr/>
+            <a:endParaRPr dirty="0"/>
           </a:p>
         </p:txBody>
       </p:sp>
@@ -396,7 +395,7 @@
             </a:lvl1pPr>
           </a:lstStyle>
           <a:p>
-            <a:endParaRPr/>
+            <a:endParaRPr dirty="0"/>
           </a:p>
         </p:txBody>
       </p:sp>
@@ -427,9 +426,9 @@
           <a:p>
             <a:fld id="{1D8BD707-D9CF-40AE-B4C6-C98DA3205C09}" type="datetimeFigureOut">
               <a:rPr lang="en-US"/>
-              <a:t>11/24/2020</a:t>
+              <a:t>11/30/2020</a:t>
             </a:fld>
-            <a:endParaRPr lang="en-US"/>
+            <a:endParaRPr lang="en-US" dirty="0"/>
           </a:p>
         </p:txBody>
       </p:sp>
@@ -461,7 +460,7 @@
             <a:fld id="{B6F15528-21DE-4FAA-801E-634DDDAF4B2B}" type="slidenum">
               <a:t>‹nº›</a:t>
             </a:fld>
-            <a:endParaRPr/>
+            <a:endParaRPr dirty="0"/>
           </a:p>
         </p:txBody>
       </p:sp>
@@ -610,7 +609,7 @@
             </a:lvl1pPr>
           </a:lstStyle>
           <a:p>
-            <a:endParaRPr/>
+            <a:endParaRPr dirty="0"/>
           </a:p>
         </p:txBody>
       </p:sp>
@@ -641,9 +640,9 @@
           <a:p>
             <a:fld id="{1D8BD707-D9CF-40AE-B4C6-C98DA3205C09}" type="datetimeFigureOut">
               <a:rPr lang="en-US"/>
-              <a:t>11/24/2020</a:t>
+              <a:t>11/30/2020</a:t>
             </a:fld>
-            <a:endParaRPr lang="en-US"/>
+            <a:endParaRPr lang="en-US" dirty="0"/>
           </a:p>
         </p:txBody>
       </p:sp>
@@ -675,7 +674,7 @@
             <a:fld id="{B6F15528-21DE-4FAA-801E-634DDDAF4B2B}" type="slidenum">
               <a:t>‹nº›</a:t>
             </a:fld>
-            <a:endParaRPr/>
+            <a:endParaRPr dirty="0"/>
           </a:p>
         </p:txBody>
       </p:sp>
@@ -758,7 +757,7 @@
             </a:lvl1pPr>
           </a:lstStyle>
           <a:p>
-            <a:endParaRPr/>
+            <a:endParaRPr dirty="0"/>
           </a:p>
         </p:txBody>
       </p:sp>
@@ -789,9 +788,9 @@
           <a:p>
             <a:fld id="{1D8BD707-D9CF-40AE-B4C6-C98DA3205C09}" type="datetimeFigureOut">
               <a:rPr lang="en-US"/>
-              <a:t>11/24/2020</a:t>
+              <a:t>11/30/2020</a:t>
             </a:fld>
-            <a:endParaRPr lang="en-US"/>
+            <a:endParaRPr lang="en-US" dirty="0"/>
           </a:p>
         </p:txBody>
       </p:sp>
@@ -823,7 +822,7 @@
             <a:fld id="{B6F15528-21DE-4FAA-801E-634DDDAF4B2B}" type="slidenum">
               <a:t>‹nº›</a:t>
             </a:fld>
-            <a:endParaRPr/>
+            <a:endParaRPr dirty="0"/>
           </a:p>
         </p:txBody>
       </p:sp>
@@ -877,7 +876,7 @@
             </a:lvl1pPr>
           </a:lstStyle>
           <a:p>
-            <a:endParaRPr/>
+            <a:endParaRPr dirty="0"/>
           </a:p>
         </p:txBody>
       </p:sp>
@@ -908,9 +907,9 @@
           <a:p>
             <a:fld id="{1D8BD707-D9CF-40AE-B4C6-C98DA3205C09}" type="datetimeFigureOut">
               <a:rPr lang="en-US"/>
-              <a:t>11/24/2020</a:t>
+              <a:t>11/30/2020</a:t>
             </a:fld>
-            <a:endParaRPr lang="en-US"/>
+            <a:endParaRPr lang="en-US" dirty="0"/>
           </a:p>
         </p:txBody>
       </p:sp>
@@ -942,7 +941,7 @@
             <a:fld id="{B6F15528-21DE-4FAA-801E-634DDDAF4B2B}" type="slidenum">
               <a:t>‹nº›</a:t>
             </a:fld>
-            <a:endParaRPr/>
+            <a:endParaRPr dirty="0"/>
           </a:p>
         </p:txBody>
       </p:sp>
@@ -1090,7 +1089,7 @@
             </a:lvl1pPr>
           </a:lstStyle>
           <a:p>
-            <a:endParaRPr/>
+            <a:endParaRPr dirty="0"/>
           </a:p>
         </p:txBody>
       </p:sp>
@@ -1131,9 +1130,9 @@
           <a:p>
             <a:fld id="{1D8BD707-D9CF-40AE-B4C6-C98DA3205C09}" type="datetimeFigureOut">
               <a:rPr lang="en-US"/>
-              <a:t>11/24/2020</a:t>
+              <a:t>11/30/2020</a:t>
             </a:fld>
-            <a:endParaRPr lang="en-US"/>
+            <a:endParaRPr lang="en-US" dirty="0"/>
           </a:p>
         </p:txBody>
       </p:sp>
@@ -1175,7 +1174,7 @@
             <a:fld id="{B6F15528-21DE-4FAA-801E-634DDDAF4B2B}" type="slidenum">
               <a:t>‹nº›</a:t>
             </a:fld>
-            <a:endParaRPr/>
+            <a:endParaRPr dirty="0"/>
           </a:p>
         </p:txBody>
       </p:sp>
@@ -1396,7 +1395,7 @@
           <a:bodyPr wrap="square" lIns="0" tIns="0" rIns="0" bIns="0" rtlCol="0"/>
           <a:lstStyle/>
           <a:p>
-            <a:endParaRPr/>
+            <a:endParaRPr dirty="0"/>
           </a:p>
         </p:txBody>
       </p:sp>
@@ -1425,7 +1424,7 @@
           <a:bodyPr wrap="square" lIns="0" tIns="0" rIns="0" bIns="0" rtlCol="0"/>
           <a:lstStyle/>
           <a:p>
-            <a:endParaRPr/>
+            <a:endParaRPr dirty="0"/>
           </a:p>
         </p:txBody>
       </p:sp>
@@ -1475,7 +1474,7 @@
           <a:bodyPr wrap="square" lIns="0" tIns="0" rIns="0" bIns="0" rtlCol="0"/>
           <a:lstStyle/>
           <a:p>
-            <a:endParaRPr/>
+            <a:endParaRPr dirty="0"/>
           </a:p>
         </p:txBody>
       </p:sp>
@@ -1536,7 +1535,7 @@
               </a:rPr>
               <a:t>01202071</a:t>
             </a:r>
-            <a:endParaRPr sz="2600"/>
+            <a:endParaRPr sz="2600" dirty="0"/>
           </a:p>
           <a:p>
             <a:pPr marL="12700">
@@ -1597,7 +1596,7 @@
               </a:rPr>
               <a:t>n</a:t>
             </a:r>
-            <a:endParaRPr sz="11500">
+            <a:endParaRPr sz="11500" dirty="0">
               <a:latin typeface="Verdana"/>
               <a:cs typeface="Verdana"/>
             </a:endParaRPr>
@@ -1733,7 +1732,7 @@
               </a:rPr>
               <a:t>Rebouças</a:t>
             </a:r>
-            <a:endParaRPr sz="11500">
+            <a:endParaRPr sz="11500" dirty="0">
               <a:latin typeface="Verdana"/>
               <a:cs typeface="Verdana"/>
             </a:endParaRPr>
@@ -2062,7 +2061,7 @@
               </a:rPr>
               <a:t>.</a:t>
             </a:r>
-            <a:endParaRPr sz="2400">
+            <a:endParaRPr sz="2400" dirty="0">
               <a:latin typeface="Arimo"/>
               <a:cs typeface="Arimo"/>
             </a:endParaRPr>
@@ -2112,7 +2111,7 @@
           <a:bodyPr wrap="square" lIns="0" tIns="0" rIns="0" bIns="0" rtlCol="0"/>
           <a:lstStyle/>
           <a:p>
-            <a:endParaRPr/>
+            <a:endParaRPr dirty="0"/>
           </a:p>
         </p:txBody>
       </p:sp>
@@ -2121,6 +2120,14 @@
   <p:clrMapOvr>
     <a:masterClrMapping/>
   </p:clrMapOvr>
+  <mc:AlternateContent xmlns:mc="http://schemas.openxmlformats.org/markup-compatibility/2006" xmlns:p14="http://schemas.microsoft.com/office/powerpoint/2010/main">
+    <mc:Choice Requires="p14">
+      <p:transition spd="slow" p14:dur="2000"/>
+    </mc:Choice>
+    <mc:Fallback xmlns="">
+      <p:transition spd="slow"/>
+    </mc:Fallback>
+  </mc:AlternateContent>
   <p:timing>
     <p:tnLst>
       <p:par>
@@ -2156,8 +2163,8 @@
         </p:nvSpPr>
         <p:spPr>
           <a:xfrm>
-            <a:off x="0" y="1028699"/>
-            <a:ext cx="10299064" cy="8839201"/>
+            <a:off x="381000" y="1028698"/>
+            <a:ext cx="7543800" cy="8839201"/>
           </a:xfrm>
           <a:custGeom>
             <a:avLst/>
@@ -2194,7 +2201,7 @@
           <a:bodyPr wrap="square" lIns="0" tIns="0" rIns="0" bIns="0" rtlCol="0"/>
           <a:lstStyle/>
           <a:p>
-            <a:endParaRPr/>
+            <a:endParaRPr dirty="0"/>
           </a:p>
         </p:txBody>
       </p:sp>
@@ -2210,7 +2217,7 @@
         </p:nvSpPr>
         <p:spPr>
           <a:xfrm>
-            <a:off x="1016000" y="1461851"/>
+            <a:off x="762000" y="1333500"/>
             <a:ext cx="5393055" cy="939800"/>
           </a:xfrm>
           <a:prstGeom prst="rect">
@@ -2268,14 +2275,128 @@
       </p:sp>
       <p:sp>
         <p:nvSpPr>
-          <p:cNvPr id="6" name="object 6"/>
+          <p:cNvPr id="4" name="CaixaDeTexto 3"/>
           <p:cNvSpPr txBox="1"/>
           <p:nvPr/>
         </p:nvSpPr>
         <p:spPr>
           <a:xfrm>
-            <a:off x="667320" y="2588099"/>
-            <a:ext cx="8465185" cy="6203315"/>
+            <a:off x="762000" y="2715280"/>
+            <a:ext cx="3810000" cy="523220"/>
+          </a:xfrm>
+          <a:prstGeom prst="rect">
+            <a:avLst/>
+          </a:prstGeom>
+          <a:noFill/>
+        </p:spPr>
+        <p:txBody>
+          <a:bodyPr wrap="square" rtlCol="0">
+            <a:spAutoFit/>
+          </a:bodyPr>
+          <a:lstStyle/>
+          <a:p>
+            <a:r>
+              <a:rPr lang="pt-BR" sz="2800" b="1" dirty="0" smtClean="0">
+                <a:solidFill>
+                  <a:schemeClr val="bg1"/>
+                </a:solidFill>
+              </a:rPr>
+              <a:t>Sou um homem trans</a:t>
+            </a:r>
+            <a:endParaRPr lang="pt-BR" sz="2800" b="1" dirty="0">
+              <a:solidFill>
+                <a:schemeClr val="bg1"/>
+              </a:solidFill>
+            </a:endParaRPr>
+          </a:p>
+        </p:txBody>
+      </p:sp>
+      <p:sp>
+        <p:nvSpPr>
+          <p:cNvPr id="8" name="CaixaDeTexto 7"/>
+          <p:cNvSpPr txBox="1"/>
+          <p:nvPr/>
+        </p:nvSpPr>
+        <p:spPr>
+          <a:xfrm>
+            <a:off x="740979" y="3543300"/>
+            <a:ext cx="6705600" cy="1231106"/>
+          </a:xfrm>
+          <a:prstGeom prst="rect">
+            <a:avLst/>
+          </a:prstGeom>
+          <a:noFill/>
+        </p:spPr>
+        <p:txBody>
+          <a:bodyPr wrap="square" rtlCol="0">
+            <a:spAutoFit/>
+          </a:bodyPr>
+          <a:lstStyle/>
+          <a:p>
+            <a:r>
+              <a:rPr lang="pt-BR" sz="2800" b="1" dirty="0" smtClean="0">
+                <a:solidFill>
+                  <a:schemeClr val="bg1"/>
+                </a:solidFill>
+              </a:rPr>
+              <a:t>Com 18 anos, dei entrada e consegui retificar meus documentos.</a:t>
+            </a:r>
+          </a:p>
+          <a:p>
+            <a:endParaRPr lang="pt-BR" dirty="0"/>
+          </a:p>
+        </p:txBody>
+      </p:sp>
+      <p:sp>
+        <p:nvSpPr>
+          <p:cNvPr id="9" name="CaixaDeTexto 8"/>
+          <p:cNvSpPr txBox="1"/>
+          <p:nvPr/>
+        </p:nvSpPr>
+        <p:spPr>
+          <a:xfrm>
+            <a:off x="762000" y="4774406"/>
+            <a:ext cx="6400800" cy="954107"/>
+          </a:xfrm>
+          <a:prstGeom prst="rect">
+            <a:avLst/>
+          </a:prstGeom>
+          <a:noFill/>
+        </p:spPr>
+        <p:txBody>
+          <a:bodyPr wrap="square" rtlCol="0">
+            <a:spAutoFit/>
+          </a:bodyPr>
+          <a:lstStyle/>
+          <a:p>
+            <a:r>
+              <a:rPr lang="pt-BR" sz="2800" b="1" dirty="0" smtClean="0">
+                <a:solidFill>
+                  <a:schemeClr val="bg1"/>
+                </a:solidFill>
+              </a:rPr>
+              <a:t>Faz 1 ano e 3 meses que iniciei a terapia hormonal</a:t>
+            </a:r>
+            <a:endParaRPr lang="pt-BR" sz="2800" b="1" dirty="0">
+              <a:solidFill>
+                <a:schemeClr val="bg1"/>
+              </a:solidFill>
+            </a:endParaRPr>
+          </a:p>
+        </p:txBody>
+      </p:sp>
+      <p:sp>
+        <p:nvSpPr>
+          <p:cNvPr id="13" name="object 3"/>
+          <p:cNvSpPr txBox="1">
+            <a:spLocks/>
+          </p:cNvSpPr>
+          <p:nvPr/>
+        </p:nvSpPr>
+        <p:spPr>
+          <a:xfrm>
+            <a:off x="762000" y="6077607"/>
+            <a:ext cx="5105400" cy="936154"/>
           </a:xfrm>
           <a:prstGeom prst="rect">
             <a:avLst/>
@@ -2285,575 +2406,138 @@
           <a:bodyPr vert="horz" wrap="square" lIns="0" tIns="12700" rIns="0" bIns="0" rtlCol="0">
             <a:spAutoFit/>
           </a:bodyPr>
-          <a:lstStyle/>
-          <a:p>
-            <a:pPr marL="361315">
-              <a:lnSpc>
-                <a:spcPct val="100000"/>
-              </a:lnSpc>
+          <a:lstStyle>
+            <a:lvl1pPr>
+              <a:defRPr sz="7200" b="1" i="0">
+                <a:solidFill>
+                  <a:schemeClr val="bg1"/>
+                </a:solidFill>
+                <a:latin typeface="Arimo"/>
+                <a:ea typeface="+mj-ea"/>
+                <a:cs typeface="Arimo"/>
+              </a:defRPr>
+            </a:lvl1pPr>
+          </a:lstStyle>
+          <a:p>
+            <a:pPr marL="12700">
               <a:spcBef>
                 <a:spcPts val="100"/>
               </a:spcBef>
             </a:pPr>
             <a:r>
-              <a:rPr sz="2800" spc="75" dirty="0">
-                <a:solidFill>
-                  <a:srgbClr val="FFFFFF"/>
+              <a:rPr lang="pt-BR" sz="6000" b="0" i="1" kern="0" spc="-320" dirty="0" smtClean="0">
+                <a:latin typeface="Verdana"/>
+                <a:cs typeface="Verdana"/>
+              </a:rPr>
+              <a:t>MAS, ANTES</a:t>
+            </a:r>
+            <a:endParaRPr lang="pt-BR" sz="6000" kern="0" dirty="0">
+              <a:latin typeface="Verdana"/>
+              <a:cs typeface="Verdana"/>
+            </a:endParaRPr>
+          </a:p>
+        </p:txBody>
+      </p:sp>
+      <p:sp>
+        <p:nvSpPr>
+          <p:cNvPr id="15" name="CaixaDeTexto 14"/>
+          <p:cNvSpPr txBox="1"/>
+          <p:nvPr/>
+        </p:nvSpPr>
+        <p:spPr>
+          <a:xfrm>
+            <a:off x="543911" y="7429500"/>
+            <a:ext cx="7152289" cy="523220"/>
+          </a:xfrm>
+          <a:prstGeom prst="rect">
+            <a:avLst/>
+          </a:prstGeom>
+          <a:noFill/>
+        </p:spPr>
+        <p:txBody>
+          <a:bodyPr wrap="square" rtlCol="0">
+            <a:spAutoFit/>
+          </a:bodyPr>
+          <a:lstStyle/>
+          <a:p>
+            <a:r>
+              <a:rPr lang="pt-BR" sz="2800" b="1" dirty="0" smtClean="0">
+                <a:solidFill>
+                  <a:schemeClr val="bg1"/>
+                </a:solidFill>
+              </a:rPr>
+              <a:t>Muito antes de me reconhecer, tive depressão</a:t>
+            </a:r>
+            <a:endParaRPr lang="pt-BR" sz="2800" b="1" dirty="0">
+              <a:solidFill>
+                <a:schemeClr val="bg1"/>
+              </a:solidFill>
+            </a:endParaRPr>
+          </a:p>
+        </p:txBody>
+      </p:sp>
+      <p:sp>
+        <p:nvSpPr>
+          <p:cNvPr id="16" name="object 3"/>
+          <p:cNvSpPr txBox="1">
+            <a:spLocks/>
+          </p:cNvSpPr>
+          <p:nvPr/>
+        </p:nvSpPr>
+        <p:spPr>
+          <a:xfrm>
+            <a:off x="609600" y="8294558"/>
+            <a:ext cx="6705600" cy="936154"/>
+          </a:xfrm>
+          <a:prstGeom prst="rect">
+            <a:avLst/>
+          </a:prstGeom>
+        </p:spPr>
+        <p:txBody>
+          <a:bodyPr vert="horz" wrap="square" lIns="0" tIns="12700" rIns="0" bIns="0" rtlCol="0">
+            <a:spAutoFit/>
+          </a:bodyPr>
+          <a:lstStyle>
+            <a:lvl1pPr>
+              <a:defRPr sz="7200" b="1" i="0">
+                <a:solidFill>
+                  <a:schemeClr val="bg1"/>
                 </a:solidFill>
                 <a:latin typeface="Arimo"/>
+                <a:ea typeface="+mj-ea"/>
                 <a:cs typeface="Arimo"/>
-              </a:rPr>
-              <a:t>UM </a:t>
-            </a:r>
-            <a:r>
-              <a:rPr sz="2800" spc="120" dirty="0">
-                <a:solidFill>
-                  <a:srgbClr val="FFFFFF"/>
-                </a:solidFill>
-                <a:latin typeface="Arimo"/>
-                <a:cs typeface="Arimo"/>
-              </a:rPr>
-              <a:t>POUCO SOBRE MINHA</a:t>
-            </a:r>
-            <a:r>
-              <a:rPr sz="2800" spc="915" dirty="0">
-                <a:solidFill>
-                  <a:srgbClr val="FFFFFF"/>
-                </a:solidFill>
-                <a:latin typeface="Arimo"/>
-                <a:cs typeface="Arimo"/>
-              </a:rPr>
-              <a:t> </a:t>
-            </a:r>
-            <a:r>
-              <a:rPr sz="2800" spc="135" dirty="0">
-                <a:solidFill>
-                  <a:srgbClr val="FFFFFF"/>
-                </a:solidFill>
-                <a:latin typeface="Arimo"/>
-                <a:cs typeface="Arimo"/>
-              </a:rPr>
-              <a:t>HISTÓRIA</a:t>
-            </a:r>
-            <a:endParaRPr sz="2800" dirty="0">
-              <a:latin typeface="Arimo"/>
-              <a:cs typeface="Arimo"/>
-            </a:endParaRPr>
-          </a:p>
-          <a:p>
-            <a:pPr>
-              <a:lnSpc>
-                <a:spcPct val="100000"/>
-              </a:lnSpc>
+              </a:defRPr>
+            </a:lvl1pPr>
+          </a:lstStyle>
+          <a:p>
+            <a:pPr marL="12700">
               <a:spcBef>
-                <a:spcPts val="50"/>
+                <a:spcPts val="100"/>
               </a:spcBef>
             </a:pPr>
-            <a:endParaRPr sz="2800" dirty="0">
-              <a:latin typeface="Arimo"/>
-              <a:cs typeface="Arimo"/>
-            </a:endParaRPr>
-          </a:p>
-          <a:p>
-            <a:pPr marL="26034">
-              <a:lnSpc>
-                <a:spcPct val="100000"/>
-              </a:lnSpc>
-              <a:tabLst>
-                <a:tab pos="1094105" algn="l"/>
-                <a:tab pos="1952625" algn="l"/>
-                <a:tab pos="3796029" algn="l"/>
-              </a:tabLst>
-            </a:pPr>
-            <a:r>
-              <a:rPr sz="3600" spc="165" dirty="0">
-                <a:solidFill>
-                  <a:srgbClr val="FFFFFF"/>
-                </a:solidFill>
-                <a:latin typeface="Arimo"/>
-                <a:cs typeface="Arimo"/>
-              </a:rPr>
-              <a:t>Sou	</a:t>
-            </a:r>
-            <a:r>
-              <a:rPr sz="3600" spc="125" dirty="0">
-                <a:solidFill>
-                  <a:srgbClr val="FFFFFF"/>
-                </a:solidFill>
-                <a:latin typeface="Arimo"/>
-                <a:cs typeface="Arimo"/>
-              </a:rPr>
-              <a:t>um	</a:t>
-            </a:r>
-            <a:r>
-              <a:rPr sz="3600" spc="200" dirty="0">
-                <a:solidFill>
-                  <a:srgbClr val="FFFFFF"/>
-                </a:solidFill>
-                <a:latin typeface="Arimo"/>
-                <a:cs typeface="Arimo"/>
-              </a:rPr>
-              <a:t>homem	trans</a:t>
-            </a:r>
-            <a:endParaRPr sz="3600" dirty="0">
-              <a:latin typeface="Arimo"/>
-              <a:cs typeface="Arimo"/>
-            </a:endParaRPr>
-          </a:p>
-          <a:p>
-            <a:pPr marL="26034">
-              <a:lnSpc>
-                <a:spcPct val="100000"/>
-              </a:lnSpc>
-              <a:spcBef>
-                <a:spcPts val="2460"/>
-              </a:spcBef>
-              <a:tabLst>
-                <a:tab pos="1977389" algn="l"/>
-                <a:tab pos="2835910" algn="l"/>
-                <a:tab pos="4120515" algn="l"/>
-              </a:tabLst>
-            </a:pPr>
-            <a:r>
-              <a:rPr sz="3600" spc="204" dirty="0">
-                <a:solidFill>
-                  <a:srgbClr val="FFFFFF"/>
-                </a:solidFill>
-                <a:latin typeface="Arimo"/>
-                <a:cs typeface="Arimo"/>
-              </a:rPr>
-              <a:t>Sempre	</a:t>
-            </a:r>
-            <a:r>
-              <a:rPr sz="3600" spc="125" dirty="0">
-                <a:solidFill>
-                  <a:srgbClr val="FFFFFF"/>
-                </a:solidFill>
-                <a:latin typeface="Arimo"/>
-                <a:cs typeface="Arimo"/>
-              </a:rPr>
-              <a:t>me	</a:t>
-            </a:r>
-            <a:r>
-              <a:rPr sz="3600" spc="200" dirty="0">
-                <a:solidFill>
-                  <a:srgbClr val="FFFFFF"/>
-                </a:solidFill>
-                <a:latin typeface="Arimo"/>
-                <a:cs typeface="Arimo"/>
-              </a:rPr>
-              <a:t>senti	</a:t>
-            </a:r>
-            <a:r>
-              <a:rPr sz="3600" spc="229" dirty="0">
-                <a:solidFill>
-                  <a:srgbClr val="FFFFFF"/>
-                </a:solidFill>
-                <a:latin typeface="Arimo"/>
-                <a:cs typeface="Arimo"/>
-              </a:rPr>
-              <a:t>''diferente''</a:t>
-            </a:r>
-            <a:endParaRPr sz="3600" dirty="0">
-              <a:latin typeface="Arimo"/>
-              <a:cs typeface="Arimo"/>
-            </a:endParaRPr>
-          </a:p>
-          <a:p>
-            <a:pPr marL="12700">
-              <a:lnSpc>
-                <a:spcPct val="100000"/>
-              </a:lnSpc>
-              <a:spcBef>
-                <a:spcPts val="2075"/>
-              </a:spcBef>
-              <a:tabLst>
-                <a:tab pos="1735455" algn="l"/>
-                <a:tab pos="3014345" algn="l"/>
-                <a:tab pos="3872229" algn="l"/>
-              </a:tabLst>
-            </a:pPr>
-            <a:r>
-              <a:rPr sz="3600" spc="204" dirty="0">
-                <a:solidFill>
-                  <a:srgbClr val="FFFFFF"/>
-                </a:solidFill>
-                <a:latin typeface="Arimo"/>
-                <a:cs typeface="Arimo"/>
-              </a:rPr>
-              <a:t>Passei	</a:t>
-            </a:r>
-            <a:r>
-              <a:rPr sz="3600" spc="185" dirty="0">
-                <a:solidFill>
-                  <a:srgbClr val="FFFFFF"/>
-                </a:solidFill>
-                <a:latin typeface="Arimo"/>
-                <a:cs typeface="Arimo"/>
-              </a:rPr>
-              <a:t>anos	</a:t>
-            </a:r>
-            <a:r>
-              <a:rPr sz="3600" spc="125" dirty="0">
-                <a:solidFill>
-                  <a:srgbClr val="FFFFFF"/>
-                </a:solidFill>
-                <a:latin typeface="Arimo"/>
-                <a:cs typeface="Arimo"/>
-              </a:rPr>
-              <a:t>me	</a:t>
-            </a:r>
-            <a:r>
-              <a:rPr sz="3600" spc="229" dirty="0">
-                <a:solidFill>
-                  <a:srgbClr val="FFFFFF"/>
-                </a:solidFill>
-                <a:latin typeface="Arimo"/>
-                <a:cs typeface="Arimo"/>
-              </a:rPr>
-              <a:t>''escondendo''</a:t>
-            </a:r>
-            <a:endParaRPr sz="3600" dirty="0">
-              <a:latin typeface="Arimo"/>
-              <a:cs typeface="Arimo"/>
-            </a:endParaRPr>
-          </a:p>
-          <a:p>
-            <a:pPr marL="12700" marR="5080">
-              <a:lnSpc>
-                <a:spcPct val="109400"/>
-              </a:lnSpc>
-              <a:spcBef>
-                <a:spcPts val="2480"/>
-              </a:spcBef>
-              <a:tabLst>
-                <a:tab pos="1341755" algn="l"/>
-                <a:tab pos="1576705" algn="l"/>
-                <a:tab pos="2937510" algn="l"/>
-                <a:tab pos="3357879" algn="l"/>
-                <a:tab pos="3669029" algn="l"/>
-                <a:tab pos="5234305" algn="l"/>
-                <a:tab pos="7116445" algn="l"/>
-              </a:tabLst>
-            </a:pPr>
-            <a:r>
-              <a:rPr sz="3600" spc="250" dirty="0">
-                <a:solidFill>
-                  <a:srgbClr val="FFFFFF"/>
-                </a:solidFill>
-                <a:latin typeface="Arimo"/>
-                <a:cs typeface="Arimo"/>
-              </a:rPr>
-              <a:t>Apó</a:t>
-            </a:r>
-            <a:r>
-              <a:rPr sz="3600" dirty="0">
-                <a:solidFill>
-                  <a:srgbClr val="FFFFFF"/>
-                </a:solidFill>
-                <a:latin typeface="Arimo"/>
-                <a:cs typeface="Arimo"/>
-              </a:rPr>
-              <a:t>s	</a:t>
-            </a:r>
-            <a:r>
-              <a:rPr sz="3600" spc="250" dirty="0">
-                <a:solidFill>
-                  <a:srgbClr val="FFFFFF"/>
-                </a:solidFill>
-                <a:latin typeface="Arimo"/>
-                <a:cs typeface="Arimo"/>
-              </a:rPr>
-              <a:t>cuida</a:t>
-            </a:r>
-            <a:r>
-              <a:rPr sz="3600" dirty="0">
-                <a:solidFill>
-                  <a:srgbClr val="FFFFFF"/>
-                </a:solidFill>
-                <a:latin typeface="Arimo"/>
-                <a:cs typeface="Arimo"/>
-              </a:rPr>
-              <a:t>r	</a:t>
-            </a:r>
-            <a:r>
-              <a:rPr sz="3600" spc="250" dirty="0">
-                <a:solidFill>
-                  <a:srgbClr val="FFFFFF"/>
-                </a:solidFill>
-                <a:latin typeface="Arimo"/>
-                <a:cs typeface="Arimo"/>
-              </a:rPr>
-              <a:t>d</a:t>
-            </a:r>
-            <a:r>
-              <a:rPr sz="3600" dirty="0">
-                <a:solidFill>
-                  <a:srgbClr val="FFFFFF"/>
-                </a:solidFill>
-                <a:latin typeface="Arimo"/>
-                <a:cs typeface="Arimo"/>
-              </a:rPr>
-              <a:t>a	</a:t>
-            </a:r>
-            <a:r>
-              <a:rPr sz="3600" spc="250" dirty="0">
-                <a:solidFill>
-                  <a:srgbClr val="FFFFFF"/>
-                </a:solidFill>
-                <a:latin typeface="Arimo"/>
-                <a:cs typeface="Arimo"/>
-              </a:rPr>
-              <a:t>saúd</a:t>
-            </a:r>
-            <a:r>
-              <a:rPr sz="3600" dirty="0">
-                <a:solidFill>
-                  <a:srgbClr val="FFFFFF"/>
-                </a:solidFill>
-                <a:latin typeface="Arimo"/>
-                <a:cs typeface="Arimo"/>
-              </a:rPr>
-              <a:t>e	</a:t>
-            </a:r>
-            <a:r>
-              <a:rPr sz="3600" spc="250" dirty="0">
-                <a:solidFill>
-                  <a:srgbClr val="FFFFFF"/>
-                </a:solidFill>
-                <a:latin typeface="Arimo"/>
-                <a:cs typeface="Arimo"/>
-              </a:rPr>
-              <a:t>mental</a:t>
-            </a:r>
-            <a:r>
-              <a:rPr sz="3600" dirty="0">
-                <a:solidFill>
-                  <a:srgbClr val="FFFFFF"/>
-                </a:solidFill>
-                <a:latin typeface="Arimo"/>
-                <a:cs typeface="Arimo"/>
-              </a:rPr>
-              <a:t>,	</a:t>
-            </a:r>
-            <a:r>
-              <a:rPr sz="3600" spc="250" dirty="0">
-                <a:solidFill>
-                  <a:srgbClr val="FFFFFF"/>
-                </a:solidFill>
-                <a:latin typeface="Arimo"/>
-                <a:cs typeface="Arimo"/>
-              </a:rPr>
-              <a:t>inicie</a:t>
-            </a:r>
-            <a:r>
-              <a:rPr sz="3600" dirty="0">
-                <a:solidFill>
-                  <a:srgbClr val="FFFFFF"/>
-                </a:solidFill>
-                <a:latin typeface="Arimo"/>
-                <a:cs typeface="Arimo"/>
-              </a:rPr>
-              <a:t>i  </a:t>
-            </a:r>
-            <a:r>
-              <a:rPr sz="3600" spc="200" dirty="0">
-                <a:solidFill>
-                  <a:srgbClr val="FFFFFF"/>
-                </a:solidFill>
-                <a:latin typeface="Arimo"/>
-                <a:cs typeface="Arimo"/>
-              </a:rPr>
-              <a:t>minha	</a:t>
-            </a:r>
-            <a:r>
-              <a:rPr sz="3600" spc="210" dirty="0">
-                <a:solidFill>
-                  <a:srgbClr val="FFFFFF"/>
-                </a:solidFill>
-                <a:latin typeface="Arimo"/>
-                <a:cs typeface="Arimo"/>
-              </a:rPr>
-              <a:t>terapia	</a:t>
-            </a:r>
-            <a:r>
-              <a:rPr sz="3600" spc="215" dirty="0">
-                <a:solidFill>
-                  <a:srgbClr val="FFFFFF"/>
-                </a:solidFill>
-                <a:latin typeface="Arimo"/>
-                <a:cs typeface="Arimo"/>
-              </a:rPr>
-              <a:t>hormonal</a:t>
-            </a:r>
-            <a:endParaRPr sz="3600" dirty="0">
-              <a:latin typeface="Arimo"/>
-              <a:cs typeface="Arimo"/>
-            </a:endParaRPr>
-          </a:p>
-          <a:p>
-            <a:pPr marL="12700" marR="233679">
-              <a:lnSpc>
-                <a:spcPct val="109400"/>
-              </a:lnSpc>
-              <a:spcBef>
-                <a:spcPts val="3130"/>
-              </a:spcBef>
-              <a:tabLst>
-                <a:tab pos="508000" algn="l"/>
-                <a:tab pos="1366520" algn="l"/>
-                <a:tab pos="1417320" algn="l"/>
-                <a:tab pos="3592195" algn="l"/>
-                <a:tab pos="5029835" algn="l"/>
-                <a:tab pos="6206490" algn="l"/>
-              </a:tabLst>
-            </a:pPr>
-            <a:r>
-              <a:rPr sz="3600" dirty="0">
-                <a:solidFill>
-                  <a:srgbClr val="FFFFFF"/>
-                </a:solidFill>
-                <a:latin typeface="Arimo"/>
-                <a:cs typeface="Arimo"/>
-              </a:rPr>
-              <a:t>E	</a:t>
-            </a:r>
-            <a:r>
-              <a:rPr sz="3600" spc="250" dirty="0">
-                <a:solidFill>
-                  <a:srgbClr val="FFFFFF"/>
-                </a:solidFill>
-                <a:latin typeface="Arimo"/>
-                <a:cs typeface="Arimo"/>
-              </a:rPr>
-              <a:t>e</a:t>
-            </a:r>
-            <a:r>
-              <a:rPr sz="3600" dirty="0">
-                <a:solidFill>
-                  <a:srgbClr val="FFFFFF"/>
-                </a:solidFill>
-                <a:latin typeface="Arimo"/>
-                <a:cs typeface="Arimo"/>
-              </a:rPr>
-              <a:t>m	</a:t>
-            </a:r>
-            <a:r>
-              <a:rPr sz="3600" spc="250" dirty="0">
-                <a:solidFill>
-                  <a:srgbClr val="FFFFFF"/>
-                </a:solidFill>
-                <a:latin typeface="Arimo"/>
-                <a:cs typeface="Arimo"/>
-              </a:rPr>
-              <a:t>fevereir</a:t>
-            </a:r>
-            <a:r>
-              <a:rPr sz="3600" dirty="0">
-                <a:solidFill>
-                  <a:srgbClr val="FFFFFF"/>
-                </a:solidFill>
-                <a:latin typeface="Arimo"/>
-                <a:cs typeface="Arimo"/>
-              </a:rPr>
-              <a:t>o	</a:t>
-            </a:r>
-            <a:r>
-              <a:rPr sz="3600" spc="250" dirty="0">
-                <a:solidFill>
-                  <a:srgbClr val="FFFFFF"/>
-                </a:solidFill>
-                <a:latin typeface="Arimo"/>
-                <a:cs typeface="Arimo"/>
-              </a:rPr>
-              <a:t>dest</a:t>
-            </a:r>
-            <a:r>
-              <a:rPr sz="3600" dirty="0">
-                <a:solidFill>
-                  <a:srgbClr val="FFFFFF"/>
-                </a:solidFill>
-                <a:latin typeface="Arimo"/>
-                <a:cs typeface="Arimo"/>
-              </a:rPr>
-              <a:t>e	</a:t>
-            </a:r>
-            <a:r>
-              <a:rPr sz="3600" spc="250" dirty="0">
-                <a:solidFill>
-                  <a:srgbClr val="FFFFFF"/>
-                </a:solidFill>
-                <a:latin typeface="Arimo"/>
-                <a:cs typeface="Arimo"/>
-              </a:rPr>
-              <a:t>ano</a:t>
-            </a:r>
-            <a:r>
-              <a:rPr sz="3600" dirty="0">
-                <a:solidFill>
-                  <a:srgbClr val="FFFFFF"/>
-                </a:solidFill>
-                <a:latin typeface="Arimo"/>
-                <a:cs typeface="Arimo"/>
-              </a:rPr>
-              <a:t>,	</a:t>
-            </a:r>
-            <a:r>
-              <a:rPr sz="3600" spc="250" dirty="0">
-                <a:solidFill>
-                  <a:srgbClr val="FFFFFF"/>
-                </a:solidFill>
-                <a:latin typeface="Arimo"/>
-                <a:cs typeface="Arimo"/>
-              </a:rPr>
-              <a:t>retifique</a:t>
-            </a:r>
-            <a:r>
-              <a:rPr sz="3600" dirty="0">
-                <a:solidFill>
-                  <a:srgbClr val="FFFFFF"/>
-                </a:solidFill>
-                <a:latin typeface="Arimo"/>
-                <a:cs typeface="Arimo"/>
-              </a:rPr>
-              <a:t>i  </a:t>
-            </a:r>
-            <a:r>
-              <a:rPr sz="3600" spc="185" dirty="0">
-                <a:solidFill>
-                  <a:srgbClr val="FFFFFF"/>
-                </a:solidFill>
-                <a:latin typeface="Arimo"/>
-                <a:cs typeface="Arimo"/>
-              </a:rPr>
-              <a:t>meus		</a:t>
-            </a:r>
-            <a:r>
-              <a:rPr sz="3600" spc="225" dirty="0">
-                <a:solidFill>
-                  <a:srgbClr val="FFFFFF"/>
-                </a:solidFill>
-                <a:latin typeface="Arimo"/>
-                <a:cs typeface="Arimo"/>
-              </a:rPr>
-              <a:t>documentos</a:t>
-            </a:r>
-            <a:endParaRPr sz="3600" dirty="0">
-              <a:latin typeface="Arimo"/>
-              <a:cs typeface="Arimo"/>
+            <a:r>
+              <a:rPr lang="pt-BR" sz="6000" b="0" i="1" kern="0" spc="-320" dirty="0" smtClean="0">
+                <a:latin typeface="Verdana"/>
+                <a:cs typeface="Verdana"/>
+              </a:rPr>
+              <a:t>VIRAR A CHAVE!</a:t>
+            </a:r>
+            <a:endParaRPr lang="pt-BR" sz="6000" kern="0" dirty="0">
+              <a:latin typeface="Verdana"/>
+              <a:cs typeface="Verdana"/>
             </a:endParaRPr>
           </a:p>
         </p:txBody>
       </p:sp>
       <p:pic>
         <p:nvPicPr>
-          <p:cNvPr id="1028" name="Picture 4" descr="C:\Users\rosimeire\Desktop\b9c76b70-d431-40b5-a258-9ee6fabec65f.jpg"/>
+          <p:cNvPr id="2051" name="Picture 3" descr="C:\Users\rosimeire\Desktop\b9c76b70-d431-40b5-a258-9ee6fabec65f (2).jpg"/>
           <p:cNvPicPr>
             <a:picLocks noChangeAspect="1" noChangeArrowheads="1"/>
           </p:cNvPicPr>
           <p:nvPr/>
         </p:nvPicPr>
-        <p:blipFill rotWithShape="1">
+        <p:blipFill>
           <a:blip r:embed="rId2">
             <a:extLst>
               <a:ext uri="{28A0092B-C50C-407E-A947-70E740481C1C}">
@@ -2861,13 +2545,15 @@
               </a:ext>
             </a:extLst>
           </a:blip>
-          <a:srcRect l="24855" r="15657"/>
-          <a:stretch/>
+          <a:srcRect/>
+          <a:stretch>
+            <a:fillRect/>
+          </a:stretch>
         </p:blipFill>
         <p:spPr bwMode="auto">
           <a:xfrm>
-            <a:off x="10896600" y="1714500"/>
-            <a:ext cx="6801304" cy="6934202"/>
+            <a:off x="8116614" y="1853577"/>
+            <a:ext cx="9906000" cy="5575923"/>
           </a:xfrm>
           <a:prstGeom prst="rect">
             <a:avLst/>
@@ -2884,53 +2570,6 @@
           </a:extLst>
         </p:spPr>
       </p:pic>
-      <p:sp>
-        <p:nvSpPr>
-          <p:cNvPr id="5" name="object 5"/>
-          <p:cNvSpPr/>
-          <p:nvPr/>
-        </p:nvSpPr>
-        <p:spPr>
-          <a:xfrm>
-            <a:off x="8915399" y="8491717"/>
-            <a:ext cx="1383665" cy="1376184"/>
-          </a:xfrm>
-          <a:custGeom>
-            <a:avLst/>
-            <a:gdLst/>
-            <a:ahLst/>
-            <a:cxnLst/>
-            <a:rect l="l" t="t" r="r" b="b"/>
-            <a:pathLst>
-              <a:path w="1383665" h="1386204">
-                <a:moveTo>
-                  <a:pt x="1383134" y="0"/>
-                </a:moveTo>
-                <a:lnTo>
-                  <a:pt x="1383134" y="1385907"/>
-                </a:lnTo>
-                <a:lnTo>
-                  <a:pt x="0" y="1385907"/>
-                </a:lnTo>
-                <a:lnTo>
-                  <a:pt x="1383134" y="0"/>
-                </a:lnTo>
-                <a:close/>
-              </a:path>
-            </a:pathLst>
-          </a:custGeom>
-          <a:solidFill>
-            <a:srgbClr val="FF66C3"/>
-          </a:solidFill>
-        </p:spPr>
-        <p:txBody>
-          <a:bodyPr wrap="square" lIns="0" tIns="0" rIns="0" bIns="0" rtlCol="0"/>
-          <a:lstStyle/>
-          <a:p>
-            <a:endParaRPr/>
-          </a:p>
-        </p:txBody>
-      </p:sp>
     </p:spTree>
   </p:cSld>
   <p:clrMapOvr>
@@ -2938,1965 +2577,10 @@
   </p:clrMapOvr>
   <mc:AlternateContent xmlns:mc="http://schemas.openxmlformats.org/markup-compatibility/2006" xmlns:p14="http://schemas.microsoft.com/office/powerpoint/2010/main">
     <mc:Choice Requires="p14">
-      <p:transition spd="slow" p14:dur="1500">
-        <p:split orient="vert"/>
-      </p:transition>
+      <p:transition p14:dur="10"/>
     </mc:Choice>
     <mc:Fallback xmlns="">
-      <p:transition spd="slow">
-        <p:split orient="vert"/>
-      </p:transition>
-    </mc:Fallback>
-  </mc:AlternateContent>
-  <p:timing>
-    <p:tnLst>
-      <p:par>
-        <p:cTn id="1" dur="indefinite" restart="never" nodeType="tmRoot">
-          <p:childTnLst>
-            <p:seq concurrent="1" nextAc="seek">
-              <p:cTn id="2" dur="indefinite" nodeType="mainSeq">
-                <p:childTnLst>
-                  <p:par>
-                    <p:cTn id="3" fill="hold">
-                      <p:stCondLst>
-                        <p:cond delay="indefinite"/>
-                      </p:stCondLst>
-                      <p:childTnLst>
-                        <p:par>
-                          <p:cTn id="4" fill="hold">
-                            <p:stCondLst>
-                              <p:cond delay="0"/>
-                            </p:stCondLst>
-                            <p:childTnLst>
-                              <p:par>
-                                <p:cTn id="5" presetID="2" presetClass="entr" presetSubtype="4" fill="hold" grpId="0" nodeType="clickEffect">
-                                  <p:stCondLst>
-                                    <p:cond delay="0"/>
-                                  </p:stCondLst>
-                                  <p:childTnLst>
-                                    <p:set>
-                                      <p:cBhvr>
-                                        <p:cTn id="6" dur="1" fill="hold">
-                                          <p:stCondLst>
-                                            <p:cond delay="0"/>
-                                          </p:stCondLst>
-                                        </p:cTn>
-                                        <p:tgtEl>
-                                          <p:spTgt spid="6"/>
-                                        </p:tgtEl>
-                                        <p:attrNameLst>
-                                          <p:attrName>style.visibility</p:attrName>
-                                        </p:attrNameLst>
-                                      </p:cBhvr>
-                                      <p:to>
-                                        <p:strVal val="visible"/>
-                                      </p:to>
-                                    </p:set>
-                                    <p:anim calcmode="lin" valueType="num">
-                                      <p:cBhvr additive="base">
-                                        <p:cTn id="7" dur="500" fill="hold"/>
-                                        <p:tgtEl>
-                                          <p:spTgt spid="6"/>
-                                        </p:tgtEl>
-                                        <p:attrNameLst>
-                                          <p:attrName>ppt_x</p:attrName>
-                                        </p:attrNameLst>
-                                      </p:cBhvr>
-                                      <p:tavLst>
-                                        <p:tav tm="0">
-                                          <p:val>
-                                            <p:strVal val="#ppt_x"/>
-                                          </p:val>
-                                        </p:tav>
-                                        <p:tav tm="100000">
-                                          <p:val>
-                                            <p:strVal val="#ppt_x"/>
-                                          </p:val>
-                                        </p:tav>
-                                      </p:tavLst>
-                                    </p:anim>
-                                    <p:anim calcmode="lin" valueType="num">
-                                      <p:cBhvr additive="base">
-                                        <p:cTn id="8" dur="500" fill="hold"/>
-                                        <p:tgtEl>
-                                          <p:spTgt spid="6"/>
-                                        </p:tgtEl>
-                                        <p:attrNameLst>
-                                          <p:attrName>ppt_y</p:attrName>
-                                        </p:attrNameLst>
-                                      </p:cBhvr>
-                                      <p:tavLst>
-                                        <p:tav tm="0">
-                                          <p:val>
-                                            <p:strVal val="1+#ppt_h/2"/>
-                                          </p:val>
-                                        </p:tav>
-                                        <p:tav tm="100000">
-                                          <p:val>
-                                            <p:strVal val="#ppt_y"/>
-                                          </p:val>
-                                        </p:tav>
-                                      </p:tavLst>
-                                    </p:anim>
-                                  </p:childTnLst>
-                                </p:cTn>
-                              </p:par>
-                            </p:childTnLst>
-                          </p:cTn>
-                        </p:par>
-                      </p:childTnLst>
-                    </p:cTn>
-                  </p:par>
-                </p:childTnLst>
-              </p:cTn>
-              <p:prevCondLst>
-                <p:cond evt="onPrev" delay="0">
-                  <p:tgtEl>
-                    <p:sldTgt/>
-                  </p:tgtEl>
-                </p:cond>
-              </p:prevCondLst>
-              <p:nextCondLst>
-                <p:cond evt="onNext" delay="0">
-                  <p:tgtEl>
-                    <p:sldTgt/>
-                  </p:tgtEl>
-                </p:cond>
-              </p:nextCondLst>
-            </p:seq>
-          </p:childTnLst>
-        </p:cTn>
-      </p:par>
-    </p:tnLst>
-    <p:bldLst>
-      <p:bldP spid="6" grpId="0"/>
-    </p:bldLst>
-  </p:timing>
-</p:sld>
-</file>
-
-<file path=ppt/slides/slide3.xml><?xml version="1.0" encoding="utf-8"?>
-<p:sld xmlns:a="http://schemas.openxmlformats.org/drawingml/2006/main" xmlns:r="http://schemas.openxmlformats.org/officeDocument/2006/relationships" xmlns:p="http://schemas.openxmlformats.org/presentationml/2006/main" showMasterSp="0">
-  <p:cSld>
-    <p:spTree>
-      <p:nvGrpSpPr>
-        <p:cNvPr id="1" name=""/>
-        <p:cNvGrpSpPr/>
-        <p:nvPr/>
-      </p:nvGrpSpPr>
-      <p:grpSpPr>
-        <a:xfrm>
-          <a:off x="0" y="0"/>
-          <a:ext cx="0" cy="0"/>
-          <a:chOff x="0" y="0"/>
-          <a:chExt cx="0" cy="0"/>
-        </a:xfrm>
-      </p:grpSpPr>
-      <p:sp>
-        <p:nvSpPr>
-          <p:cNvPr id="2" name="object 2"/>
-          <p:cNvSpPr/>
-          <p:nvPr/>
-        </p:nvSpPr>
-        <p:spPr>
-          <a:xfrm>
-            <a:off x="421523" y="1358310"/>
-            <a:ext cx="9334499" cy="7572359"/>
-          </a:xfrm>
-          <a:prstGeom prst="rect">
-            <a:avLst/>
-          </a:prstGeom>
-          <a:blipFill>
-            <a:blip r:embed="rId2" cstate="print"/>
-            <a:stretch>
-              <a:fillRect/>
-            </a:stretch>
-          </a:blipFill>
-        </p:spPr>
-        <p:txBody>
-          <a:bodyPr wrap="square" lIns="0" tIns="0" rIns="0" bIns="0" rtlCol="0"/>
-          <a:lstStyle/>
-          <a:p>
-            <a:endParaRPr/>
-          </a:p>
-        </p:txBody>
-      </p:sp>
-      <p:sp>
-        <p:nvSpPr>
-          <p:cNvPr id="3" name="object 3"/>
-          <p:cNvSpPr/>
-          <p:nvPr/>
-        </p:nvSpPr>
-        <p:spPr>
-          <a:xfrm>
-            <a:off x="15998646" y="8084133"/>
-            <a:ext cx="843280" cy="844550"/>
-          </a:xfrm>
-          <a:custGeom>
-            <a:avLst/>
-            <a:gdLst/>
-            <a:ahLst/>
-            <a:cxnLst/>
-            <a:rect l="l" t="t" r="r" b="b"/>
-            <a:pathLst>
-              <a:path w="843280" h="844550">
-                <a:moveTo>
-                  <a:pt x="842744" y="0"/>
-                </a:moveTo>
-                <a:lnTo>
-                  <a:pt x="842744" y="844433"/>
-                </a:lnTo>
-                <a:lnTo>
-                  <a:pt x="0" y="844433"/>
-                </a:lnTo>
-                <a:lnTo>
-                  <a:pt x="842744" y="0"/>
-                </a:lnTo>
-                <a:close/>
-              </a:path>
-            </a:pathLst>
-          </a:custGeom>
-          <a:solidFill>
-            <a:srgbClr val="FF66C3"/>
-          </a:solidFill>
-        </p:spPr>
-        <p:txBody>
-          <a:bodyPr wrap="square" lIns="0" tIns="0" rIns="0" bIns="0" rtlCol="0"/>
-          <a:lstStyle/>
-          <a:p>
-            <a:endParaRPr/>
-          </a:p>
-        </p:txBody>
-      </p:sp>
-      <p:sp>
-        <p:nvSpPr>
-          <p:cNvPr id="4" name="object 4"/>
-          <p:cNvSpPr/>
-          <p:nvPr/>
-        </p:nvSpPr>
-        <p:spPr>
-          <a:xfrm>
-            <a:off x="16433703" y="1028919"/>
-            <a:ext cx="844550" cy="843280"/>
-          </a:xfrm>
-          <a:custGeom>
-            <a:avLst/>
-            <a:gdLst/>
-            <a:ahLst/>
-            <a:cxnLst/>
-            <a:rect l="l" t="t" r="r" b="b"/>
-            <a:pathLst>
-              <a:path w="844550" h="843280">
-                <a:moveTo>
-                  <a:pt x="0" y="0"/>
-                </a:moveTo>
-                <a:lnTo>
-                  <a:pt x="844433" y="0"/>
-                </a:lnTo>
-                <a:lnTo>
-                  <a:pt x="844433" y="842744"/>
-                </a:lnTo>
-                <a:lnTo>
-                  <a:pt x="0" y="0"/>
-                </a:lnTo>
-                <a:close/>
-              </a:path>
-            </a:pathLst>
-          </a:custGeom>
-          <a:solidFill>
-            <a:srgbClr val="5270FF"/>
-          </a:solidFill>
-        </p:spPr>
-        <p:txBody>
-          <a:bodyPr wrap="square" lIns="0" tIns="0" rIns="0" bIns="0" rtlCol="0"/>
-          <a:lstStyle/>
-          <a:p>
-            <a:endParaRPr/>
-          </a:p>
-        </p:txBody>
-      </p:sp>
-      <p:sp>
-        <p:nvSpPr>
-          <p:cNvPr id="5" name="object 5"/>
-          <p:cNvSpPr txBox="1">
-            <a:spLocks noGrp="1"/>
-          </p:cNvSpPr>
-          <p:nvPr>
-            <p:ph type="title"/>
-          </p:nvPr>
-        </p:nvSpPr>
-        <p:spPr>
-          <a:xfrm>
-            <a:off x="10111811" y="1408470"/>
-            <a:ext cx="6373495" cy="775970"/>
-          </a:xfrm>
-          <a:prstGeom prst="rect">
-            <a:avLst/>
-          </a:prstGeom>
-        </p:spPr>
-        <p:txBody>
-          <a:bodyPr vert="horz" wrap="square" lIns="0" tIns="15875" rIns="0" bIns="0" rtlCol="0">
-            <a:spAutoFit/>
-          </a:bodyPr>
-          <a:lstStyle/>
-          <a:p>
-            <a:pPr marL="12700">
-              <a:lnSpc>
-                <a:spcPct val="100000"/>
-              </a:lnSpc>
-              <a:spcBef>
-                <a:spcPts val="125"/>
-              </a:spcBef>
-            </a:pPr>
-            <a:r>
-              <a:rPr sz="4900" spc="15" dirty="0">
-                <a:solidFill>
-                  <a:srgbClr val="111B1D"/>
-                </a:solidFill>
-              </a:rPr>
-              <a:t>A </a:t>
-            </a:r>
-            <a:r>
-              <a:rPr sz="4900" spc="55" dirty="0">
-                <a:solidFill>
-                  <a:srgbClr val="111B1D"/>
-                </a:solidFill>
-              </a:rPr>
-              <a:t>BANDEIRA</a:t>
-            </a:r>
-            <a:r>
-              <a:rPr sz="4900" spc="120" dirty="0">
-                <a:solidFill>
-                  <a:srgbClr val="111B1D"/>
-                </a:solidFill>
-              </a:rPr>
-              <a:t> </a:t>
-            </a:r>
-            <a:r>
-              <a:rPr sz="4900" spc="50" dirty="0">
-                <a:solidFill>
-                  <a:srgbClr val="111B1D"/>
-                </a:solidFill>
-              </a:rPr>
-              <a:t>TRANS</a:t>
-            </a:r>
-            <a:endParaRPr sz="4900"/>
-          </a:p>
-        </p:txBody>
-      </p:sp>
-      <p:sp>
-        <p:nvSpPr>
-          <p:cNvPr id="6" name="object 6"/>
-          <p:cNvSpPr txBox="1"/>
-          <p:nvPr/>
-        </p:nvSpPr>
-        <p:spPr>
-          <a:xfrm>
-            <a:off x="10111811" y="2701339"/>
-            <a:ext cx="6625590" cy="5761355"/>
-          </a:xfrm>
-          <a:prstGeom prst="rect">
-            <a:avLst/>
-          </a:prstGeom>
-        </p:spPr>
-        <p:txBody>
-          <a:bodyPr vert="horz" wrap="square" lIns="0" tIns="12700" rIns="0" bIns="0" rtlCol="0">
-            <a:spAutoFit/>
-          </a:bodyPr>
-          <a:lstStyle/>
-          <a:p>
-            <a:pPr marL="12700">
-              <a:lnSpc>
-                <a:spcPct val="100000"/>
-              </a:lnSpc>
-              <a:spcBef>
-                <a:spcPts val="100"/>
-              </a:spcBef>
-              <a:tabLst>
-                <a:tab pos="2496185" algn="l"/>
-                <a:tab pos="3556635" algn="l"/>
-                <a:tab pos="5078095" algn="l"/>
-              </a:tabLst>
-            </a:pPr>
-            <a:r>
-              <a:rPr sz="4200" b="1" spc="290" dirty="0">
-                <a:solidFill>
-                  <a:srgbClr val="111B1D"/>
-                </a:solidFill>
-                <a:latin typeface="Arimo"/>
-                <a:cs typeface="Arimo"/>
-              </a:rPr>
-              <a:t>CRIAD</a:t>
-            </a:r>
-            <a:r>
-              <a:rPr sz="4200" b="1" dirty="0">
-                <a:solidFill>
-                  <a:srgbClr val="111B1D"/>
-                </a:solidFill>
-                <a:latin typeface="Arimo"/>
-                <a:cs typeface="Arimo"/>
-              </a:rPr>
-              <a:t>A	</a:t>
-            </a:r>
-            <a:r>
-              <a:rPr sz="4200" b="1" spc="290" dirty="0">
-                <a:solidFill>
-                  <a:srgbClr val="111B1D"/>
-                </a:solidFill>
-                <a:latin typeface="Arimo"/>
-                <a:cs typeface="Arimo"/>
-              </a:rPr>
-              <a:t>E</a:t>
-            </a:r>
-            <a:r>
-              <a:rPr sz="4200" b="1" dirty="0">
-                <a:solidFill>
-                  <a:srgbClr val="111B1D"/>
-                </a:solidFill>
-                <a:latin typeface="Arimo"/>
-                <a:cs typeface="Arimo"/>
-              </a:rPr>
-              <a:t>M	</a:t>
-            </a:r>
-            <a:r>
-              <a:rPr sz="4200" b="1" spc="290" dirty="0">
-                <a:solidFill>
-                  <a:srgbClr val="111B1D"/>
-                </a:solidFill>
-                <a:latin typeface="Arimo"/>
-                <a:cs typeface="Arimo"/>
-              </a:rPr>
-              <a:t>199</a:t>
-            </a:r>
-            <a:r>
-              <a:rPr sz="4200" b="1" dirty="0">
-                <a:solidFill>
-                  <a:srgbClr val="111B1D"/>
-                </a:solidFill>
-                <a:latin typeface="Arimo"/>
-                <a:cs typeface="Arimo"/>
-              </a:rPr>
-              <a:t>9	</a:t>
-            </a:r>
-            <a:r>
-              <a:rPr sz="4200" b="1" spc="290" dirty="0">
-                <a:solidFill>
-                  <a:srgbClr val="111B1D"/>
-                </a:solidFill>
-                <a:latin typeface="Arimo"/>
-                <a:cs typeface="Arimo"/>
-              </a:rPr>
-              <a:t>PEL</a:t>
-            </a:r>
-            <a:r>
-              <a:rPr sz="4200" b="1" dirty="0">
-                <a:solidFill>
-                  <a:srgbClr val="111B1D"/>
-                </a:solidFill>
-                <a:latin typeface="Arimo"/>
-                <a:cs typeface="Arimo"/>
-              </a:rPr>
-              <a:t>A</a:t>
-            </a:r>
-            <a:endParaRPr sz="4200">
-              <a:latin typeface="Arimo"/>
-              <a:cs typeface="Arimo"/>
-            </a:endParaRPr>
-          </a:p>
-          <a:p>
-            <a:pPr marL="12700">
-              <a:lnSpc>
-                <a:spcPct val="100000"/>
-              </a:lnSpc>
-              <a:spcBef>
-                <a:spcPts val="2985"/>
-              </a:spcBef>
-              <a:tabLst>
-                <a:tab pos="2585085" algn="l"/>
-              </a:tabLst>
-            </a:pPr>
-            <a:r>
-              <a:rPr sz="4200" b="1" spc="240" dirty="0">
-                <a:solidFill>
-                  <a:srgbClr val="111B1D"/>
-                </a:solidFill>
-                <a:latin typeface="Arimo"/>
-                <a:cs typeface="Arimo"/>
-              </a:rPr>
-              <a:t>MONICA	HELMS.</a:t>
-            </a:r>
-            <a:endParaRPr sz="4200">
-              <a:latin typeface="Arimo"/>
-              <a:cs typeface="Arimo"/>
-            </a:endParaRPr>
-          </a:p>
-          <a:p>
-            <a:pPr>
-              <a:lnSpc>
-                <a:spcPct val="100000"/>
-              </a:lnSpc>
-            </a:pPr>
-            <a:endParaRPr sz="4700">
-              <a:latin typeface="Arimo"/>
-              <a:cs typeface="Arimo"/>
-            </a:endParaRPr>
-          </a:p>
-          <a:p>
-            <a:pPr>
-              <a:lnSpc>
-                <a:spcPct val="100000"/>
-              </a:lnSpc>
-              <a:spcBef>
-                <a:spcPts val="25"/>
-              </a:spcBef>
-            </a:pPr>
-            <a:endParaRPr sz="4850">
-              <a:latin typeface="Arimo"/>
-              <a:cs typeface="Arimo"/>
-            </a:endParaRPr>
-          </a:p>
-          <a:p>
-            <a:pPr marL="12700">
-              <a:lnSpc>
-                <a:spcPct val="100000"/>
-              </a:lnSpc>
-              <a:tabLst>
-                <a:tab pos="1984375" algn="l"/>
-              </a:tabLst>
-            </a:pPr>
-            <a:r>
-              <a:rPr sz="4200" b="1" spc="229" dirty="0">
-                <a:solidFill>
-                  <a:srgbClr val="111B1D"/>
-                </a:solidFill>
-                <a:latin typeface="Arimo"/>
-                <a:cs typeface="Arimo"/>
-              </a:rPr>
-              <a:t>AZUL:	</a:t>
-            </a:r>
-            <a:r>
-              <a:rPr sz="4200" b="1" spc="254" dirty="0">
-                <a:solidFill>
-                  <a:srgbClr val="111B1D"/>
-                </a:solidFill>
-                <a:latin typeface="Arimo"/>
-                <a:cs typeface="Arimo"/>
-              </a:rPr>
-              <a:t>MASCULINO</a:t>
-            </a:r>
-            <a:endParaRPr sz="4200">
-              <a:latin typeface="Arimo"/>
-              <a:cs typeface="Arimo"/>
-            </a:endParaRPr>
-          </a:p>
-          <a:p>
-            <a:pPr marL="12700" marR="170180">
-              <a:lnSpc>
-                <a:spcPct val="159200"/>
-              </a:lnSpc>
-              <a:spcBef>
-                <a:spcPts val="5"/>
-              </a:spcBef>
-              <a:tabLst>
-                <a:tab pos="2977515" algn="l"/>
-              </a:tabLst>
-            </a:pPr>
-            <a:r>
-              <a:rPr sz="4200" b="1" spc="290" dirty="0">
-                <a:solidFill>
-                  <a:srgbClr val="111B1D"/>
-                </a:solidFill>
-                <a:latin typeface="Arimo"/>
-                <a:cs typeface="Arimo"/>
-              </a:rPr>
-              <a:t>BRANCO</a:t>
-            </a:r>
-            <a:r>
-              <a:rPr sz="4200" b="1" dirty="0">
-                <a:solidFill>
-                  <a:srgbClr val="111B1D"/>
-                </a:solidFill>
-                <a:latin typeface="Arimo"/>
-                <a:cs typeface="Arimo"/>
-              </a:rPr>
-              <a:t>:	</a:t>
-            </a:r>
-            <a:r>
-              <a:rPr sz="4200" b="1" spc="290" dirty="0">
-                <a:solidFill>
-                  <a:srgbClr val="111B1D"/>
-                </a:solidFill>
-                <a:latin typeface="Arimo"/>
-                <a:cs typeface="Arimo"/>
-              </a:rPr>
-              <a:t>TRANSIÇÃ</a:t>
-            </a:r>
-            <a:r>
-              <a:rPr sz="4200" b="1" dirty="0">
-                <a:solidFill>
-                  <a:srgbClr val="111B1D"/>
-                </a:solidFill>
-                <a:latin typeface="Arimo"/>
-                <a:cs typeface="Arimo"/>
-              </a:rPr>
-              <a:t>O  </a:t>
-            </a:r>
-            <a:r>
-              <a:rPr sz="4200" b="1" spc="265" dirty="0">
-                <a:solidFill>
-                  <a:srgbClr val="111B1D"/>
-                </a:solidFill>
-                <a:latin typeface="Arimo"/>
-                <a:cs typeface="Arimo"/>
-              </a:rPr>
-              <a:t>ROSA:FEMININO</a:t>
-            </a:r>
-            <a:endParaRPr sz="4200">
-              <a:latin typeface="Arimo"/>
-              <a:cs typeface="Arimo"/>
-            </a:endParaRPr>
-          </a:p>
-        </p:txBody>
-      </p:sp>
-    </p:spTree>
-  </p:cSld>
-  <p:clrMapOvr>
-    <a:masterClrMapping/>
-  </p:clrMapOvr>
-  <mc:AlternateContent xmlns:mc="http://schemas.openxmlformats.org/markup-compatibility/2006" xmlns:p14="http://schemas.microsoft.com/office/powerpoint/2010/main">
-    <mc:Choice Requires="p14">
-      <p:transition spd="slow" p14:dur="1500">
-        <p:split orient="vert"/>
-      </p:transition>
-    </mc:Choice>
-    <mc:Fallback xmlns="">
-      <p:transition spd="slow">
-        <p:split orient="vert"/>
-      </p:transition>
-    </mc:Fallback>
-  </mc:AlternateContent>
-  <p:timing>
-    <p:tnLst>
-      <p:par>
-        <p:cTn id="1" dur="indefinite" restart="never" nodeType="tmRoot"/>
-      </p:par>
-    </p:tnLst>
-  </p:timing>
-</p:sld>
-</file>
-
-<file path=ppt/slides/slide4.xml><?xml version="1.0" encoding="utf-8"?>
-<p:sld xmlns:a="http://schemas.openxmlformats.org/drawingml/2006/main" xmlns:r="http://schemas.openxmlformats.org/officeDocument/2006/relationships" xmlns:p="http://schemas.openxmlformats.org/presentationml/2006/main" showMasterSp="0">
-  <p:cSld>
-    <p:spTree>
-      <p:nvGrpSpPr>
-        <p:cNvPr id="1" name=""/>
-        <p:cNvGrpSpPr/>
-        <p:nvPr/>
-      </p:nvGrpSpPr>
-      <p:grpSpPr>
-        <a:xfrm>
-          <a:off x="0" y="0"/>
-          <a:ext cx="0" cy="0"/>
-          <a:chOff x="0" y="0"/>
-          <a:chExt cx="0" cy="0"/>
-        </a:xfrm>
-      </p:grpSpPr>
-      <p:sp>
-        <p:nvSpPr>
-          <p:cNvPr id="2" name="object 2"/>
-          <p:cNvSpPr/>
-          <p:nvPr/>
-        </p:nvSpPr>
-        <p:spPr>
-          <a:xfrm>
-            <a:off x="0" y="0"/>
-            <a:ext cx="18288000" cy="10287000"/>
-          </a:xfrm>
-          <a:custGeom>
-            <a:avLst/>
-            <a:gdLst/>
-            <a:ahLst/>
-            <a:cxnLst/>
-            <a:rect l="l" t="t" r="r" b="b"/>
-            <a:pathLst>
-              <a:path w="18288000" h="10287000">
-                <a:moveTo>
-                  <a:pt x="18288000" y="10287000"/>
-                </a:moveTo>
-                <a:lnTo>
-                  <a:pt x="0" y="10287000"/>
-                </a:lnTo>
-                <a:lnTo>
-                  <a:pt x="0" y="0"/>
-                </a:lnTo>
-                <a:lnTo>
-                  <a:pt x="18288000" y="0"/>
-                </a:lnTo>
-                <a:lnTo>
-                  <a:pt x="18288000" y="10287000"/>
-                </a:lnTo>
-                <a:close/>
-              </a:path>
-            </a:pathLst>
-          </a:custGeom>
-          <a:solidFill>
-            <a:srgbClr val="5270FF"/>
-          </a:solidFill>
-        </p:spPr>
-        <p:txBody>
-          <a:bodyPr wrap="square" lIns="0" tIns="0" rIns="0" bIns="0" rtlCol="0"/>
-          <a:lstStyle/>
-          <a:p>
-            <a:pPr marL="12700" marR="5080">
-              <a:lnSpc>
-                <a:spcPts val="4280"/>
-              </a:lnSpc>
-              <a:spcBef>
-                <a:spcPts val="275"/>
-              </a:spcBef>
-            </a:pPr>
-            <a:endParaRPr lang="pt-BR" dirty="0">
-              <a:latin typeface="Arimo"/>
-              <a:cs typeface="Arimo"/>
-            </a:endParaRPr>
-          </a:p>
-        </p:txBody>
-      </p:sp>
-      <p:sp>
-        <p:nvSpPr>
-          <p:cNvPr id="3" name="object 3"/>
-          <p:cNvSpPr/>
-          <p:nvPr/>
-        </p:nvSpPr>
-        <p:spPr>
-          <a:xfrm>
-            <a:off x="7508961" y="1209674"/>
-            <a:ext cx="3048000" cy="8705850"/>
-          </a:xfrm>
-          <a:custGeom>
-            <a:avLst/>
-            <a:gdLst/>
-            <a:ahLst/>
-            <a:cxnLst/>
-            <a:rect l="l" t="t" r="r" b="b"/>
-            <a:pathLst>
-              <a:path w="3048000" h="8705850">
-                <a:moveTo>
-                  <a:pt x="3048000" y="8705850"/>
-                </a:moveTo>
-                <a:lnTo>
-                  <a:pt x="0" y="8705850"/>
-                </a:lnTo>
-                <a:lnTo>
-                  <a:pt x="0" y="0"/>
-                </a:lnTo>
-                <a:lnTo>
-                  <a:pt x="3048000" y="0"/>
-                </a:lnTo>
-                <a:lnTo>
-                  <a:pt x="3048000" y="8705850"/>
-                </a:lnTo>
-                <a:close/>
-              </a:path>
-            </a:pathLst>
-          </a:custGeom>
-          <a:solidFill>
-            <a:srgbClr val="FFFFFF"/>
-          </a:solidFill>
-        </p:spPr>
-        <p:txBody>
-          <a:bodyPr wrap="square" lIns="0" tIns="0" rIns="0" bIns="0" rtlCol="0"/>
-          <a:lstStyle/>
-          <a:p>
-            <a:endParaRPr/>
-          </a:p>
-        </p:txBody>
-      </p:sp>
-      <p:sp>
-        <p:nvSpPr>
-          <p:cNvPr id="4" name="object 4"/>
-          <p:cNvSpPr/>
-          <p:nvPr/>
-        </p:nvSpPr>
-        <p:spPr>
-          <a:xfrm>
-            <a:off x="10869107" y="1209674"/>
-            <a:ext cx="3048000" cy="8705850"/>
-          </a:xfrm>
-          <a:custGeom>
-            <a:avLst/>
-            <a:gdLst/>
-            <a:ahLst/>
-            <a:cxnLst/>
-            <a:rect l="l" t="t" r="r" b="b"/>
-            <a:pathLst>
-              <a:path w="3048000" h="8705850">
-                <a:moveTo>
-                  <a:pt x="3048000" y="8705850"/>
-                </a:moveTo>
-                <a:lnTo>
-                  <a:pt x="0" y="8705850"/>
-                </a:lnTo>
-                <a:lnTo>
-                  <a:pt x="0" y="0"/>
-                </a:lnTo>
-                <a:lnTo>
-                  <a:pt x="3048000" y="0"/>
-                </a:lnTo>
-                <a:lnTo>
-                  <a:pt x="3048000" y="8705850"/>
-                </a:lnTo>
-                <a:close/>
-              </a:path>
-            </a:pathLst>
-          </a:custGeom>
-          <a:solidFill>
-            <a:srgbClr val="FFFFFF"/>
-          </a:solidFill>
-        </p:spPr>
-        <p:txBody>
-          <a:bodyPr wrap="square" lIns="0" tIns="0" rIns="0" bIns="0" rtlCol="0"/>
-          <a:lstStyle/>
-          <a:p>
-            <a:endParaRPr/>
-          </a:p>
-        </p:txBody>
-      </p:sp>
-      <p:sp>
-        <p:nvSpPr>
-          <p:cNvPr id="5" name="object 5"/>
-          <p:cNvSpPr/>
-          <p:nvPr/>
-        </p:nvSpPr>
-        <p:spPr>
-          <a:xfrm>
-            <a:off x="14210264" y="1209674"/>
-            <a:ext cx="3248025" cy="8705850"/>
-          </a:xfrm>
-          <a:custGeom>
-            <a:avLst/>
-            <a:gdLst/>
-            <a:ahLst/>
-            <a:cxnLst/>
-            <a:rect l="l" t="t" r="r" b="b"/>
-            <a:pathLst>
-              <a:path w="3248025" h="8705850">
-                <a:moveTo>
-                  <a:pt x="3248025" y="8705850"/>
-                </a:moveTo>
-                <a:lnTo>
-                  <a:pt x="0" y="8705850"/>
-                </a:lnTo>
-                <a:lnTo>
-                  <a:pt x="0" y="0"/>
-                </a:lnTo>
-                <a:lnTo>
-                  <a:pt x="3248025" y="0"/>
-                </a:lnTo>
-                <a:lnTo>
-                  <a:pt x="3248025" y="8705850"/>
-                </a:lnTo>
-                <a:close/>
-              </a:path>
-            </a:pathLst>
-          </a:custGeom>
-          <a:solidFill>
-            <a:srgbClr val="FFFFFF"/>
-          </a:solidFill>
-        </p:spPr>
-        <p:txBody>
-          <a:bodyPr wrap="square" lIns="0" tIns="0" rIns="0" bIns="0" rtlCol="0"/>
-          <a:lstStyle/>
-          <a:p>
-            <a:endParaRPr/>
-          </a:p>
-        </p:txBody>
-      </p:sp>
-      <p:sp>
-        <p:nvSpPr>
-          <p:cNvPr id="6" name="object 6"/>
-          <p:cNvSpPr/>
-          <p:nvPr/>
-        </p:nvSpPr>
-        <p:spPr>
-          <a:xfrm>
-            <a:off x="317153" y="8256574"/>
-            <a:ext cx="1423670" cy="1420495"/>
-          </a:xfrm>
-          <a:custGeom>
-            <a:avLst/>
-            <a:gdLst/>
-            <a:ahLst/>
-            <a:cxnLst/>
-            <a:rect l="l" t="t" r="r" b="b"/>
-            <a:pathLst>
-              <a:path w="1423670" h="1420495">
-                <a:moveTo>
-                  <a:pt x="1423091" y="1420243"/>
-                </a:moveTo>
-                <a:lnTo>
-                  <a:pt x="0" y="1420243"/>
-                </a:lnTo>
-                <a:lnTo>
-                  <a:pt x="0" y="0"/>
-                </a:lnTo>
-                <a:lnTo>
-                  <a:pt x="1423091" y="1420243"/>
-                </a:lnTo>
-                <a:close/>
-              </a:path>
-            </a:pathLst>
-          </a:custGeom>
-          <a:solidFill>
-            <a:srgbClr val="FF66C3"/>
-          </a:solidFill>
-        </p:spPr>
-        <p:txBody>
-          <a:bodyPr wrap="square" lIns="0" tIns="0" rIns="0" bIns="0" rtlCol="0"/>
-          <a:lstStyle/>
-          <a:p>
-            <a:endParaRPr/>
-          </a:p>
-        </p:txBody>
-      </p:sp>
-      <p:sp>
-        <p:nvSpPr>
-          <p:cNvPr id="7" name="object 7"/>
-          <p:cNvSpPr/>
-          <p:nvPr/>
-        </p:nvSpPr>
-        <p:spPr>
-          <a:xfrm>
-            <a:off x="7472354" y="1209690"/>
-            <a:ext cx="3086099" cy="4762484"/>
-          </a:xfrm>
-          <a:prstGeom prst="rect">
-            <a:avLst/>
-          </a:prstGeom>
-          <a:blipFill>
-            <a:blip r:embed="rId2" cstate="print"/>
-            <a:stretch>
-              <a:fillRect/>
-            </a:stretch>
-          </a:blipFill>
-        </p:spPr>
-        <p:txBody>
-          <a:bodyPr wrap="square" lIns="0" tIns="0" rIns="0" bIns="0" rtlCol="0"/>
-          <a:lstStyle/>
-          <a:p>
-            <a:endParaRPr/>
-          </a:p>
-        </p:txBody>
-      </p:sp>
-      <p:sp>
-        <p:nvSpPr>
-          <p:cNvPr id="8" name="object 8"/>
-          <p:cNvSpPr/>
-          <p:nvPr/>
-        </p:nvSpPr>
-        <p:spPr>
-          <a:xfrm>
-            <a:off x="10869107" y="1209674"/>
-            <a:ext cx="3047999" cy="4762484"/>
-          </a:xfrm>
-          <a:prstGeom prst="rect">
-            <a:avLst/>
-          </a:prstGeom>
-          <a:blipFill>
-            <a:blip r:embed="rId3" cstate="print"/>
-            <a:stretch>
-              <a:fillRect/>
-            </a:stretch>
-          </a:blipFill>
-        </p:spPr>
-        <p:txBody>
-          <a:bodyPr wrap="square" lIns="0" tIns="0" rIns="0" bIns="0" rtlCol="0"/>
-          <a:lstStyle/>
-          <a:p>
-            <a:endParaRPr/>
-          </a:p>
-        </p:txBody>
-      </p:sp>
-      <p:sp>
-        <p:nvSpPr>
-          <p:cNvPr id="9" name="object 9"/>
-          <p:cNvSpPr/>
-          <p:nvPr/>
-        </p:nvSpPr>
-        <p:spPr>
-          <a:xfrm>
-            <a:off x="14210262" y="1209674"/>
-            <a:ext cx="3248040" cy="4760960"/>
-          </a:xfrm>
-          <a:prstGeom prst="rect">
-            <a:avLst/>
-          </a:prstGeom>
-          <a:blipFill>
-            <a:blip r:embed="rId4" cstate="print"/>
-            <a:stretch>
-              <a:fillRect/>
-            </a:stretch>
-          </a:blipFill>
-        </p:spPr>
-        <p:txBody>
-          <a:bodyPr wrap="square" lIns="0" tIns="0" rIns="0" bIns="0" rtlCol="0"/>
-          <a:lstStyle/>
-          <a:p>
-            <a:endParaRPr/>
-          </a:p>
-        </p:txBody>
-      </p:sp>
-      <p:sp>
-        <p:nvSpPr>
-          <p:cNvPr id="10" name="object 10"/>
-          <p:cNvSpPr txBox="1">
-            <a:spLocks noGrp="1"/>
-          </p:cNvSpPr>
-          <p:nvPr>
-            <p:ph type="title"/>
-          </p:nvPr>
-        </p:nvSpPr>
-        <p:spPr>
-          <a:xfrm>
-            <a:off x="706899" y="1714500"/>
-            <a:ext cx="6337012" cy="2757165"/>
-          </a:xfrm>
-          <a:prstGeom prst="rect">
-            <a:avLst/>
-          </a:prstGeom>
-        </p:spPr>
-        <p:txBody>
-          <a:bodyPr vert="horz" wrap="square" lIns="0" tIns="63500" rIns="0" bIns="0" rtlCol="0">
-            <a:spAutoFit/>
-          </a:bodyPr>
-          <a:lstStyle/>
-          <a:p>
-            <a:pPr marL="12700" marR="5080">
-              <a:lnSpc>
-                <a:spcPts val="10500"/>
-              </a:lnSpc>
-              <a:spcBef>
-                <a:spcPts val="500"/>
-              </a:spcBef>
-            </a:pPr>
-            <a:r>
-              <a:rPr sz="8800" b="0" i="1" spc="-190" dirty="0">
-                <a:latin typeface="Verdana"/>
-                <a:cs typeface="Verdana"/>
-              </a:rPr>
-              <a:t>T</a:t>
-            </a:r>
-            <a:r>
-              <a:rPr sz="8800" b="0" i="1" spc="-550" dirty="0">
-                <a:latin typeface="Verdana"/>
-                <a:cs typeface="Verdana"/>
-              </a:rPr>
-              <a:t>O</a:t>
-            </a:r>
-            <a:r>
-              <a:rPr sz="8800" b="0" i="1" spc="-825" dirty="0">
-                <a:latin typeface="Verdana"/>
-                <a:cs typeface="Verdana"/>
-              </a:rPr>
-              <a:t>G</a:t>
-            </a:r>
-            <a:r>
-              <a:rPr sz="8800" b="0" i="1" spc="-790" dirty="0">
-                <a:latin typeface="Verdana"/>
-                <a:cs typeface="Verdana"/>
-              </a:rPr>
-              <a:t>E</a:t>
-            </a:r>
-            <a:r>
-              <a:rPr sz="8800" b="0" i="1" spc="-190" dirty="0">
-                <a:latin typeface="Verdana"/>
-                <a:cs typeface="Verdana"/>
-              </a:rPr>
-              <a:t>T</a:t>
-            </a:r>
-            <a:r>
-              <a:rPr sz="8800" b="0" i="1" spc="-405" dirty="0">
-                <a:latin typeface="Verdana"/>
-                <a:cs typeface="Verdana"/>
-              </a:rPr>
-              <a:t>H</a:t>
-            </a:r>
-            <a:r>
-              <a:rPr sz="8800" b="0" i="1" spc="-790" dirty="0">
-                <a:latin typeface="Verdana"/>
-                <a:cs typeface="Verdana"/>
-              </a:rPr>
-              <a:t>E</a:t>
-            </a:r>
-            <a:r>
-              <a:rPr sz="8800" b="0" i="1" spc="-415" dirty="0">
-                <a:latin typeface="Verdana"/>
-                <a:cs typeface="Verdana"/>
-              </a:rPr>
-              <a:t>R </a:t>
-            </a:r>
-            <a:r>
-              <a:rPr sz="8800" b="0" i="1" spc="-280" dirty="0">
-                <a:latin typeface="Verdana"/>
-                <a:cs typeface="Verdana"/>
-              </a:rPr>
-              <a:t> </a:t>
-            </a:r>
-            <a:r>
-              <a:rPr sz="8800" b="0" i="1" spc="-475" dirty="0">
-                <a:latin typeface="Verdana"/>
-                <a:cs typeface="Verdana"/>
-              </a:rPr>
-              <a:t>TECH</a:t>
-            </a:r>
-            <a:endParaRPr sz="8800" dirty="0">
-              <a:latin typeface="Verdana"/>
-              <a:cs typeface="Verdana"/>
-            </a:endParaRPr>
-          </a:p>
-        </p:txBody>
-      </p:sp>
-      <p:sp>
-        <p:nvSpPr>
-          <p:cNvPr id="11" name="object 11"/>
-          <p:cNvSpPr txBox="1"/>
-          <p:nvPr/>
-        </p:nvSpPr>
-        <p:spPr>
-          <a:xfrm>
-            <a:off x="1016000" y="4698242"/>
-            <a:ext cx="5718810" cy="1659889"/>
-          </a:xfrm>
-          <a:prstGeom prst="rect">
-            <a:avLst/>
-          </a:prstGeom>
-        </p:spPr>
-        <p:txBody>
-          <a:bodyPr vert="horz" wrap="square" lIns="0" tIns="34925" rIns="0" bIns="0" rtlCol="0">
-            <a:spAutoFit/>
-          </a:bodyPr>
-          <a:lstStyle/>
-          <a:p>
-            <a:pPr marL="12700" marR="5080">
-              <a:lnSpc>
-                <a:spcPts val="4280"/>
-              </a:lnSpc>
-              <a:spcBef>
-                <a:spcPts val="275"/>
-              </a:spcBef>
-            </a:pPr>
-            <a:r>
-              <a:rPr sz="3600" b="1" spc="150" dirty="0">
-                <a:solidFill>
-                  <a:srgbClr val="FFFFFF"/>
-                </a:solidFill>
-                <a:latin typeface="Arimo"/>
-                <a:cs typeface="Arimo"/>
-              </a:rPr>
-              <a:t>SITE </a:t>
-            </a:r>
-            <a:r>
-              <a:rPr sz="3600" b="1" spc="130" dirty="0">
-                <a:solidFill>
-                  <a:srgbClr val="FFFFFF"/>
-                </a:solidFill>
-                <a:latin typeface="Arimo"/>
-                <a:cs typeface="Arimo"/>
-              </a:rPr>
-              <a:t>COM </a:t>
-            </a:r>
-            <a:r>
-              <a:rPr sz="3600" b="1" spc="175" dirty="0">
-                <a:solidFill>
-                  <a:srgbClr val="FFFFFF"/>
-                </a:solidFill>
-                <a:latin typeface="Arimo"/>
-                <a:cs typeface="Arimo"/>
-              </a:rPr>
-              <a:t>CONTEÚDOS  VOLTADOS</a:t>
-            </a:r>
-            <a:r>
-              <a:rPr sz="3600" b="1" spc="390" dirty="0">
-                <a:solidFill>
-                  <a:srgbClr val="FFFFFF"/>
-                </a:solidFill>
-                <a:latin typeface="Arimo"/>
-                <a:cs typeface="Arimo"/>
-              </a:rPr>
-              <a:t> </a:t>
-            </a:r>
-            <a:r>
-              <a:rPr sz="3600" b="1" dirty="0">
-                <a:solidFill>
-                  <a:srgbClr val="FFFFFF"/>
-                </a:solidFill>
-                <a:latin typeface="Arimo"/>
-                <a:cs typeface="Arimo"/>
-              </a:rPr>
-              <a:t>A</a:t>
-            </a:r>
-            <a:endParaRPr sz="3600" dirty="0">
-              <a:latin typeface="Arimo"/>
-              <a:cs typeface="Arimo"/>
-            </a:endParaRPr>
-          </a:p>
-          <a:p>
-            <a:pPr marL="12700">
-              <a:lnSpc>
-                <a:spcPts val="4135"/>
-              </a:lnSpc>
-            </a:pPr>
-            <a:r>
-              <a:rPr sz="3600" b="1" spc="175" dirty="0">
-                <a:solidFill>
-                  <a:srgbClr val="FFFFFF"/>
-                </a:solidFill>
-                <a:latin typeface="Arimo"/>
-                <a:cs typeface="Arimo"/>
-              </a:rPr>
-              <a:t>POPULAÇÃO</a:t>
-            </a:r>
-            <a:r>
-              <a:rPr sz="3600" b="1" spc="380" dirty="0">
-                <a:solidFill>
-                  <a:srgbClr val="FFFFFF"/>
-                </a:solidFill>
-                <a:latin typeface="Arimo"/>
-                <a:cs typeface="Arimo"/>
-              </a:rPr>
-              <a:t> </a:t>
-            </a:r>
-            <a:r>
-              <a:rPr sz="3600" b="1" spc="165" dirty="0">
-                <a:solidFill>
-                  <a:srgbClr val="FFFFFF"/>
-                </a:solidFill>
-                <a:latin typeface="Arimo"/>
-                <a:cs typeface="Arimo"/>
-              </a:rPr>
-              <a:t>TRANS!</a:t>
-            </a:r>
-            <a:endParaRPr sz="3600" dirty="0">
-              <a:latin typeface="Arimo"/>
-              <a:cs typeface="Arimo"/>
-            </a:endParaRPr>
-          </a:p>
-        </p:txBody>
-      </p:sp>
-      <p:sp>
-        <p:nvSpPr>
-          <p:cNvPr id="12" name="object 12"/>
-          <p:cNvSpPr txBox="1"/>
-          <p:nvPr/>
-        </p:nvSpPr>
-        <p:spPr>
-          <a:xfrm>
-            <a:off x="7508961" y="1209674"/>
-            <a:ext cx="3048000" cy="8705850"/>
-          </a:xfrm>
-          <a:prstGeom prst="rect">
-            <a:avLst/>
-          </a:prstGeom>
-        </p:spPr>
-        <p:txBody>
-          <a:bodyPr vert="horz" wrap="square" lIns="0" tIns="0" rIns="0" bIns="0" rtlCol="0">
-            <a:spAutoFit/>
-          </a:bodyPr>
-          <a:lstStyle/>
-          <a:p>
-            <a:pPr>
-              <a:lnSpc>
-                <a:spcPct val="100000"/>
-              </a:lnSpc>
-            </a:pPr>
-            <a:endParaRPr sz="3100" dirty="0">
-              <a:latin typeface="Times New Roman"/>
-              <a:cs typeface="Times New Roman"/>
-            </a:endParaRPr>
-          </a:p>
-          <a:p>
-            <a:pPr>
-              <a:lnSpc>
-                <a:spcPct val="100000"/>
-              </a:lnSpc>
-            </a:pPr>
-            <a:endParaRPr sz="3100" dirty="0">
-              <a:latin typeface="Times New Roman"/>
-              <a:cs typeface="Times New Roman"/>
-            </a:endParaRPr>
-          </a:p>
-          <a:p>
-            <a:pPr>
-              <a:lnSpc>
-                <a:spcPct val="100000"/>
-              </a:lnSpc>
-            </a:pPr>
-            <a:endParaRPr sz="3100" dirty="0">
-              <a:latin typeface="Times New Roman"/>
-              <a:cs typeface="Times New Roman"/>
-            </a:endParaRPr>
-          </a:p>
-          <a:p>
-            <a:pPr>
-              <a:lnSpc>
-                <a:spcPct val="100000"/>
-              </a:lnSpc>
-            </a:pPr>
-            <a:endParaRPr sz="3100" dirty="0">
-              <a:latin typeface="Times New Roman"/>
-              <a:cs typeface="Times New Roman"/>
-            </a:endParaRPr>
-          </a:p>
-          <a:p>
-            <a:pPr>
-              <a:lnSpc>
-                <a:spcPct val="100000"/>
-              </a:lnSpc>
-            </a:pPr>
-            <a:endParaRPr sz="3100" dirty="0">
-              <a:latin typeface="Times New Roman"/>
-              <a:cs typeface="Times New Roman"/>
-            </a:endParaRPr>
-          </a:p>
-          <a:p>
-            <a:pPr>
-              <a:lnSpc>
-                <a:spcPct val="100000"/>
-              </a:lnSpc>
-            </a:pPr>
-            <a:endParaRPr sz="3100" dirty="0">
-              <a:latin typeface="Times New Roman"/>
-              <a:cs typeface="Times New Roman"/>
-            </a:endParaRPr>
-          </a:p>
-          <a:p>
-            <a:pPr>
-              <a:lnSpc>
-                <a:spcPct val="100000"/>
-              </a:lnSpc>
-            </a:pPr>
-            <a:endParaRPr sz="3100" dirty="0">
-              <a:latin typeface="Times New Roman"/>
-              <a:cs typeface="Times New Roman"/>
-            </a:endParaRPr>
-          </a:p>
-          <a:p>
-            <a:pPr>
-              <a:lnSpc>
-                <a:spcPct val="100000"/>
-              </a:lnSpc>
-            </a:pPr>
-            <a:endParaRPr sz="3100" dirty="0">
-              <a:latin typeface="Times New Roman"/>
-              <a:cs typeface="Times New Roman"/>
-            </a:endParaRPr>
-          </a:p>
-          <a:p>
-            <a:pPr>
-              <a:lnSpc>
-                <a:spcPct val="100000"/>
-              </a:lnSpc>
-            </a:pPr>
-            <a:endParaRPr sz="3100" dirty="0">
-              <a:latin typeface="Times New Roman"/>
-              <a:cs typeface="Times New Roman"/>
-            </a:endParaRPr>
-          </a:p>
-          <a:p>
-            <a:pPr>
-              <a:lnSpc>
-                <a:spcPct val="100000"/>
-              </a:lnSpc>
-            </a:pPr>
-            <a:endParaRPr sz="3100" dirty="0">
-              <a:latin typeface="Times New Roman"/>
-              <a:cs typeface="Times New Roman"/>
-            </a:endParaRPr>
-          </a:p>
-          <a:p>
-            <a:pPr>
-              <a:lnSpc>
-                <a:spcPct val="100000"/>
-              </a:lnSpc>
-              <a:spcBef>
-                <a:spcPts val="15"/>
-              </a:spcBef>
-            </a:pPr>
-            <a:endParaRPr sz="4200" dirty="0">
-              <a:latin typeface="Times New Roman"/>
-              <a:cs typeface="Times New Roman"/>
-            </a:endParaRPr>
-          </a:p>
-          <a:p>
-            <a:pPr marL="29845" marR="287020">
-              <a:lnSpc>
-                <a:spcPct val="136200"/>
-              </a:lnSpc>
-              <a:tabLst>
-                <a:tab pos="878205" algn="l"/>
-                <a:tab pos="1075690" algn="l"/>
-                <a:tab pos="1725930" algn="l"/>
-              </a:tabLst>
-            </a:pPr>
-            <a:r>
-              <a:rPr sz="2800" b="1" spc="305" dirty="0">
-                <a:solidFill>
-                  <a:srgbClr val="111B1D"/>
-                </a:solidFill>
-                <a:latin typeface="Arimo"/>
-                <a:cs typeface="Arimo"/>
-              </a:rPr>
-              <a:t>NÃ</a:t>
-            </a:r>
-            <a:r>
-              <a:rPr sz="2800" b="1" dirty="0">
-                <a:solidFill>
-                  <a:srgbClr val="111B1D"/>
-                </a:solidFill>
-                <a:latin typeface="Arimo"/>
-                <a:cs typeface="Arimo"/>
-              </a:rPr>
-              <a:t>O	</a:t>
-            </a:r>
-            <a:r>
-              <a:rPr sz="2800" b="1" spc="305" dirty="0">
-                <a:solidFill>
-                  <a:srgbClr val="111B1D"/>
-                </a:solidFill>
-                <a:latin typeface="Arimo"/>
-                <a:cs typeface="Arimo"/>
-              </a:rPr>
-              <a:t>APENA</a:t>
-            </a:r>
-            <a:r>
-              <a:rPr sz="2800" b="1" dirty="0">
-                <a:solidFill>
-                  <a:srgbClr val="111B1D"/>
-                </a:solidFill>
-                <a:latin typeface="Arimo"/>
-                <a:cs typeface="Arimo"/>
-              </a:rPr>
-              <a:t>S  </a:t>
-            </a:r>
-            <a:r>
-              <a:rPr sz="2800" b="1" spc="250" dirty="0">
-                <a:solidFill>
-                  <a:srgbClr val="111B1D"/>
-                </a:solidFill>
-                <a:latin typeface="Arimo"/>
-                <a:cs typeface="Arimo"/>
-              </a:rPr>
-              <a:t>TRANS,	</a:t>
-            </a:r>
-            <a:r>
-              <a:rPr sz="2800" b="1" spc="200" dirty="0">
-                <a:solidFill>
-                  <a:srgbClr val="111B1D"/>
-                </a:solidFill>
-                <a:latin typeface="Arimo"/>
-                <a:cs typeface="Arimo"/>
-              </a:rPr>
-              <a:t>MAS  CIS	</a:t>
-            </a:r>
-            <a:r>
-              <a:rPr sz="2800" b="1" spc="250" dirty="0">
-                <a:solidFill>
-                  <a:srgbClr val="111B1D"/>
-                </a:solidFill>
-                <a:latin typeface="Arimo"/>
-                <a:cs typeface="Arimo"/>
-              </a:rPr>
-              <a:t>TAMBEM  </a:t>
-            </a:r>
-            <a:r>
-              <a:rPr sz="2800" b="1" spc="240" dirty="0">
-                <a:solidFill>
-                  <a:srgbClr val="111B1D"/>
-                </a:solidFill>
-                <a:latin typeface="Arimo"/>
-                <a:cs typeface="Arimo"/>
-              </a:rPr>
-              <a:t>PODE!</a:t>
-            </a:r>
-            <a:endParaRPr sz="2800" dirty="0">
-              <a:latin typeface="Arimo"/>
-              <a:cs typeface="Arimo"/>
-            </a:endParaRPr>
-          </a:p>
-        </p:txBody>
-      </p:sp>
-      <p:sp>
-        <p:nvSpPr>
-          <p:cNvPr id="13" name="object 13"/>
-          <p:cNvSpPr txBox="1"/>
-          <p:nvPr/>
-        </p:nvSpPr>
-        <p:spPr>
-          <a:xfrm>
-            <a:off x="10869107" y="1209674"/>
-            <a:ext cx="3048000" cy="8705850"/>
-          </a:xfrm>
-          <a:prstGeom prst="rect">
-            <a:avLst/>
-          </a:prstGeom>
-        </p:spPr>
-        <p:txBody>
-          <a:bodyPr vert="horz" wrap="square" lIns="0" tIns="0" rIns="0" bIns="0" rtlCol="0">
-            <a:spAutoFit/>
-          </a:bodyPr>
-          <a:lstStyle/>
-          <a:p>
-            <a:pPr>
-              <a:lnSpc>
-                <a:spcPct val="100000"/>
-              </a:lnSpc>
-            </a:pPr>
-            <a:endParaRPr sz="3100" dirty="0">
-              <a:latin typeface="Times New Roman"/>
-              <a:cs typeface="Times New Roman"/>
-            </a:endParaRPr>
-          </a:p>
-          <a:p>
-            <a:pPr>
-              <a:lnSpc>
-                <a:spcPct val="100000"/>
-              </a:lnSpc>
-            </a:pPr>
-            <a:endParaRPr sz="3100" dirty="0">
-              <a:latin typeface="Times New Roman"/>
-              <a:cs typeface="Times New Roman"/>
-            </a:endParaRPr>
-          </a:p>
-          <a:p>
-            <a:pPr>
-              <a:lnSpc>
-                <a:spcPct val="100000"/>
-              </a:lnSpc>
-            </a:pPr>
-            <a:endParaRPr sz="3100" dirty="0">
-              <a:latin typeface="Times New Roman"/>
-              <a:cs typeface="Times New Roman"/>
-            </a:endParaRPr>
-          </a:p>
-          <a:p>
-            <a:pPr>
-              <a:lnSpc>
-                <a:spcPct val="100000"/>
-              </a:lnSpc>
-            </a:pPr>
-            <a:endParaRPr sz="3100" dirty="0">
-              <a:latin typeface="Times New Roman"/>
-              <a:cs typeface="Times New Roman"/>
-            </a:endParaRPr>
-          </a:p>
-          <a:p>
-            <a:pPr>
-              <a:lnSpc>
-                <a:spcPct val="100000"/>
-              </a:lnSpc>
-            </a:pPr>
-            <a:endParaRPr sz="3100" dirty="0">
-              <a:latin typeface="Times New Roman"/>
-              <a:cs typeface="Times New Roman"/>
-            </a:endParaRPr>
-          </a:p>
-          <a:p>
-            <a:pPr>
-              <a:lnSpc>
-                <a:spcPct val="100000"/>
-              </a:lnSpc>
-            </a:pPr>
-            <a:endParaRPr sz="3100" dirty="0">
-              <a:latin typeface="Times New Roman"/>
-              <a:cs typeface="Times New Roman"/>
-            </a:endParaRPr>
-          </a:p>
-          <a:p>
-            <a:pPr>
-              <a:lnSpc>
-                <a:spcPct val="100000"/>
-              </a:lnSpc>
-            </a:pPr>
-            <a:endParaRPr sz="3100" dirty="0">
-              <a:latin typeface="Times New Roman"/>
-              <a:cs typeface="Times New Roman"/>
-            </a:endParaRPr>
-          </a:p>
-          <a:p>
-            <a:pPr>
-              <a:lnSpc>
-                <a:spcPct val="100000"/>
-              </a:lnSpc>
-            </a:pPr>
-            <a:endParaRPr sz="3100" dirty="0">
-              <a:latin typeface="Times New Roman"/>
-              <a:cs typeface="Times New Roman"/>
-            </a:endParaRPr>
-          </a:p>
-          <a:p>
-            <a:pPr>
-              <a:lnSpc>
-                <a:spcPct val="100000"/>
-              </a:lnSpc>
-            </a:pPr>
-            <a:endParaRPr sz="3100" dirty="0">
-              <a:latin typeface="Times New Roman"/>
-              <a:cs typeface="Times New Roman"/>
-            </a:endParaRPr>
-          </a:p>
-          <a:p>
-            <a:pPr>
-              <a:lnSpc>
-                <a:spcPct val="100000"/>
-              </a:lnSpc>
-            </a:pPr>
-            <a:endParaRPr sz="3100" dirty="0">
-              <a:latin typeface="Times New Roman"/>
-              <a:cs typeface="Times New Roman"/>
-            </a:endParaRPr>
-          </a:p>
-          <a:p>
-            <a:pPr>
-              <a:lnSpc>
-                <a:spcPct val="100000"/>
-              </a:lnSpc>
-            </a:pPr>
-            <a:endParaRPr sz="3100" dirty="0">
-              <a:latin typeface="Times New Roman"/>
-              <a:cs typeface="Times New Roman"/>
-            </a:endParaRPr>
-          </a:p>
-          <a:p>
-            <a:pPr>
-              <a:lnSpc>
-                <a:spcPct val="100000"/>
-              </a:lnSpc>
-              <a:spcBef>
-                <a:spcPts val="40"/>
-              </a:spcBef>
-            </a:pPr>
-            <a:endParaRPr sz="2900" dirty="0">
-              <a:latin typeface="Times New Roman"/>
-              <a:cs typeface="Times New Roman"/>
-            </a:endParaRPr>
-          </a:p>
-          <a:p>
-            <a:pPr marL="86995" marR="92075">
-              <a:lnSpc>
-                <a:spcPct val="136200"/>
-              </a:lnSpc>
-            </a:pPr>
-            <a:r>
-              <a:rPr sz="2800" b="1" spc="305" dirty="0">
-                <a:solidFill>
-                  <a:srgbClr val="111B1D"/>
-                </a:solidFill>
-                <a:latin typeface="Arimo"/>
-                <a:cs typeface="Arimo"/>
-              </a:rPr>
-              <a:t>TRANSFORM</a:t>
-            </a:r>
-            <a:r>
-              <a:rPr sz="2800" b="1" dirty="0">
-                <a:solidFill>
-                  <a:srgbClr val="111B1D"/>
-                </a:solidFill>
-                <a:latin typeface="Arimo"/>
-                <a:cs typeface="Arimo"/>
-              </a:rPr>
-              <a:t>E  </a:t>
-            </a:r>
-            <a:r>
-              <a:rPr sz="2800" b="1" spc="200" dirty="0">
-                <a:solidFill>
-                  <a:srgbClr val="111B1D"/>
-                </a:solidFill>
-                <a:latin typeface="Arimo"/>
-                <a:cs typeface="Arimo"/>
-              </a:rPr>
-              <a:t>SEU</a:t>
-            </a:r>
-            <a:endParaRPr sz="2800" dirty="0">
-              <a:latin typeface="Arimo"/>
-              <a:cs typeface="Arimo"/>
-            </a:endParaRPr>
-          </a:p>
-          <a:p>
-            <a:pPr marL="86995">
-              <a:lnSpc>
-                <a:spcPct val="100000"/>
-              </a:lnSpc>
-              <a:spcBef>
-                <a:spcPts val="1215"/>
-              </a:spcBef>
-            </a:pPr>
-            <a:r>
-              <a:rPr sz="2800" b="1" spc="270" dirty="0">
-                <a:solidFill>
-                  <a:srgbClr val="111B1D"/>
-                </a:solidFill>
-                <a:latin typeface="Arimo"/>
-                <a:cs typeface="Arimo"/>
-              </a:rPr>
-              <a:t>AMBIENTE!</a:t>
-            </a:r>
-            <a:endParaRPr sz="2800" dirty="0">
-              <a:latin typeface="Arimo"/>
-              <a:cs typeface="Arimo"/>
-            </a:endParaRPr>
-          </a:p>
-        </p:txBody>
-      </p:sp>
-      <p:sp>
-        <p:nvSpPr>
-          <p:cNvPr id="14" name="object 14"/>
-          <p:cNvSpPr txBox="1"/>
-          <p:nvPr/>
-        </p:nvSpPr>
-        <p:spPr>
-          <a:xfrm>
-            <a:off x="14210264" y="1209674"/>
-            <a:ext cx="3248025" cy="8705850"/>
-          </a:xfrm>
-          <a:prstGeom prst="rect">
-            <a:avLst/>
-          </a:prstGeom>
-        </p:spPr>
-        <p:txBody>
-          <a:bodyPr vert="horz" wrap="square" lIns="0" tIns="0" rIns="0" bIns="0" rtlCol="0">
-            <a:spAutoFit/>
-          </a:bodyPr>
-          <a:lstStyle/>
-          <a:p>
-            <a:pPr>
-              <a:lnSpc>
-                <a:spcPct val="100000"/>
-              </a:lnSpc>
-            </a:pPr>
-            <a:endParaRPr sz="3100" dirty="0">
-              <a:latin typeface="Times New Roman"/>
-              <a:cs typeface="Times New Roman"/>
-            </a:endParaRPr>
-          </a:p>
-          <a:p>
-            <a:pPr>
-              <a:lnSpc>
-                <a:spcPct val="100000"/>
-              </a:lnSpc>
-            </a:pPr>
-            <a:endParaRPr sz="3100" dirty="0">
-              <a:latin typeface="Times New Roman"/>
-              <a:cs typeface="Times New Roman"/>
-            </a:endParaRPr>
-          </a:p>
-          <a:p>
-            <a:pPr>
-              <a:lnSpc>
-                <a:spcPct val="100000"/>
-              </a:lnSpc>
-            </a:pPr>
-            <a:endParaRPr sz="3100" dirty="0">
-              <a:latin typeface="Times New Roman"/>
-              <a:cs typeface="Times New Roman"/>
-            </a:endParaRPr>
-          </a:p>
-          <a:p>
-            <a:pPr>
-              <a:lnSpc>
-                <a:spcPct val="100000"/>
-              </a:lnSpc>
-            </a:pPr>
-            <a:endParaRPr sz="3100" dirty="0">
-              <a:latin typeface="Times New Roman"/>
-              <a:cs typeface="Times New Roman"/>
-            </a:endParaRPr>
-          </a:p>
-          <a:p>
-            <a:pPr>
-              <a:lnSpc>
-                <a:spcPct val="100000"/>
-              </a:lnSpc>
-            </a:pPr>
-            <a:endParaRPr sz="3100" dirty="0">
-              <a:latin typeface="Times New Roman"/>
-              <a:cs typeface="Times New Roman"/>
-            </a:endParaRPr>
-          </a:p>
-          <a:p>
-            <a:pPr>
-              <a:lnSpc>
-                <a:spcPct val="100000"/>
-              </a:lnSpc>
-            </a:pPr>
-            <a:endParaRPr sz="3100" dirty="0">
-              <a:latin typeface="Times New Roman"/>
-              <a:cs typeface="Times New Roman"/>
-            </a:endParaRPr>
-          </a:p>
-          <a:p>
-            <a:pPr>
-              <a:lnSpc>
-                <a:spcPct val="100000"/>
-              </a:lnSpc>
-            </a:pPr>
-            <a:endParaRPr sz="3100" dirty="0">
-              <a:latin typeface="Times New Roman"/>
-              <a:cs typeface="Times New Roman"/>
-            </a:endParaRPr>
-          </a:p>
-          <a:p>
-            <a:pPr>
-              <a:lnSpc>
-                <a:spcPct val="100000"/>
-              </a:lnSpc>
-            </a:pPr>
-            <a:endParaRPr sz="3100" dirty="0">
-              <a:latin typeface="Times New Roman"/>
-              <a:cs typeface="Times New Roman"/>
-            </a:endParaRPr>
-          </a:p>
-          <a:p>
-            <a:pPr>
-              <a:lnSpc>
-                <a:spcPct val="100000"/>
-              </a:lnSpc>
-            </a:pPr>
-            <a:endParaRPr sz="3100" dirty="0">
-              <a:latin typeface="Times New Roman"/>
-              <a:cs typeface="Times New Roman"/>
-            </a:endParaRPr>
-          </a:p>
-          <a:p>
-            <a:pPr>
-              <a:lnSpc>
-                <a:spcPct val="100000"/>
-              </a:lnSpc>
-            </a:pPr>
-            <a:endParaRPr sz="3100" dirty="0">
-              <a:latin typeface="Times New Roman"/>
-              <a:cs typeface="Times New Roman"/>
-            </a:endParaRPr>
-          </a:p>
-          <a:p>
-            <a:pPr>
-              <a:lnSpc>
-                <a:spcPct val="100000"/>
-              </a:lnSpc>
-              <a:spcBef>
-                <a:spcPts val="30"/>
-              </a:spcBef>
-            </a:pPr>
-            <a:endParaRPr sz="4000" dirty="0">
-              <a:latin typeface="Times New Roman"/>
-              <a:cs typeface="Times New Roman"/>
-            </a:endParaRPr>
-          </a:p>
-          <a:p>
-            <a:pPr marL="86995" marR="1297940">
-              <a:lnSpc>
-                <a:spcPct val="136200"/>
-              </a:lnSpc>
-            </a:pPr>
-            <a:r>
-              <a:rPr sz="2800" b="1" spc="305" dirty="0">
-                <a:solidFill>
-                  <a:srgbClr val="111B1D"/>
-                </a:solidFill>
-                <a:latin typeface="Arimo"/>
-                <a:cs typeface="Arimo"/>
-              </a:rPr>
-              <a:t>CURSOS</a:t>
-            </a:r>
-            <a:r>
-              <a:rPr sz="2800" b="1" dirty="0">
-                <a:solidFill>
-                  <a:srgbClr val="111B1D"/>
-                </a:solidFill>
-                <a:latin typeface="Arimo"/>
-                <a:cs typeface="Arimo"/>
-              </a:rPr>
-              <a:t>,  </a:t>
-            </a:r>
-            <a:r>
-              <a:rPr sz="2800" b="1" spc="250" dirty="0">
-                <a:solidFill>
-                  <a:srgbClr val="111B1D"/>
-                </a:solidFill>
-                <a:latin typeface="Arimo"/>
-                <a:cs typeface="Arimo"/>
-              </a:rPr>
-              <a:t>VAGAS,</a:t>
-            </a:r>
-            <a:endParaRPr sz="2800" dirty="0">
-              <a:latin typeface="Arimo"/>
-              <a:cs typeface="Arimo"/>
-            </a:endParaRPr>
-          </a:p>
-          <a:p>
-            <a:pPr marL="86995" marR="94615">
-              <a:lnSpc>
-                <a:spcPts val="4580"/>
-              </a:lnSpc>
-              <a:spcBef>
-                <a:spcPts val="350"/>
-              </a:spcBef>
-              <a:tabLst>
-                <a:tab pos="501015" algn="l"/>
-              </a:tabLst>
-            </a:pPr>
-            <a:r>
-              <a:rPr sz="2800" b="1" spc="305" dirty="0">
-                <a:solidFill>
-                  <a:srgbClr val="111B1D"/>
-                </a:solidFill>
-                <a:latin typeface="Arimo"/>
-                <a:cs typeface="Arimo"/>
-              </a:rPr>
-              <a:t>INFORMAÇÕE</a:t>
-            </a:r>
-            <a:r>
-              <a:rPr sz="2800" b="1" dirty="0">
-                <a:solidFill>
-                  <a:srgbClr val="111B1D"/>
-                </a:solidFill>
-                <a:latin typeface="Arimo"/>
-                <a:cs typeface="Arimo"/>
-              </a:rPr>
-              <a:t>S  E	</a:t>
-            </a:r>
-            <a:r>
-              <a:rPr sz="2800" b="1" spc="265" dirty="0">
-                <a:solidFill>
-                  <a:srgbClr val="111B1D"/>
-                </a:solidFill>
-                <a:latin typeface="Arimo"/>
-                <a:cs typeface="Arimo"/>
-              </a:rPr>
-              <a:t>SUPORTE.</a:t>
-            </a:r>
-            <a:endParaRPr sz="2800" dirty="0">
-              <a:latin typeface="Arimo"/>
-              <a:cs typeface="Arimo"/>
-            </a:endParaRPr>
-          </a:p>
-        </p:txBody>
-      </p:sp>
-    </p:spTree>
-  </p:cSld>
-  <p:clrMapOvr>
-    <a:masterClrMapping/>
-  </p:clrMapOvr>
-  <mc:AlternateContent xmlns:mc="http://schemas.openxmlformats.org/markup-compatibility/2006" xmlns:p14="http://schemas.microsoft.com/office/powerpoint/2010/main">
-    <mc:Choice Requires="p14">
-      <p:transition spd="slow" p14:dur="1500">
-        <p:split orient="vert"/>
-      </p:transition>
-    </mc:Choice>
-    <mc:Fallback xmlns="">
-      <p:transition spd="slow">
-        <p:split orient="vert"/>
-      </p:transition>
+      <p:transition/>
     </mc:Fallback>
   </mc:AlternateContent>
   <p:timing>
@@ -4933,7 +2617,7 @@
                                           </p:stCondLst>
                                         </p:cTn>
                                         <p:tgtEl>
-                                          <p:spTgt spid="12"/>
+                                          <p:spTgt spid="3"/>
                                         </p:tgtEl>
                                         <p:attrNameLst>
                                           <p:attrName>style.visibility</p:attrName>
@@ -4947,7 +2631,7 @@
                                       <p:cBhvr>
                                         <p:cTn id="7" dur="1000"/>
                                         <p:tgtEl>
-                                          <p:spTgt spid="12"/>
+                                          <p:spTgt spid="3"/>
                                         </p:tgtEl>
                                       </p:cBhvr>
                                     </p:animEffect>
@@ -4955,7 +2639,7 @@
                                       <p:cBhvr>
                                         <p:cTn id="8" dur="1000" fill="hold"/>
                                         <p:tgtEl>
-                                          <p:spTgt spid="12"/>
+                                          <p:spTgt spid="3"/>
                                         </p:tgtEl>
                                         <p:attrNameLst>
                                           <p:attrName>ppt_x</p:attrName>
@@ -4978,7 +2662,7 @@
                                       <p:cBhvr>
                                         <p:cTn id="9" dur="1000" fill="hold"/>
                                         <p:tgtEl>
-                                          <p:spTgt spid="12"/>
+                                          <p:spTgt spid="3"/>
                                         </p:tgtEl>
                                         <p:attrNameLst>
                                           <p:attrName>ppt_y</p:attrName>
@@ -5019,7 +2703,7 @@
                             </p:stCondLst>
                             <p:childTnLst>
                               <p:par>
-                                <p:cTn id="12" presetID="42" presetClass="entr" presetSubtype="0" fill="hold" grpId="0" nodeType="clickEffect">
+                                <p:cTn id="12" presetID="10" presetClass="entr" presetSubtype="0" fill="hold" grpId="0" nodeType="clickEffect">
                                   <p:stCondLst>
                                     <p:cond delay="0"/>
                                   </p:stCondLst>
@@ -5027,6 +2711,165 @@
                                     <p:set>
                                       <p:cBhvr>
                                         <p:cTn id="13" dur="1" fill="hold">
+                                          <p:stCondLst>
+                                            <p:cond delay="0"/>
+                                          </p:stCondLst>
+                                        </p:cTn>
+                                        <p:tgtEl>
+                                          <p:spTgt spid="4"/>
+                                        </p:tgtEl>
+                                        <p:attrNameLst>
+                                          <p:attrName>style.visibility</p:attrName>
+                                        </p:attrNameLst>
+                                      </p:cBhvr>
+                                      <p:to>
+                                        <p:strVal val="visible"/>
+                                      </p:to>
+                                    </p:set>
+                                    <p:animEffect transition="in" filter="fade">
+                                      <p:cBhvr>
+                                        <p:cTn id="14" dur="500"/>
+                                        <p:tgtEl>
+                                          <p:spTgt spid="4"/>
+                                        </p:tgtEl>
+                                      </p:cBhvr>
+                                    </p:animEffect>
+                                  </p:childTnLst>
+                                </p:cTn>
+                              </p:par>
+                            </p:childTnLst>
+                          </p:cTn>
+                        </p:par>
+                      </p:childTnLst>
+                    </p:cTn>
+                  </p:par>
+                  <p:par>
+                    <p:cTn id="15" fill="hold">
+                      <p:stCondLst>
+                        <p:cond delay="indefinite"/>
+                      </p:stCondLst>
+                      <p:childTnLst>
+                        <p:par>
+                          <p:cTn id="16" fill="hold">
+                            <p:stCondLst>
+                              <p:cond delay="0"/>
+                            </p:stCondLst>
+                            <p:childTnLst>
+                              <p:par>
+                                <p:cTn id="17" presetID="10" presetClass="entr" presetSubtype="0" fill="hold" grpId="0" nodeType="clickEffect">
+                                  <p:stCondLst>
+                                    <p:cond delay="0"/>
+                                  </p:stCondLst>
+                                  <p:childTnLst>
+                                    <p:set>
+                                      <p:cBhvr>
+                                        <p:cTn id="18" dur="1" fill="hold">
+                                          <p:stCondLst>
+                                            <p:cond delay="0"/>
+                                          </p:stCondLst>
+                                        </p:cTn>
+                                        <p:tgtEl>
+                                          <p:spTgt spid="8"/>
+                                        </p:tgtEl>
+                                        <p:attrNameLst>
+                                          <p:attrName>style.visibility</p:attrName>
+                                        </p:attrNameLst>
+                                      </p:cBhvr>
+                                      <p:to>
+                                        <p:strVal val="visible"/>
+                                      </p:to>
+                                    </p:set>
+                                    <p:animEffect transition="in" filter="fade">
+                                      <p:cBhvr>
+                                        <p:cTn id="19" dur="500"/>
+                                        <p:tgtEl>
+                                          <p:spTgt spid="8"/>
+                                        </p:tgtEl>
+                                      </p:cBhvr>
+                                    </p:animEffect>
+                                  </p:childTnLst>
+                                </p:cTn>
+                              </p:par>
+                            </p:childTnLst>
+                          </p:cTn>
+                        </p:par>
+                      </p:childTnLst>
+                    </p:cTn>
+                  </p:par>
+                  <p:par>
+                    <p:cTn id="20" fill="hold">
+                      <p:stCondLst>
+                        <p:cond delay="indefinite"/>
+                      </p:stCondLst>
+                      <p:childTnLst>
+                        <p:par>
+                          <p:cTn id="21" fill="hold">
+                            <p:stCondLst>
+                              <p:cond delay="0"/>
+                            </p:stCondLst>
+                            <p:childTnLst>
+                              <p:par>
+                                <p:cTn id="22" presetID="10" presetClass="entr" presetSubtype="0" fill="hold" grpId="0" nodeType="clickEffect">
+                                  <p:stCondLst>
+                                    <p:cond delay="0"/>
+                                  </p:stCondLst>
+                                  <p:childTnLst>
+                                    <p:set>
+                                      <p:cBhvr>
+                                        <p:cTn id="23" dur="1" fill="hold">
+                                          <p:stCondLst>
+                                            <p:cond delay="0"/>
+                                          </p:stCondLst>
+                                        </p:cTn>
+                                        <p:tgtEl>
+                                          <p:spTgt spid="9"/>
+                                        </p:tgtEl>
+                                        <p:attrNameLst>
+                                          <p:attrName>style.visibility</p:attrName>
+                                        </p:attrNameLst>
+                                      </p:cBhvr>
+                                      <p:to>
+                                        <p:strVal val="visible"/>
+                                      </p:to>
+                                    </p:set>
+                                    <p:animEffect transition="in" filter="fade">
+                                      <p:cBhvr>
+                                        <p:cTn id="24" dur="500"/>
+                                        <p:tgtEl>
+                                          <p:spTgt spid="9"/>
+                                        </p:tgtEl>
+                                      </p:cBhvr>
+                                    </p:animEffect>
+                                  </p:childTnLst>
+                                </p:cTn>
+                              </p:par>
+                            </p:childTnLst>
+                          </p:cTn>
+                        </p:par>
+                      </p:childTnLst>
+                    </p:cTn>
+                  </p:par>
+                  <p:par>
+                    <p:cTn id="25" fill="hold">
+                      <p:stCondLst>
+                        <p:cond delay="indefinite"/>
+                      </p:stCondLst>
+                      <p:childTnLst>
+                        <p:par>
+                          <p:cTn id="26" fill="hold">
+                            <p:stCondLst>
+                              <p:cond delay="0"/>
+                            </p:stCondLst>
+                            <p:childTnLst>
+                              <p:par>
+                                <p:cTn id="27" presetID="10" presetClass="entr" presetSubtype="0" fill="hold" grpId="0" nodeType="clickEffect">
+                                  <p:stCondLst>
+                                    <p:cond delay="0"/>
+                                  </p:stCondLst>
+                                  <p:childTnLst>
+                                    <p:set>
+                                      <p:cBhvr>
+                                        <p:cTn id="28" dur="1" fill="hold">
                                           <p:stCondLst>
                                             <p:cond delay="0"/>
                                           </p:stCondLst>
@@ -5044,58 +2887,12 @@
                                     </p:set>
                                     <p:animEffect transition="in" filter="fade">
                                       <p:cBhvr>
-                                        <p:cTn id="14" dur="1000"/>
+                                        <p:cTn id="29" dur="500"/>
                                         <p:tgtEl>
                                           <p:spTgt spid="13"/>
                                         </p:tgtEl>
                                       </p:cBhvr>
                                     </p:animEffect>
-                                    <p:anim calcmode="lin" valueType="num">
-                                      <p:cBhvr>
-                                        <p:cTn id="15" dur="1000" fill="hold"/>
-                                        <p:tgtEl>
-                                          <p:spTgt spid="13"/>
-                                        </p:tgtEl>
-                                        <p:attrNameLst>
-                                          <p:attrName>ppt_x</p:attrName>
-                                        </p:attrNameLst>
-                                      </p:cBhvr>
-                                      <p:tavLst>
-                                        <p:tav tm="0">
-                                          <p:val>
-                                            <p:strVal val="#ppt_x"/>
-                                          </p:val>
-                                        </p:tav>
-                                        <p:tav tm="100000">
-                                          <p:val>
-                                            <p:strVal val="#ppt_x"/>
-                                          </p:val>
-                                        </p:tav>
-                                      </p:tavLst>
-                                    </p:anim>
-                                    <p:anim calcmode="lin" valueType="num">
-                                      <p:cBhvr>
-                                        <p:cTn id="16" dur="1000" fill="hold"/>
-                                        <p:tgtEl>
-                                          <p:spTgt spid="13"/>
-                                        </p:tgtEl>
-                                        <p:attrNameLst>
-                                          <p:attrName>ppt_y</p:attrName>
-                                        </p:attrNameLst>
-                                      </p:cBhvr>
-                                      <p:tavLst>
-                                        <p:tav tm="0">
-                                          <p:val>
-                                            <p:strVal val="#ppt_y+.1"/>
-                                          </p:val>
-                                        </p:tav>
-                                        <p:tav tm="100000">
-                                          <p:val>
-                                            <p:strVal val="#ppt_y"/>
-                                          </p:val>
-                                        </p:tav>
-                                      </p:tavLst>
-                                    </p:anim>
                                   </p:childTnLst>
                                 </p:cTn>
                               </p:par>
@@ -5106,32 +2903,32 @@
                     </p:cTn>
                   </p:par>
                   <p:par>
-                    <p:cTn id="17" fill="hold">
+                    <p:cTn id="30" fill="hold">
                       <p:stCondLst>
                         <p:cond delay="indefinite"/>
                       </p:stCondLst>
                       <p:childTnLst>
                         <p:par>
-                          <p:cTn id="18" fill="hold">
+                          <p:cTn id="31" fill="hold">
                             <p:stCondLst>
                               <p:cond delay="0"/>
                             </p:stCondLst>
                             <p:childTnLst>
                               <p:par>
-                                <p:cTn id="19" presetID="42" presetClass="entr" presetSubtype="0" fill="hold" grpId="0" nodeType="clickEffect">
+                                <p:cTn id="32" presetID="10" presetClass="entr" presetSubtype="0" fill="hold" grpId="0" nodeType="clickEffect">
                                   <p:stCondLst>
                                     <p:cond delay="0"/>
                                   </p:stCondLst>
                                   <p:childTnLst>
                                     <p:set>
                                       <p:cBhvr>
-                                        <p:cTn id="20" dur="1" fill="hold">
+                                        <p:cTn id="33" dur="1" fill="hold">
                                           <p:stCondLst>
                                             <p:cond delay="0"/>
                                           </p:stCondLst>
                                         </p:cTn>
                                         <p:tgtEl>
-                                          <p:spTgt spid="14"/>
+                                          <p:spTgt spid="15"/>
                                         </p:tgtEl>
                                         <p:attrNameLst>
                                           <p:attrName>style.visibility</p:attrName>
@@ -5143,58 +2940,65 @@
                                     </p:set>
                                     <p:animEffect transition="in" filter="fade">
                                       <p:cBhvr>
-                                        <p:cTn id="21" dur="1000"/>
+                                        <p:cTn id="34" dur="500"/>
                                         <p:tgtEl>
-                                          <p:spTgt spid="14"/>
+                                          <p:spTgt spid="15"/>
                                         </p:tgtEl>
                                       </p:cBhvr>
                                     </p:animEffect>
-                                    <p:anim calcmode="lin" valueType="num">
+                                  </p:childTnLst>
+                                </p:cTn>
+                              </p:par>
+                            </p:childTnLst>
+                          </p:cTn>
+                        </p:par>
+                      </p:childTnLst>
+                    </p:cTn>
+                  </p:par>
+                  <p:par>
+                    <p:cTn id="35" fill="hold">
+                      <p:stCondLst>
+                        <p:cond delay="indefinite"/>
+                      </p:stCondLst>
+                      <p:childTnLst>
+                        <p:par>
+                          <p:cTn id="36" fill="hold">
+                            <p:stCondLst>
+                              <p:cond delay="0"/>
+                            </p:stCondLst>
+                            <p:childTnLst>
+                              <p:par>
+                                <p:cTn id="37" presetID="10" presetClass="entr" presetSubtype="0" fill="hold" grpId="0" nodeType="clickEffect">
+                                  <p:stCondLst>
+                                    <p:cond delay="0"/>
+                                  </p:stCondLst>
+                                  <p:childTnLst>
+                                    <p:set>
                                       <p:cBhvr>
-                                        <p:cTn id="22" dur="1000" fill="hold"/>
+                                        <p:cTn id="38" dur="1" fill="hold">
+                                          <p:stCondLst>
+                                            <p:cond delay="0"/>
+                                          </p:stCondLst>
+                                        </p:cTn>
                                         <p:tgtEl>
-                                          <p:spTgt spid="14"/>
+                                          <p:spTgt spid="16"/>
                                         </p:tgtEl>
                                         <p:attrNameLst>
-                                          <p:attrName>ppt_x</p:attrName>
+                                          <p:attrName>style.visibility</p:attrName>
                                         </p:attrNameLst>
                                       </p:cBhvr>
-                                      <p:tavLst>
-                                        <p:tav tm="0">
-                                          <p:val>
-                                            <p:strVal val="#ppt_x"/>
-                                          </p:val>
-                                        </p:tav>
-                                        <p:tav tm="100000">
-                                          <p:val>
-                                            <p:strVal val="#ppt_x"/>
-                                          </p:val>
-                                        </p:tav>
-                                      </p:tavLst>
-                                    </p:anim>
-                                    <p:anim calcmode="lin" valueType="num">
+                                      <p:to>
+                                        <p:strVal val="visible"/>
+                                      </p:to>
+                                    </p:set>
+                                    <p:animEffect transition="in" filter="fade">
                                       <p:cBhvr>
-                                        <p:cTn id="23" dur="1000" fill="hold"/>
+                                        <p:cTn id="39" dur="500"/>
                                         <p:tgtEl>
-                                          <p:spTgt spid="14"/>
+                                          <p:spTgt spid="16"/>
                                         </p:tgtEl>
-                                        <p:attrNameLst>
-                                          <p:attrName>ppt_y</p:attrName>
-                                        </p:attrNameLst>
                                       </p:cBhvr>
-                                      <p:tavLst>
-                                        <p:tav tm="0">
-                                          <p:val>
-                                            <p:strVal val="#ppt_y+.1"/>
-                                          </p:val>
-                                        </p:tav>
-                                        <p:tav tm="100000">
-                                          <p:val>
-                                            <p:strVal val="#ppt_y"/>
-                                          </p:val>
-                                        </p:tav>
-                                      </p:tavLst>
-                                    </p:anim>
+                                    </p:animEffect>
                                   </p:childTnLst>
                                 </p:cTn>
                               </p:par>
@@ -5226,15 +3030,1339 @@
       </p:par>
     </p:tnLst>
     <p:bldLst>
-      <p:bldP spid="12" grpId="0"/>
+      <p:bldP spid="3" grpId="0"/>
+      <p:bldP spid="4" grpId="0"/>
+      <p:bldP spid="8" grpId="0"/>
+      <p:bldP spid="9" grpId="0"/>
       <p:bldP spid="13" grpId="0"/>
-      <p:bldP spid="14" grpId="0"/>
+      <p:bldP spid="15" grpId="0"/>
+      <p:bldP spid="16" grpId="0"/>
     </p:bldLst>
   </p:timing>
 </p:sld>
 </file>
 
-<file path=ppt/slides/slide5.xml><?xml version="1.0" encoding="utf-8"?>
+<file path=ppt/slides/slide3.xml><?xml version="1.0" encoding="utf-8"?>
+<p:sld xmlns:a="http://schemas.openxmlformats.org/drawingml/2006/main" xmlns:r="http://schemas.openxmlformats.org/officeDocument/2006/relationships" xmlns:p="http://schemas.openxmlformats.org/presentationml/2006/main" showMasterSp="0">
+  <p:cSld>
+    <p:spTree>
+      <p:nvGrpSpPr>
+        <p:cNvPr id="1" name=""/>
+        <p:cNvGrpSpPr/>
+        <p:nvPr/>
+      </p:nvGrpSpPr>
+      <p:grpSpPr>
+        <a:xfrm>
+          <a:off x="0" y="0"/>
+          <a:ext cx="0" cy="0"/>
+          <a:chOff x="0" y="0"/>
+          <a:chExt cx="0" cy="0"/>
+        </a:xfrm>
+      </p:grpSpPr>
+      <p:sp>
+        <p:nvSpPr>
+          <p:cNvPr id="2" name="object 2"/>
+          <p:cNvSpPr/>
+          <p:nvPr/>
+        </p:nvSpPr>
+        <p:spPr>
+          <a:xfrm>
+            <a:off x="0" y="0"/>
+            <a:ext cx="18288000" cy="10287000"/>
+          </a:xfrm>
+          <a:custGeom>
+            <a:avLst/>
+            <a:gdLst/>
+            <a:ahLst/>
+            <a:cxnLst/>
+            <a:rect l="l" t="t" r="r" b="b"/>
+            <a:pathLst>
+              <a:path w="18288000" h="10287000">
+                <a:moveTo>
+                  <a:pt x="18288000" y="10287000"/>
+                </a:moveTo>
+                <a:lnTo>
+                  <a:pt x="0" y="10287000"/>
+                </a:lnTo>
+                <a:lnTo>
+                  <a:pt x="0" y="0"/>
+                </a:lnTo>
+                <a:lnTo>
+                  <a:pt x="18288000" y="0"/>
+                </a:lnTo>
+                <a:lnTo>
+                  <a:pt x="18288000" y="10287000"/>
+                </a:lnTo>
+                <a:close/>
+              </a:path>
+            </a:pathLst>
+          </a:custGeom>
+          <a:solidFill>
+            <a:srgbClr val="5270FF"/>
+          </a:solidFill>
+        </p:spPr>
+        <p:txBody>
+          <a:bodyPr wrap="square" lIns="0" tIns="0" rIns="0" bIns="0" rtlCol="0"/>
+          <a:lstStyle/>
+          <a:p>
+            <a:endParaRPr dirty="0"/>
+          </a:p>
+        </p:txBody>
+      </p:sp>
+      <p:sp>
+        <p:nvSpPr>
+          <p:cNvPr id="3" name="object 3"/>
+          <p:cNvSpPr/>
+          <p:nvPr/>
+        </p:nvSpPr>
+        <p:spPr>
+          <a:xfrm>
+            <a:off x="7508961" y="1209674"/>
+            <a:ext cx="3048000" cy="8705850"/>
+          </a:xfrm>
+          <a:custGeom>
+            <a:avLst/>
+            <a:gdLst/>
+            <a:ahLst/>
+            <a:cxnLst/>
+            <a:rect l="l" t="t" r="r" b="b"/>
+            <a:pathLst>
+              <a:path w="3048000" h="8705850">
+                <a:moveTo>
+                  <a:pt x="3048000" y="8705850"/>
+                </a:moveTo>
+                <a:lnTo>
+                  <a:pt x="0" y="8705850"/>
+                </a:lnTo>
+                <a:lnTo>
+                  <a:pt x="0" y="0"/>
+                </a:lnTo>
+                <a:lnTo>
+                  <a:pt x="3048000" y="0"/>
+                </a:lnTo>
+                <a:lnTo>
+                  <a:pt x="3048000" y="8705850"/>
+                </a:lnTo>
+                <a:close/>
+              </a:path>
+            </a:pathLst>
+          </a:custGeom>
+          <a:solidFill>
+            <a:srgbClr val="FFFFFF"/>
+          </a:solidFill>
+        </p:spPr>
+        <p:txBody>
+          <a:bodyPr wrap="square" lIns="0" tIns="0" rIns="0" bIns="0" rtlCol="0"/>
+          <a:lstStyle/>
+          <a:p>
+            <a:endParaRPr dirty="0"/>
+          </a:p>
+        </p:txBody>
+      </p:sp>
+      <p:sp>
+        <p:nvSpPr>
+          <p:cNvPr id="4" name="object 4"/>
+          <p:cNvSpPr/>
+          <p:nvPr/>
+        </p:nvSpPr>
+        <p:spPr>
+          <a:xfrm>
+            <a:off x="10869107" y="1209674"/>
+            <a:ext cx="3048000" cy="8705850"/>
+          </a:xfrm>
+          <a:custGeom>
+            <a:avLst/>
+            <a:gdLst/>
+            <a:ahLst/>
+            <a:cxnLst/>
+            <a:rect l="l" t="t" r="r" b="b"/>
+            <a:pathLst>
+              <a:path w="3048000" h="8705850">
+                <a:moveTo>
+                  <a:pt x="3048000" y="8705850"/>
+                </a:moveTo>
+                <a:lnTo>
+                  <a:pt x="0" y="8705850"/>
+                </a:lnTo>
+                <a:lnTo>
+                  <a:pt x="0" y="0"/>
+                </a:lnTo>
+                <a:lnTo>
+                  <a:pt x="3048000" y="0"/>
+                </a:lnTo>
+                <a:lnTo>
+                  <a:pt x="3048000" y="8705850"/>
+                </a:lnTo>
+                <a:close/>
+              </a:path>
+            </a:pathLst>
+          </a:custGeom>
+          <a:solidFill>
+            <a:srgbClr val="FFFFFF"/>
+          </a:solidFill>
+        </p:spPr>
+        <p:txBody>
+          <a:bodyPr wrap="square" lIns="0" tIns="0" rIns="0" bIns="0" rtlCol="0"/>
+          <a:lstStyle/>
+          <a:p>
+            <a:endParaRPr dirty="0"/>
+          </a:p>
+        </p:txBody>
+      </p:sp>
+      <p:sp>
+        <p:nvSpPr>
+          <p:cNvPr id="5" name="object 5"/>
+          <p:cNvSpPr/>
+          <p:nvPr/>
+        </p:nvSpPr>
+        <p:spPr>
+          <a:xfrm>
+            <a:off x="14210264" y="1209674"/>
+            <a:ext cx="3248025" cy="8705850"/>
+          </a:xfrm>
+          <a:custGeom>
+            <a:avLst/>
+            <a:gdLst/>
+            <a:ahLst/>
+            <a:cxnLst/>
+            <a:rect l="l" t="t" r="r" b="b"/>
+            <a:pathLst>
+              <a:path w="3248025" h="8705850">
+                <a:moveTo>
+                  <a:pt x="3248025" y="8705850"/>
+                </a:moveTo>
+                <a:lnTo>
+                  <a:pt x="0" y="8705850"/>
+                </a:lnTo>
+                <a:lnTo>
+                  <a:pt x="0" y="0"/>
+                </a:lnTo>
+                <a:lnTo>
+                  <a:pt x="3248025" y="0"/>
+                </a:lnTo>
+                <a:lnTo>
+                  <a:pt x="3248025" y="8705850"/>
+                </a:lnTo>
+                <a:close/>
+              </a:path>
+            </a:pathLst>
+          </a:custGeom>
+          <a:solidFill>
+            <a:srgbClr val="FFFFFF"/>
+          </a:solidFill>
+        </p:spPr>
+        <p:txBody>
+          <a:bodyPr wrap="square" lIns="0" tIns="0" rIns="0" bIns="0" rtlCol="0"/>
+          <a:lstStyle/>
+          <a:p>
+            <a:endParaRPr dirty="0"/>
+          </a:p>
+        </p:txBody>
+      </p:sp>
+      <p:sp>
+        <p:nvSpPr>
+          <p:cNvPr id="6" name="object 6"/>
+          <p:cNvSpPr/>
+          <p:nvPr/>
+        </p:nvSpPr>
+        <p:spPr>
+          <a:xfrm>
+            <a:off x="317153" y="8256574"/>
+            <a:ext cx="1423670" cy="1420495"/>
+          </a:xfrm>
+          <a:custGeom>
+            <a:avLst/>
+            <a:gdLst/>
+            <a:ahLst/>
+            <a:cxnLst/>
+            <a:rect l="l" t="t" r="r" b="b"/>
+            <a:pathLst>
+              <a:path w="1423670" h="1420495">
+                <a:moveTo>
+                  <a:pt x="1423091" y="1420243"/>
+                </a:moveTo>
+                <a:lnTo>
+                  <a:pt x="0" y="1420243"/>
+                </a:lnTo>
+                <a:lnTo>
+                  <a:pt x="0" y="0"/>
+                </a:lnTo>
+                <a:lnTo>
+                  <a:pt x="1423091" y="1420243"/>
+                </a:lnTo>
+                <a:close/>
+              </a:path>
+            </a:pathLst>
+          </a:custGeom>
+          <a:solidFill>
+            <a:srgbClr val="FF66C3"/>
+          </a:solidFill>
+        </p:spPr>
+        <p:txBody>
+          <a:bodyPr wrap="square" lIns="0" tIns="0" rIns="0" bIns="0" rtlCol="0"/>
+          <a:lstStyle/>
+          <a:p>
+            <a:endParaRPr dirty="0"/>
+          </a:p>
+        </p:txBody>
+      </p:sp>
+      <p:sp>
+        <p:nvSpPr>
+          <p:cNvPr id="7" name="object 7"/>
+          <p:cNvSpPr/>
+          <p:nvPr/>
+        </p:nvSpPr>
+        <p:spPr>
+          <a:xfrm>
+            <a:off x="7472354" y="1209690"/>
+            <a:ext cx="3086099" cy="4762484"/>
+          </a:xfrm>
+          <a:prstGeom prst="rect">
+            <a:avLst/>
+          </a:prstGeom>
+          <a:blipFill>
+            <a:blip r:embed="rId2" cstate="print"/>
+            <a:stretch>
+              <a:fillRect/>
+            </a:stretch>
+          </a:blipFill>
+        </p:spPr>
+        <p:txBody>
+          <a:bodyPr wrap="square" lIns="0" tIns="0" rIns="0" bIns="0" rtlCol="0"/>
+          <a:lstStyle/>
+          <a:p>
+            <a:endParaRPr dirty="0"/>
+          </a:p>
+        </p:txBody>
+      </p:sp>
+      <p:sp>
+        <p:nvSpPr>
+          <p:cNvPr id="8" name="object 8"/>
+          <p:cNvSpPr/>
+          <p:nvPr/>
+        </p:nvSpPr>
+        <p:spPr>
+          <a:xfrm>
+            <a:off x="10869107" y="1209674"/>
+            <a:ext cx="3047999" cy="4762484"/>
+          </a:xfrm>
+          <a:prstGeom prst="rect">
+            <a:avLst/>
+          </a:prstGeom>
+          <a:blipFill>
+            <a:blip r:embed="rId3" cstate="print"/>
+            <a:stretch>
+              <a:fillRect/>
+            </a:stretch>
+          </a:blipFill>
+        </p:spPr>
+        <p:txBody>
+          <a:bodyPr wrap="square" lIns="0" tIns="0" rIns="0" bIns="0" rtlCol="0"/>
+          <a:lstStyle/>
+          <a:p>
+            <a:endParaRPr dirty="0"/>
+          </a:p>
+        </p:txBody>
+      </p:sp>
+      <p:sp>
+        <p:nvSpPr>
+          <p:cNvPr id="9" name="object 9"/>
+          <p:cNvSpPr/>
+          <p:nvPr/>
+        </p:nvSpPr>
+        <p:spPr>
+          <a:xfrm>
+            <a:off x="14210262" y="1209674"/>
+            <a:ext cx="3248040" cy="4760960"/>
+          </a:xfrm>
+          <a:prstGeom prst="rect">
+            <a:avLst/>
+          </a:prstGeom>
+          <a:blipFill>
+            <a:blip r:embed="rId4" cstate="print"/>
+            <a:stretch>
+              <a:fillRect/>
+            </a:stretch>
+          </a:blipFill>
+        </p:spPr>
+        <p:txBody>
+          <a:bodyPr wrap="square" lIns="0" tIns="0" rIns="0" bIns="0" rtlCol="0"/>
+          <a:lstStyle/>
+          <a:p>
+            <a:endParaRPr dirty="0"/>
+          </a:p>
+        </p:txBody>
+      </p:sp>
+      <p:sp>
+        <p:nvSpPr>
+          <p:cNvPr id="10" name="object 10"/>
+          <p:cNvSpPr txBox="1">
+            <a:spLocks noGrp="1"/>
+          </p:cNvSpPr>
+          <p:nvPr>
+            <p:ph type="title"/>
+          </p:nvPr>
+        </p:nvSpPr>
+        <p:spPr>
+          <a:xfrm>
+            <a:off x="335546" y="1209690"/>
+            <a:ext cx="6608301" cy="2757165"/>
+          </a:xfrm>
+          <a:prstGeom prst="rect">
+            <a:avLst/>
+          </a:prstGeom>
+        </p:spPr>
+        <p:txBody>
+          <a:bodyPr vert="horz" wrap="square" lIns="0" tIns="63500" rIns="0" bIns="0" rtlCol="0">
+            <a:spAutoFit/>
+          </a:bodyPr>
+          <a:lstStyle/>
+          <a:p>
+            <a:pPr marL="12700" marR="5080">
+              <a:lnSpc>
+                <a:spcPts val="10500"/>
+              </a:lnSpc>
+              <a:spcBef>
+                <a:spcPts val="500"/>
+              </a:spcBef>
+            </a:pPr>
+            <a:r>
+              <a:rPr sz="8800" b="0" i="1" spc="-190" dirty="0">
+                <a:latin typeface="Verdana"/>
+                <a:cs typeface="Verdana"/>
+              </a:rPr>
+              <a:t>T</a:t>
+            </a:r>
+            <a:r>
+              <a:rPr sz="8800" b="0" i="1" spc="-550" dirty="0">
+                <a:latin typeface="Verdana"/>
+                <a:cs typeface="Verdana"/>
+              </a:rPr>
+              <a:t>O</a:t>
+            </a:r>
+            <a:r>
+              <a:rPr sz="8800" b="0" i="1" spc="-825" dirty="0">
+                <a:latin typeface="Verdana"/>
+                <a:cs typeface="Verdana"/>
+              </a:rPr>
+              <a:t>G</a:t>
+            </a:r>
+            <a:r>
+              <a:rPr sz="8800" b="0" i="1" spc="-790" dirty="0">
+                <a:latin typeface="Verdana"/>
+                <a:cs typeface="Verdana"/>
+              </a:rPr>
+              <a:t>E</a:t>
+            </a:r>
+            <a:r>
+              <a:rPr sz="8800" b="0" i="1" spc="-190" dirty="0">
+                <a:latin typeface="Verdana"/>
+                <a:cs typeface="Verdana"/>
+              </a:rPr>
+              <a:t>T</a:t>
+            </a:r>
+            <a:r>
+              <a:rPr sz="8800" b="0" i="1" spc="-405" dirty="0">
+                <a:latin typeface="Verdana"/>
+                <a:cs typeface="Verdana"/>
+              </a:rPr>
+              <a:t>H</a:t>
+            </a:r>
+            <a:r>
+              <a:rPr sz="8800" b="0" i="1" spc="-790" dirty="0">
+                <a:latin typeface="Verdana"/>
+                <a:cs typeface="Verdana"/>
+              </a:rPr>
+              <a:t>E</a:t>
+            </a:r>
+            <a:r>
+              <a:rPr sz="8800" b="0" i="1" spc="-415" dirty="0">
+                <a:latin typeface="Verdana"/>
+                <a:cs typeface="Verdana"/>
+              </a:rPr>
+              <a:t>R </a:t>
+            </a:r>
+            <a:r>
+              <a:rPr sz="8800" b="0" i="1" spc="-280" dirty="0">
+                <a:latin typeface="Verdana"/>
+                <a:cs typeface="Verdana"/>
+              </a:rPr>
+              <a:t> </a:t>
+            </a:r>
+            <a:r>
+              <a:rPr sz="8800" b="0" i="1" spc="-475" dirty="0">
+                <a:latin typeface="Verdana"/>
+                <a:cs typeface="Verdana"/>
+              </a:rPr>
+              <a:t>TECH</a:t>
+            </a:r>
+            <a:endParaRPr sz="8800" dirty="0">
+              <a:latin typeface="Verdana"/>
+              <a:cs typeface="Verdana"/>
+            </a:endParaRPr>
+          </a:p>
+        </p:txBody>
+      </p:sp>
+      <p:sp>
+        <p:nvSpPr>
+          <p:cNvPr id="12" name="object 12"/>
+          <p:cNvSpPr txBox="1"/>
+          <p:nvPr/>
+        </p:nvSpPr>
+        <p:spPr>
+          <a:xfrm>
+            <a:off x="7508961" y="1209674"/>
+            <a:ext cx="3048000" cy="8705850"/>
+          </a:xfrm>
+          <a:prstGeom prst="rect">
+            <a:avLst/>
+          </a:prstGeom>
+        </p:spPr>
+        <p:txBody>
+          <a:bodyPr vert="horz" wrap="square" lIns="0" tIns="0" rIns="0" bIns="0" rtlCol="0">
+            <a:spAutoFit/>
+          </a:bodyPr>
+          <a:lstStyle/>
+          <a:p>
+            <a:pPr>
+              <a:lnSpc>
+                <a:spcPct val="100000"/>
+              </a:lnSpc>
+            </a:pPr>
+            <a:endParaRPr sz="3100" dirty="0">
+              <a:latin typeface="Times New Roman"/>
+              <a:cs typeface="Times New Roman"/>
+            </a:endParaRPr>
+          </a:p>
+          <a:p>
+            <a:pPr>
+              <a:lnSpc>
+                <a:spcPct val="100000"/>
+              </a:lnSpc>
+            </a:pPr>
+            <a:endParaRPr sz="3100" dirty="0">
+              <a:latin typeface="Times New Roman"/>
+              <a:cs typeface="Times New Roman"/>
+            </a:endParaRPr>
+          </a:p>
+          <a:p>
+            <a:pPr>
+              <a:lnSpc>
+                <a:spcPct val="100000"/>
+              </a:lnSpc>
+            </a:pPr>
+            <a:endParaRPr sz="3100" dirty="0">
+              <a:latin typeface="Times New Roman"/>
+              <a:cs typeface="Times New Roman"/>
+            </a:endParaRPr>
+          </a:p>
+          <a:p>
+            <a:pPr>
+              <a:lnSpc>
+                <a:spcPct val="100000"/>
+              </a:lnSpc>
+            </a:pPr>
+            <a:endParaRPr sz="3100" dirty="0">
+              <a:latin typeface="Times New Roman"/>
+              <a:cs typeface="Times New Roman"/>
+            </a:endParaRPr>
+          </a:p>
+          <a:p>
+            <a:pPr>
+              <a:lnSpc>
+                <a:spcPct val="100000"/>
+              </a:lnSpc>
+            </a:pPr>
+            <a:endParaRPr sz="3100" dirty="0">
+              <a:latin typeface="Times New Roman"/>
+              <a:cs typeface="Times New Roman"/>
+            </a:endParaRPr>
+          </a:p>
+          <a:p>
+            <a:pPr>
+              <a:lnSpc>
+                <a:spcPct val="100000"/>
+              </a:lnSpc>
+            </a:pPr>
+            <a:endParaRPr sz="3100" dirty="0">
+              <a:latin typeface="Times New Roman"/>
+              <a:cs typeface="Times New Roman"/>
+            </a:endParaRPr>
+          </a:p>
+          <a:p>
+            <a:pPr>
+              <a:lnSpc>
+                <a:spcPct val="100000"/>
+              </a:lnSpc>
+            </a:pPr>
+            <a:endParaRPr sz="3100" dirty="0">
+              <a:latin typeface="Times New Roman"/>
+              <a:cs typeface="Times New Roman"/>
+            </a:endParaRPr>
+          </a:p>
+          <a:p>
+            <a:pPr>
+              <a:lnSpc>
+                <a:spcPct val="100000"/>
+              </a:lnSpc>
+            </a:pPr>
+            <a:endParaRPr sz="3100" dirty="0">
+              <a:latin typeface="Times New Roman"/>
+              <a:cs typeface="Times New Roman"/>
+            </a:endParaRPr>
+          </a:p>
+          <a:p>
+            <a:pPr>
+              <a:lnSpc>
+                <a:spcPct val="100000"/>
+              </a:lnSpc>
+            </a:pPr>
+            <a:endParaRPr sz="3100" dirty="0">
+              <a:latin typeface="Times New Roman"/>
+              <a:cs typeface="Times New Roman"/>
+            </a:endParaRPr>
+          </a:p>
+          <a:p>
+            <a:pPr>
+              <a:lnSpc>
+                <a:spcPct val="100000"/>
+              </a:lnSpc>
+            </a:pPr>
+            <a:endParaRPr sz="3100" dirty="0">
+              <a:latin typeface="Times New Roman"/>
+              <a:cs typeface="Times New Roman"/>
+            </a:endParaRPr>
+          </a:p>
+          <a:p>
+            <a:pPr>
+              <a:lnSpc>
+                <a:spcPct val="100000"/>
+              </a:lnSpc>
+              <a:spcBef>
+                <a:spcPts val="15"/>
+              </a:spcBef>
+            </a:pPr>
+            <a:endParaRPr sz="4200" dirty="0">
+              <a:latin typeface="Times New Roman"/>
+              <a:cs typeface="Times New Roman"/>
+            </a:endParaRPr>
+          </a:p>
+          <a:p>
+            <a:pPr marL="29845" marR="287020">
+              <a:lnSpc>
+                <a:spcPct val="136200"/>
+              </a:lnSpc>
+              <a:tabLst>
+                <a:tab pos="878205" algn="l"/>
+                <a:tab pos="1075690" algn="l"/>
+                <a:tab pos="1725930" algn="l"/>
+              </a:tabLst>
+            </a:pPr>
+            <a:r>
+              <a:rPr sz="2800" b="1" spc="305" dirty="0">
+                <a:solidFill>
+                  <a:srgbClr val="111B1D"/>
+                </a:solidFill>
+                <a:latin typeface="Arimo"/>
+                <a:cs typeface="Arimo"/>
+              </a:rPr>
+              <a:t>NÃ</a:t>
+            </a:r>
+            <a:r>
+              <a:rPr sz="2800" b="1" dirty="0">
+                <a:solidFill>
+                  <a:srgbClr val="111B1D"/>
+                </a:solidFill>
+                <a:latin typeface="Arimo"/>
+                <a:cs typeface="Arimo"/>
+              </a:rPr>
+              <a:t>O	</a:t>
+            </a:r>
+            <a:r>
+              <a:rPr sz="2800" b="1" spc="305" dirty="0">
+                <a:solidFill>
+                  <a:srgbClr val="111B1D"/>
+                </a:solidFill>
+                <a:latin typeface="Arimo"/>
+                <a:cs typeface="Arimo"/>
+              </a:rPr>
+              <a:t>APENA</a:t>
+            </a:r>
+            <a:r>
+              <a:rPr sz="2800" b="1" dirty="0">
+                <a:solidFill>
+                  <a:srgbClr val="111B1D"/>
+                </a:solidFill>
+                <a:latin typeface="Arimo"/>
+                <a:cs typeface="Arimo"/>
+              </a:rPr>
+              <a:t>S  </a:t>
+            </a:r>
+            <a:r>
+              <a:rPr sz="2800" b="1" spc="250" dirty="0">
+                <a:solidFill>
+                  <a:srgbClr val="111B1D"/>
+                </a:solidFill>
+                <a:latin typeface="Arimo"/>
+                <a:cs typeface="Arimo"/>
+              </a:rPr>
+              <a:t>TRANS,	</a:t>
+            </a:r>
+            <a:r>
+              <a:rPr sz="2800" b="1" spc="200" dirty="0">
+                <a:solidFill>
+                  <a:srgbClr val="111B1D"/>
+                </a:solidFill>
+                <a:latin typeface="Arimo"/>
+                <a:cs typeface="Arimo"/>
+              </a:rPr>
+              <a:t>MAS  CIS	</a:t>
+            </a:r>
+            <a:r>
+              <a:rPr sz="2800" b="1" spc="250" dirty="0">
+                <a:solidFill>
+                  <a:srgbClr val="111B1D"/>
+                </a:solidFill>
+                <a:latin typeface="Arimo"/>
+                <a:cs typeface="Arimo"/>
+              </a:rPr>
+              <a:t>TAMBEM  </a:t>
+            </a:r>
+            <a:r>
+              <a:rPr sz="2800" b="1" spc="240" dirty="0">
+                <a:solidFill>
+                  <a:srgbClr val="111B1D"/>
+                </a:solidFill>
+                <a:latin typeface="Arimo"/>
+                <a:cs typeface="Arimo"/>
+              </a:rPr>
+              <a:t>PODE!</a:t>
+            </a:r>
+            <a:endParaRPr sz="2800" dirty="0">
+              <a:latin typeface="Arimo"/>
+              <a:cs typeface="Arimo"/>
+            </a:endParaRPr>
+          </a:p>
+        </p:txBody>
+      </p:sp>
+      <p:sp>
+        <p:nvSpPr>
+          <p:cNvPr id="13" name="object 13"/>
+          <p:cNvSpPr txBox="1"/>
+          <p:nvPr/>
+        </p:nvSpPr>
+        <p:spPr>
+          <a:xfrm>
+            <a:off x="10869107" y="1209674"/>
+            <a:ext cx="3047999" cy="7535589"/>
+          </a:xfrm>
+          <a:prstGeom prst="rect">
+            <a:avLst/>
+          </a:prstGeom>
+        </p:spPr>
+        <p:txBody>
+          <a:bodyPr vert="horz" wrap="square" lIns="0" tIns="0" rIns="0" bIns="0" rtlCol="0">
+            <a:spAutoFit/>
+          </a:bodyPr>
+          <a:lstStyle/>
+          <a:p>
+            <a:pPr>
+              <a:lnSpc>
+                <a:spcPct val="100000"/>
+              </a:lnSpc>
+            </a:pPr>
+            <a:endParaRPr sz="3100" dirty="0">
+              <a:latin typeface="Times New Roman"/>
+              <a:cs typeface="Times New Roman"/>
+            </a:endParaRPr>
+          </a:p>
+          <a:p>
+            <a:pPr>
+              <a:lnSpc>
+                <a:spcPct val="100000"/>
+              </a:lnSpc>
+            </a:pPr>
+            <a:endParaRPr sz="3100" dirty="0">
+              <a:latin typeface="Times New Roman"/>
+              <a:cs typeface="Times New Roman"/>
+            </a:endParaRPr>
+          </a:p>
+          <a:p>
+            <a:pPr>
+              <a:lnSpc>
+                <a:spcPct val="100000"/>
+              </a:lnSpc>
+            </a:pPr>
+            <a:endParaRPr sz="3100" dirty="0">
+              <a:latin typeface="Times New Roman"/>
+              <a:cs typeface="Times New Roman"/>
+            </a:endParaRPr>
+          </a:p>
+          <a:p>
+            <a:pPr>
+              <a:lnSpc>
+                <a:spcPct val="100000"/>
+              </a:lnSpc>
+            </a:pPr>
+            <a:endParaRPr sz="3100" dirty="0">
+              <a:latin typeface="Times New Roman"/>
+              <a:cs typeface="Times New Roman"/>
+            </a:endParaRPr>
+          </a:p>
+          <a:p>
+            <a:pPr>
+              <a:lnSpc>
+                <a:spcPct val="100000"/>
+              </a:lnSpc>
+            </a:pPr>
+            <a:endParaRPr sz="3100" dirty="0">
+              <a:latin typeface="Times New Roman"/>
+              <a:cs typeface="Times New Roman"/>
+            </a:endParaRPr>
+          </a:p>
+          <a:p>
+            <a:pPr>
+              <a:lnSpc>
+                <a:spcPct val="100000"/>
+              </a:lnSpc>
+            </a:pPr>
+            <a:endParaRPr sz="3100" dirty="0">
+              <a:latin typeface="Times New Roman"/>
+              <a:cs typeface="Times New Roman"/>
+            </a:endParaRPr>
+          </a:p>
+          <a:p>
+            <a:pPr>
+              <a:lnSpc>
+                <a:spcPct val="100000"/>
+              </a:lnSpc>
+            </a:pPr>
+            <a:endParaRPr sz="3100" dirty="0">
+              <a:latin typeface="Times New Roman"/>
+              <a:cs typeface="Times New Roman"/>
+            </a:endParaRPr>
+          </a:p>
+          <a:p>
+            <a:pPr>
+              <a:lnSpc>
+                <a:spcPct val="100000"/>
+              </a:lnSpc>
+            </a:pPr>
+            <a:endParaRPr sz="3100" dirty="0">
+              <a:latin typeface="Times New Roman"/>
+              <a:cs typeface="Times New Roman"/>
+            </a:endParaRPr>
+          </a:p>
+          <a:p>
+            <a:pPr>
+              <a:lnSpc>
+                <a:spcPct val="100000"/>
+              </a:lnSpc>
+            </a:pPr>
+            <a:endParaRPr sz="3100" dirty="0">
+              <a:latin typeface="Times New Roman"/>
+              <a:cs typeface="Times New Roman"/>
+            </a:endParaRPr>
+          </a:p>
+          <a:p>
+            <a:pPr>
+              <a:lnSpc>
+                <a:spcPct val="100000"/>
+              </a:lnSpc>
+            </a:pPr>
+            <a:endParaRPr sz="3100" dirty="0">
+              <a:latin typeface="Times New Roman"/>
+              <a:cs typeface="Times New Roman"/>
+            </a:endParaRPr>
+          </a:p>
+          <a:p>
+            <a:pPr>
+              <a:lnSpc>
+                <a:spcPct val="100000"/>
+              </a:lnSpc>
+            </a:pPr>
+            <a:endParaRPr sz="3100" dirty="0">
+              <a:latin typeface="Times New Roman"/>
+              <a:cs typeface="Times New Roman"/>
+            </a:endParaRPr>
+          </a:p>
+          <a:p>
+            <a:pPr>
+              <a:lnSpc>
+                <a:spcPct val="100000"/>
+              </a:lnSpc>
+              <a:spcBef>
+                <a:spcPts val="40"/>
+              </a:spcBef>
+            </a:pPr>
+            <a:endParaRPr sz="2900" dirty="0">
+              <a:latin typeface="Times New Roman"/>
+              <a:cs typeface="Times New Roman"/>
+            </a:endParaRPr>
+          </a:p>
+          <a:p>
+            <a:pPr marL="86995" marR="92075">
+              <a:lnSpc>
+                <a:spcPct val="136200"/>
+              </a:lnSpc>
+            </a:pPr>
+            <a:r>
+              <a:rPr sz="3200" b="1" spc="305" dirty="0" smtClean="0">
+                <a:solidFill>
+                  <a:srgbClr val="00B0F0"/>
+                </a:solidFill>
+                <a:latin typeface="Arimo"/>
+                <a:cs typeface="Arimo"/>
+              </a:rPr>
+              <a:t>T</a:t>
+            </a:r>
+            <a:r>
+              <a:rPr sz="3200" b="1" spc="305" dirty="0" smtClean="0">
+                <a:solidFill>
+                  <a:srgbClr val="FF66FF"/>
+                </a:solidFill>
+                <a:latin typeface="Arimo"/>
+                <a:cs typeface="Arimo"/>
+              </a:rPr>
+              <a:t>R</a:t>
+            </a:r>
+            <a:r>
+              <a:rPr sz="3200" b="1" spc="305" dirty="0" smtClean="0">
+                <a:solidFill>
+                  <a:srgbClr val="00B0F0"/>
+                </a:solidFill>
+                <a:latin typeface="Arimo"/>
+                <a:cs typeface="Arimo"/>
+              </a:rPr>
+              <a:t>A</a:t>
+            </a:r>
+            <a:r>
+              <a:rPr sz="3200" b="1" spc="305" dirty="0" smtClean="0">
+                <a:solidFill>
+                  <a:srgbClr val="FF66FF"/>
+                </a:solidFill>
+                <a:latin typeface="Arimo"/>
+                <a:cs typeface="Arimo"/>
+              </a:rPr>
+              <a:t>N</a:t>
+            </a:r>
+            <a:r>
+              <a:rPr sz="3200" b="1" spc="305" dirty="0" smtClean="0">
+                <a:solidFill>
+                  <a:srgbClr val="00B0F0"/>
+                </a:solidFill>
+                <a:latin typeface="Arimo"/>
+                <a:cs typeface="Arimo"/>
+              </a:rPr>
+              <a:t>S</a:t>
+            </a:r>
+            <a:r>
+              <a:rPr lang="pt-BR" sz="2000" b="1" spc="305" dirty="0" smtClean="0">
+                <a:latin typeface="Arimo"/>
+                <a:cs typeface="Arimo"/>
+              </a:rPr>
+              <a:t>FORME</a:t>
+            </a:r>
+            <a:r>
+              <a:rPr lang="pt-BR" sz="2000" b="1" spc="305" dirty="0" smtClean="0">
+                <a:solidFill>
+                  <a:srgbClr val="00B0F0"/>
+                </a:solidFill>
+                <a:latin typeface="Arimo"/>
+                <a:cs typeface="Arimo"/>
+              </a:rPr>
+              <a:t> </a:t>
+            </a:r>
+            <a:r>
+              <a:rPr lang="pt-BR" sz="2800" b="1" spc="305" dirty="0" smtClean="0">
+                <a:latin typeface="Arimo"/>
+                <a:cs typeface="Arimo"/>
+              </a:rPr>
+              <a:t>SEU</a:t>
+            </a:r>
+            <a:r>
+              <a:rPr lang="pt-BR" sz="2800" b="1" spc="305" dirty="0" smtClean="0">
+                <a:solidFill>
+                  <a:srgbClr val="00B0F0"/>
+                </a:solidFill>
+                <a:latin typeface="Arimo"/>
+                <a:cs typeface="Arimo"/>
+              </a:rPr>
+              <a:t> </a:t>
+            </a:r>
+          </a:p>
+          <a:p>
+            <a:pPr marL="86995" marR="92075">
+              <a:lnSpc>
+                <a:spcPct val="136200"/>
+              </a:lnSpc>
+            </a:pPr>
+            <a:r>
+              <a:rPr sz="2800" b="1" spc="270" dirty="0" smtClean="0">
+                <a:solidFill>
+                  <a:srgbClr val="111B1D"/>
+                </a:solidFill>
+                <a:latin typeface="Arimo"/>
+                <a:cs typeface="Arimo"/>
+              </a:rPr>
+              <a:t>AMBIENTE!</a:t>
+            </a:r>
+            <a:endParaRPr sz="2800" dirty="0">
+              <a:latin typeface="Arimo"/>
+              <a:cs typeface="Arimo"/>
+            </a:endParaRPr>
+          </a:p>
+        </p:txBody>
+      </p:sp>
+      <p:sp>
+        <p:nvSpPr>
+          <p:cNvPr id="14" name="object 14"/>
+          <p:cNvSpPr txBox="1"/>
+          <p:nvPr/>
+        </p:nvSpPr>
+        <p:spPr>
+          <a:xfrm>
+            <a:off x="14210264" y="1209674"/>
+            <a:ext cx="3248025" cy="8705850"/>
+          </a:xfrm>
+          <a:prstGeom prst="rect">
+            <a:avLst/>
+          </a:prstGeom>
+        </p:spPr>
+        <p:txBody>
+          <a:bodyPr vert="horz" wrap="square" lIns="0" tIns="0" rIns="0" bIns="0" rtlCol="0">
+            <a:spAutoFit/>
+          </a:bodyPr>
+          <a:lstStyle/>
+          <a:p>
+            <a:pPr>
+              <a:lnSpc>
+                <a:spcPct val="100000"/>
+              </a:lnSpc>
+            </a:pPr>
+            <a:endParaRPr sz="3100" dirty="0">
+              <a:latin typeface="Times New Roman"/>
+              <a:cs typeface="Times New Roman"/>
+            </a:endParaRPr>
+          </a:p>
+          <a:p>
+            <a:pPr>
+              <a:lnSpc>
+                <a:spcPct val="100000"/>
+              </a:lnSpc>
+            </a:pPr>
+            <a:endParaRPr sz="3100" dirty="0">
+              <a:latin typeface="Times New Roman"/>
+              <a:cs typeface="Times New Roman"/>
+            </a:endParaRPr>
+          </a:p>
+          <a:p>
+            <a:pPr>
+              <a:lnSpc>
+                <a:spcPct val="100000"/>
+              </a:lnSpc>
+            </a:pPr>
+            <a:endParaRPr sz="3100" dirty="0">
+              <a:latin typeface="Times New Roman"/>
+              <a:cs typeface="Times New Roman"/>
+            </a:endParaRPr>
+          </a:p>
+          <a:p>
+            <a:pPr>
+              <a:lnSpc>
+                <a:spcPct val="100000"/>
+              </a:lnSpc>
+            </a:pPr>
+            <a:endParaRPr sz="3100" dirty="0">
+              <a:latin typeface="Times New Roman"/>
+              <a:cs typeface="Times New Roman"/>
+            </a:endParaRPr>
+          </a:p>
+          <a:p>
+            <a:pPr>
+              <a:lnSpc>
+                <a:spcPct val="100000"/>
+              </a:lnSpc>
+            </a:pPr>
+            <a:endParaRPr sz="3100" dirty="0">
+              <a:latin typeface="Times New Roman"/>
+              <a:cs typeface="Times New Roman"/>
+            </a:endParaRPr>
+          </a:p>
+          <a:p>
+            <a:pPr>
+              <a:lnSpc>
+                <a:spcPct val="100000"/>
+              </a:lnSpc>
+            </a:pPr>
+            <a:endParaRPr sz="3100" dirty="0">
+              <a:latin typeface="Times New Roman"/>
+              <a:cs typeface="Times New Roman"/>
+            </a:endParaRPr>
+          </a:p>
+          <a:p>
+            <a:pPr>
+              <a:lnSpc>
+                <a:spcPct val="100000"/>
+              </a:lnSpc>
+            </a:pPr>
+            <a:endParaRPr sz="3100" dirty="0">
+              <a:latin typeface="Times New Roman"/>
+              <a:cs typeface="Times New Roman"/>
+            </a:endParaRPr>
+          </a:p>
+          <a:p>
+            <a:pPr>
+              <a:lnSpc>
+                <a:spcPct val="100000"/>
+              </a:lnSpc>
+            </a:pPr>
+            <a:endParaRPr sz="3100" dirty="0">
+              <a:latin typeface="Times New Roman"/>
+              <a:cs typeface="Times New Roman"/>
+            </a:endParaRPr>
+          </a:p>
+          <a:p>
+            <a:pPr>
+              <a:lnSpc>
+                <a:spcPct val="100000"/>
+              </a:lnSpc>
+            </a:pPr>
+            <a:endParaRPr sz="3100" dirty="0">
+              <a:latin typeface="Times New Roman"/>
+              <a:cs typeface="Times New Roman"/>
+            </a:endParaRPr>
+          </a:p>
+          <a:p>
+            <a:pPr>
+              <a:lnSpc>
+                <a:spcPct val="100000"/>
+              </a:lnSpc>
+            </a:pPr>
+            <a:endParaRPr sz="3100" dirty="0">
+              <a:latin typeface="Times New Roman"/>
+              <a:cs typeface="Times New Roman"/>
+            </a:endParaRPr>
+          </a:p>
+          <a:p>
+            <a:pPr>
+              <a:lnSpc>
+                <a:spcPct val="100000"/>
+              </a:lnSpc>
+              <a:spcBef>
+                <a:spcPts val="30"/>
+              </a:spcBef>
+            </a:pPr>
+            <a:endParaRPr sz="4000" dirty="0">
+              <a:latin typeface="Times New Roman"/>
+              <a:cs typeface="Times New Roman"/>
+            </a:endParaRPr>
+          </a:p>
+          <a:p>
+            <a:pPr marL="86995" marR="1297940">
+              <a:lnSpc>
+                <a:spcPct val="136200"/>
+              </a:lnSpc>
+            </a:pPr>
+            <a:r>
+              <a:rPr sz="2800" b="1" spc="305" dirty="0">
+                <a:solidFill>
+                  <a:srgbClr val="111B1D"/>
+                </a:solidFill>
+                <a:latin typeface="Arimo"/>
+                <a:cs typeface="Arimo"/>
+              </a:rPr>
+              <a:t>CURSOS</a:t>
+            </a:r>
+            <a:r>
+              <a:rPr sz="2800" b="1" dirty="0">
+                <a:solidFill>
+                  <a:srgbClr val="111B1D"/>
+                </a:solidFill>
+                <a:latin typeface="Arimo"/>
+                <a:cs typeface="Arimo"/>
+              </a:rPr>
+              <a:t>,  </a:t>
+            </a:r>
+            <a:r>
+              <a:rPr sz="2800" b="1" spc="250" dirty="0">
+                <a:solidFill>
+                  <a:srgbClr val="111B1D"/>
+                </a:solidFill>
+                <a:latin typeface="Arimo"/>
+                <a:cs typeface="Arimo"/>
+              </a:rPr>
+              <a:t>VAGAS,</a:t>
+            </a:r>
+            <a:endParaRPr sz="2800" dirty="0">
+              <a:latin typeface="Arimo"/>
+              <a:cs typeface="Arimo"/>
+            </a:endParaRPr>
+          </a:p>
+          <a:p>
+            <a:pPr marL="86995" marR="94615">
+              <a:lnSpc>
+                <a:spcPts val="4580"/>
+              </a:lnSpc>
+              <a:spcBef>
+                <a:spcPts val="350"/>
+              </a:spcBef>
+              <a:tabLst>
+                <a:tab pos="501015" algn="l"/>
+              </a:tabLst>
+            </a:pPr>
+            <a:r>
+              <a:rPr sz="2800" b="1" spc="305" dirty="0">
+                <a:solidFill>
+                  <a:srgbClr val="111B1D"/>
+                </a:solidFill>
+                <a:latin typeface="Arimo"/>
+                <a:cs typeface="Arimo"/>
+              </a:rPr>
+              <a:t>INFORMAÇÕE</a:t>
+            </a:r>
+            <a:r>
+              <a:rPr sz="2800" b="1" dirty="0">
+                <a:solidFill>
+                  <a:srgbClr val="111B1D"/>
+                </a:solidFill>
+                <a:latin typeface="Arimo"/>
+                <a:cs typeface="Arimo"/>
+              </a:rPr>
+              <a:t>S  E	</a:t>
+            </a:r>
+            <a:r>
+              <a:rPr sz="2800" b="1" spc="265" dirty="0">
+                <a:solidFill>
+                  <a:srgbClr val="111B1D"/>
+                </a:solidFill>
+                <a:latin typeface="Arimo"/>
+                <a:cs typeface="Arimo"/>
+              </a:rPr>
+              <a:t>SUPORTE.</a:t>
+            </a:r>
+            <a:endParaRPr sz="2800" dirty="0">
+              <a:latin typeface="Arimo"/>
+              <a:cs typeface="Arimo"/>
+            </a:endParaRPr>
+          </a:p>
+        </p:txBody>
+      </p:sp>
+      <p:sp>
+        <p:nvSpPr>
+          <p:cNvPr id="16" name="object 3"/>
+          <p:cNvSpPr/>
+          <p:nvPr/>
+        </p:nvSpPr>
+        <p:spPr>
+          <a:xfrm>
+            <a:off x="707116" y="4294234"/>
+            <a:ext cx="3701678" cy="3352800"/>
+          </a:xfrm>
+          <a:custGeom>
+            <a:avLst/>
+            <a:gdLst/>
+            <a:ahLst/>
+            <a:cxnLst/>
+            <a:rect l="l" t="t" r="r" b="b"/>
+            <a:pathLst>
+              <a:path w="3048000" h="8705850">
+                <a:moveTo>
+                  <a:pt x="3048000" y="8705850"/>
+                </a:moveTo>
+                <a:lnTo>
+                  <a:pt x="0" y="8705850"/>
+                </a:lnTo>
+                <a:lnTo>
+                  <a:pt x="0" y="0"/>
+                </a:lnTo>
+                <a:lnTo>
+                  <a:pt x="3048000" y="0"/>
+                </a:lnTo>
+                <a:lnTo>
+                  <a:pt x="3048000" y="8705850"/>
+                </a:lnTo>
+                <a:close/>
+              </a:path>
+            </a:pathLst>
+          </a:custGeom>
+          <a:solidFill>
+            <a:srgbClr val="FFFFFF"/>
+          </a:solidFill>
+        </p:spPr>
+        <p:txBody>
+          <a:bodyPr wrap="square" lIns="0" tIns="0" rIns="0" bIns="0" rtlCol="0"/>
+          <a:lstStyle/>
+          <a:p>
+            <a:endParaRPr dirty="0"/>
+          </a:p>
+        </p:txBody>
+      </p:sp>
+      <p:pic>
+        <p:nvPicPr>
+          <p:cNvPr id="1026" name="Picture 2" descr="C:\Users\rosimeire\Desktop\Faculdade\Projeto individual\projeto-modelo-individual-1ads-202-main\projeto-site\public\logotipo.png"/>
+          <p:cNvPicPr>
+            <a:picLocks noChangeAspect="1" noChangeArrowheads="1"/>
+          </p:cNvPicPr>
+          <p:nvPr/>
+        </p:nvPicPr>
+        <p:blipFill>
+          <a:blip r:embed="rId5">
+            <a:extLst>
+              <a:ext uri="{28A0092B-C50C-407E-A947-70E740481C1C}">
+                <a14:useLocalDpi xmlns:a14="http://schemas.microsoft.com/office/drawing/2010/main" val="0"/>
+              </a:ext>
+            </a:extLst>
+          </a:blip>
+          <a:srcRect/>
+          <a:stretch>
+            <a:fillRect/>
+          </a:stretch>
+        </p:blipFill>
+        <p:spPr bwMode="auto">
+          <a:xfrm>
+            <a:off x="-1447800" y="3590154"/>
+            <a:ext cx="8011510" cy="4506132"/>
+          </a:xfrm>
+          <a:prstGeom prst="rect">
+            <a:avLst/>
+          </a:prstGeom>
+          <a:noFill/>
+          <a:extLst>
+            <a:ext uri="{909E8E84-426E-40DD-AFC4-6F175D3DCCD1}">
+              <a14:hiddenFill xmlns:a14="http://schemas.microsoft.com/office/drawing/2010/main">
+                <a:solidFill>
+                  <a:srgbClr val="FFFFFF"/>
+                </a:solidFill>
+              </a14:hiddenFill>
+            </a:ext>
+          </a:extLst>
+        </p:spPr>
+      </p:pic>
+    </p:spTree>
+  </p:cSld>
+  <p:clrMapOvr>
+    <a:masterClrMapping/>
+  </p:clrMapOvr>
+  <mc:AlternateContent xmlns:mc="http://schemas.openxmlformats.org/markup-compatibility/2006" xmlns:p14="http://schemas.microsoft.com/office/powerpoint/2010/main">
+    <mc:Choice Requires="p14">
+      <p:transition p14:dur="0"/>
+    </mc:Choice>
+    <mc:Fallback xmlns="">
+      <p:transition/>
+    </mc:Fallback>
+  </mc:AlternateContent>
+  <p:timing>
+    <p:tnLst>
+      <p:par>
+        <p:cTn id="1" dur="indefinite" restart="never" nodeType="tmRoot"/>
+      </p:par>
+    </p:tnLst>
+  </p:timing>
+</p:sld>
+</file>
+
+<file path=ppt/slides/slide4.xml><?xml version="1.0" encoding="utf-8"?>
 <p:sld xmlns:a="http://schemas.openxmlformats.org/drawingml/2006/main" xmlns:r="http://schemas.openxmlformats.org/officeDocument/2006/relationships" xmlns:p="http://schemas.openxmlformats.org/presentationml/2006/main" showMasterSp="0">
   <p:cSld>
     <p:spTree>
@@ -5297,7 +4425,7 @@
           <a:bodyPr wrap="square" lIns="0" tIns="0" rIns="0" bIns="0" rtlCol="0"/>
           <a:lstStyle/>
           <a:p>
-            <a:endParaRPr/>
+            <a:endParaRPr dirty="0"/>
           </a:p>
         </p:txBody>
       </p:sp>
@@ -5347,7 +4475,7 @@
           <a:bodyPr wrap="square" lIns="0" tIns="0" rIns="0" bIns="0" rtlCol="0"/>
           <a:lstStyle/>
           <a:p>
-            <a:endParaRPr/>
+            <a:endParaRPr dirty="0"/>
           </a:p>
         </p:txBody>
       </p:sp>
@@ -5411,7 +4539,7 @@
             <a:bodyPr wrap="square" lIns="0" tIns="0" rIns="0" bIns="0" rtlCol="0"/>
             <a:lstStyle/>
             <a:p>
-              <a:endParaRPr/>
+              <a:endParaRPr dirty="0"/>
             </a:p>
           </p:txBody>
         </p:sp>
@@ -5458,7 +4586,7 @@
             <a:bodyPr wrap="square" lIns="0" tIns="0" rIns="0" bIns="0" rtlCol="0"/>
             <a:lstStyle/>
             <a:p>
-              <a:endParaRPr/>
+              <a:endParaRPr dirty="0"/>
             </a:p>
           </p:txBody>
         </p:sp>
@@ -5487,7 +4615,7 @@
             <a:bodyPr wrap="square" lIns="0" tIns="0" rIns="0" bIns="0" rtlCol="0"/>
             <a:lstStyle/>
             <a:p>
-              <a:endParaRPr/>
+              <a:endParaRPr dirty="0"/>
             </a:p>
           </p:txBody>
         </p:sp>
@@ -5595,7 +4723,7 @@
               </a:rPr>
               <a:t>S</a:t>
             </a:r>
-            <a:endParaRPr sz="8000">
+            <a:endParaRPr sz="8000" dirty="0">
               <a:latin typeface="Verdana"/>
               <a:cs typeface="Verdana"/>
             </a:endParaRPr>
@@ -5632,7 +4760,7 @@
               </a:spcBef>
             </a:pPr>
             <a:r>
-              <a:rPr sz="5400" spc="-70" dirty="0" err="1" smtClean="0">
+              <a:rPr sz="5400" spc="-70" dirty="0" smtClean="0">
                 <a:latin typeface="Noto Sans"/>
                 <a:cs typeface="Noto Sans"/>
               </a:rPr>
@@ -5874,14 +5002,10 @@
   </p:clrMapOvr>
   <mc:AlternateContent xmlns:mc="http://schemas.openxmlformats.org/markup-compatibility/2006" xmlns:p14="http://schemas.microsoft.com/office/powerpoint/2010/main">
     <mc:Choice Requires="p14">
-      <p:transition spd="slow" p14:dur="1500">
-        <p:split orient="vert"/>
-      </p:transition>
+      <p:transition p14:dur="10"/>
     </mc:Choice>
     <mc:Fallback xmlns="">
-      <p:transition spd="slow">
-        <p:split orient="vert"/>
-      </p:transition>
+      <p:transition/>
     </mc:Fallback>
   </mc:AlternateContent>
   <p:timing>
@@ -6378,7 +5502,7 @@
 </p:sld>
 </file>
 
-<file path=ppt/slides/slide6.xml><?xml version="1.0" encoding="utf-8"?>
+<file path=ppt/slides/slide5.xml><?xml version="1.0" encoding="utf-8"?>
 <p:sld xmlns:a="http://schemas.openxmlformats.org/drawingml/2006/main" xmlns:r="http://schemas.openxmlformats.org/officeDocument/2006/relationships" xmlns:p="http://schemas.openxmlformats.org/presentationml/2006/main" showMasterSp="0">
   <p:cSld>
     <p:spTree>
@@ -6420,7 +5544,7 @@
           <a:bodyPr wrap="square" lIns="0" tIns="0" rIns="0" bIns="0" rtlCol="0"/>
           <a:lstStyle/>
           <a:p>
-            <a:endParaRPr/>
+            <a:endParaRPr dirty="0"/>
           </a:p>
         </p:txBody>
       </p:sp>
@@ -6479,7 +5603,7 @@
           <a:bodyPr wrap="square" lIns="0" tIns="0" rIns="0" bIns="0" rtlCol="0"/>
           <a:lstStyle/>
           <a:p>
-            <a:endParaRPr/>
+            <a:endParaRPr dirty="0"/>
           </a:p>
         </p:txBody>
       </p:sp>
@@ -6508,7 +5632,7 @@
           <a:bodyPr wrap="square" lIns="0" tIns="0" rIns="0" bIns="0" rtlCol="0"/>
           <a:lstStyle/>
           <a:p>
-            <a:endParaRPr/>
+            <a:endParaRPr dirty="0"/>
           </a:p>
         </p:txBody>
       </p:sp>
@@ -6520,7 +5644,7 @@
         </p:nvSpPr>
         <p:spPr>
           <a:xfrm>
-            <a:off x="5243436" y="5140857"/>
+            <a:off x="5243436" y="5152681"/>
             <a:ext cx="8319770" cy="4800600"/>
           </a:xfrm>
           <a:custGeom>
@@ -6567,7 +5691,7 @@
           <a:bodyPr wrap="square" lIns="0" tIns="0" rIns="0" bIns="0" rtlCol="0"/>
           <a:lstStyle/>
           <a:p>
-            <a:endParaRPr/>
+            <a:endParaRPr dirty="0"/>
           </a:p>
         </p:txBody>
       </p:sp>
@@ -6646,7 +5770,7 @@
               </a:rPr>
               <a:t>Equipamento.</a:t>
             </a:r>
-            <a:endParaRPr sz="5600">
+            <a:endParaRPr sz="5600" dirty="0">
               <a:latin typeface="Arimo"/>
               <a:cs typeface="Arimo"/>
             </a:endParaRPr>
@@ -6684,7 +5808,7 @@
               </a:rPr>
               <a:t>restante...</a:t>
             </a:r>
-            <a:endParaRPr sz="4200">
+            <a:endParaRPr sz="4200" dirty="0">
               <a:latin typeface="Arimo"/>
               <a:cs typeface="Arimo"/>
             </a:endParaRPr>
@@ -6700,7 +5824,7 @@
         <p:spPr>
           <a:xfrm>
             <a:off x="5243443" y="5140847"/>
-            <a:ext cx="7800975" cy="4800600"/>
+            <a:ext cx="7800975" cy="1380506"/>
           </a:xfrm>
           <a:prstGeom prst="rect">
             <a:avLst/>
@@ -6721,7 +5845,7 @@
               </a:spcBef>
             </a:pPr>
             <a:r>
-              <a:rPr sz="7200" b="1" spc="350" dirty="0">
+              <a:rPr sz="7200" b="1" spc="350" dirty="0" smtClean="0">
                 <a:solidFill>
                   <a:srgbClr val="FFFFFF"/>
                 </a:solidFill>
@@ -6730,123 +5854,187 @@
               </a:rPr>
               <a:t>AGRADEÇO</a:t>
             </a:r>
-            <a:endParaRPr sz="7200">
-              <a:latin typeface="Arimo"/>
-              <a:cs typeface="Arimo"/>
-            </a:endParaRPr>
-          </a:p>
-          <a:p>
-            <a:pPr marL="2711450" marR="2752725" algn="ctr">
-              <a:lnSpc>
-                <a:spcPts val="6470"/>
-              </a:lnSpc>
-              <a:spcBef>
-                <a:spcPts val="445"/>
-              </a:spcBef>
-            </a:pPr>
-            <a:r>
-              <a:rPr sz="4200" b="1" spc="290" dirty="0">
-                <a:solidFill>
-                  <a:srgbClr val="FFFFFF"/>
-                </a:solidFill>
-                <a:latin typeface="Arimo"/>
-                <a:cs typeface="Arimo"/>
-              </a:rPr>
-              <a:t>Bandte</a:t>
-            </a:r>
-            <a:r>
-              <a:rPr sz="4200" b="1" dirty="0">
-                <a:solidFill>
-                  <a:srgbClr val="FFFFFF"/>
-                </a:solidFill>
-                <a:latin typeface="Arimo"/>
-                <a:cs typeface="Arimo"/>
-              </a:rPr>
-              <a:t>c  </a:t>
-            </a:r>
-            <a:r>
-              <a:rPr sz="4200" b="1" spc="240" dirty="0">
-                <a:solidFill>
-                  <a:srgbClr val="FFFFFF"/>
-                </a:solidFill>
-                <a:latin typeface="Arimo"/>
-                <a:cs typeface="Arimo"/>
-              </a:rPr>
-              <a:t>Amigos</a:t>
-            </a:r>
-            <a:endParaRPr sz="4200">
-              <a:latin typeface="Arimo"/>
-              <a:cs typeface="Arimo"/>
-            </a:endParaRPr>
-          </a:p>
-          <a:p>
-            <a:pPr marR="68580" algn="ctr">
+          </a:p>
+        </p:txBody>
+      </p:sp>
+      <p:sp>
+        <p:nvSpPr>
+          <p:cNvPr id="10" name="object 7"/>
+          <p:cNvSpPr txBox="1"/>
+          <p:nvPr/>
+        </p:nvSpPr>
+        <p:spPr>
+          <a:xfrm>
+            <a:off x="7008653" y="6286500"/>
+            <a:ext cx="4390143" cy="1094529"/>
+          </a:xfrm>
+          <a:prstGeom prst="rect">
+            <a:avLst/>
+          </a:prstGeom>
+        </p:spPr>
+        <p:txBody>
+          <a:bodyPr vert="horz" wrap="square" lIns="0" tIns="474344" rIns="0" bIns="0" rtlCol="0">
+            <a:spAutoFit/>
+          </a:bodyPr>
+          <a:lstStyle/>
+          <a:p>
+            <a:pPr algn="ctr">
               <a:lnSpc>
                 <a:spcPct val="100000"/>
               </a:lnSpc>
               <a:spcBef>
-                <a:spcPts val="1435"/>
+                <a:spcPts val="3734"/>
               </a:spcBef>
             </a:pPr>
             <a:r>
-              <a:rPr sz="4200" b="1" spc="245" dirty="0">
+              <a:rPr lang="pt-BR" sz="4000" b="1" spc="355" dirty="0" smtClean="0">
                 <a:solidFill>
                   <a:srgbClr val="FFFFFF"/>
                 </a:solidFill>
                 <a:latin typeface="Arimo"/>
                 <a:cs typeface="Arimo"/>
               </a:rPr>
-              <a:t>Familía</a:t>
-            </a:r>
-            <a:endParaRPr sz="4200">
+              <a:t>Bandtec</a:t>
+            </a:r>
+            <a:endParaRPr sz="4000" dirty="0">
               <a:latin typeface="Arimo"/>
               <a:cs typeface="Arimo"/>
             </a:endParaRPr>
           </a:p>
-          <a:p>
-            <a:pPr marL="466090" algn="ctr">
+        </p:txBody>
+      </p:sp>
+      <p:sp>
+        <p:nvSpPr>
+          <p:cNvPr id="11" name="object 7"/>
+          <p:cNvSpPr txBox="1"/>
+          <p:nvPr/>
+        </p:nvSpPr>
+        <p:spPr>
+          <a:xfrm>
+            <a:off x="6948858" y="7005716"/>
+            <a:ext cx="4390143" cy="1094529"/>
+          </a:xfrm>
+          <a:prstGeom prst="rect">
+            <a:avLst/>
+          </a:prstGeom>
+        </p:spPr>
+        <p:txBody>
+          <a:bodyPr vert="horz" wrap="square" lIns="0" tIns="474344" rIns="0" bIns="0" rtlCol="0">
+            <a:spAutoFit/>
+          </a:bodyPr>
+          <a:lstStyle/>
+          <a:p>
+            <a:pPr algn="ctr">
               <a:lnSpc>
                 <a:spcPct val="100000"/>
               </a:lnSpc>
               <a:spcBef>
-                <a:spcPts val="1555"/>
+                <a:spcPts val="3734"/>
               </a:spcBef>
-              <a:tabLst>
-                <a:tab pos="1044575" algn="l"/>
-                <a:tab pos="5391785" algn="l"/>
-              </a:tabLst>
             </a:pPr>
             <a:r>
-              <a:rPr sz="4200" b="1" dirty="0">
+              <a:rPr lang="pt-BR" sz="4000" b="1" spc="355" dirty="0" smtClean="0">
                 <a:solidFill>
                   <a:srgbClr val="FFFFFF"/>
                 </a:solidFill>
                 <a:latin typeface="Arimo"/>
                 <a:cs typeface="Arimo"/>
               </a:rPr>
-              <a:t>E	</a:t>
-            </a:r>
-            <a:r>
-              <a:rPr sz="4200" b="1" spc="265" dirty="0">
+              <a:t>Amigos</a:t>
+            </a:r>
+            <a:endParaRPr sz="4000" dirty="0">
+              <a:latin typeface="Arimo"/>
+              <a:cs typeface="Arimo"/>
+            </a:endParaRPr>
+          </a:p>
+        </p:txBody>
+      </p:sp>
+      <p:sp>
+        <p:nvSpPr>
+          <p:cNvPr id="12" name="object 7"/>
+          <p:cNvSpPr txBox="1"/>
+          <p:nvPr/>
+        </p:nvSpPr>
+        <p:spPr>
+          <a:xfrm>
+            <a:off x="6948858" y="7734300"/>
+            <a:ext cx="4390143" cy="1094529"/>
+          </a:xfrm>
+          <a:prstGeom prst="rect">
+            <a:avLst/>
+          </a:prstGeom>
+        </p:spPr>
+        <p:txBody>
+          <a:bodyPr vert="horz" wrap="square" lIns="0" tIns="474344" rIns="0" bIns="0" rtlCol="0">
+            <a:spAutoFit/>
+          </a:bodyPr>
+          <a:lstStyle/>
+          <a:p>
+            <a:pPr algn="ctr">
+              <a:lnSpc>
+                <a:spcPct val="100000"/>
+              </a:lnSpc>
+              <a:spcBef>
+                <a:spcPts val="3734"/>
+              </a:spcBef>
+            </a:pPr>
+            <a:r>
+              <a:rPr lang="pt-BR" sz="4000" b="1" spc="355" dirty="0" smtClean="0">
                 <a:solidFill>
                   <a:srgbClr val="FFFFFF"/>
                 </a:solidFill>
                 <a:latin typeface="Arimo"/>
                 <a:cs typeface="Arimo"/>
               </a:rPr>
-              <a:t>especialmente	</a:t>
-            </a:r>
-            <a:r>
-              <a:rPr sz="4200" b="1" spc="245" dirty="0">
+              <a:t>Família</a:t>
+            </a:r>
+            <a:endParaRPr sz="4000" dirty="0">
+              <a:latin typeface="Arimo"/>
+              <a:cs typeface="Arimo"/>
+            </a:endParaRPr>
+          </a:p>
+        </p:txBody>
+      </p:sp>
+      <p:sp>
+        <p:nvSpPr>
+          <p:cNvPr id="13" name="object 7"/>
+          <p:cNvSpPr txBox="1"/>
+          <p:nvPr/>
+        </p:nvSpPr>
+        <p:spPr>
+          <a:xfrm>
+            <a:off x="5295849" y="8496300"/>
+            <a:ext cx="8214943" cy="1094529"/>
+          </a:xfrm>
+          <a:prstGeom prst="rect">
+            <a:avLst/>
+          </a:prstGeom>
+        </p:spPr>
+        <p:txBody>
+          <a:bodyPr vert="horz" wrap="square" lIns="0" tIns="474344" rIns="0" bIns="0" rtlCol="0">
+            <a:spAutoFit/>
+          </a:bodyPr>
+          <a:lstStyle/>
+          <a:p>
+            <a:pPr algn="ctr">
+              <a:lnSpc>
+                <a:spcPct val="100000"/>
+              </a:lnSpc>
+              <a:spcBef>
+                <a:spcPts val="3734"/>
+              </a:spcBef>
+            </a:pPr>
+            <a:r>
+              <a:rPr lang="pt-BR" sz="4000" b="1" spc="355" dirty="0" smtClean="0">
                 <a:solidFill>
                   <a:srgbClr val="FFFFFF"/>
                 </a:solidFill>
                 <a:latin typeface="Arimo"/>
                 <a:cs typeface="Arimo"/>
               </a:rPr>
-              <a:t>para...</a:t>
-            </a:r>
-            <a:endParaRPr sz="4200">
+              <a:t>E especialmente para...</a:t>
+            </a:r>
+            <a:endParaRPr sz="4000" dirty="0">
               <a:latin typeface="Arimo"/>
               <a:cs typeface="Arimo"/>
             </a:endParaRPr>
@@ -6860,27 +6048,370 @@
   </p:clrMapOvr>
   <mc:AlternateContent xmlns:mc="http://schemas.openxmlformats.org/markup-compatibility/2006" xmlns:p14="http://schemas.microsoft.com/office/powerpoint/2010/main">
     <mc:Choice Requires="p14">
-      <p:transition spd="slow" p14:dur="1500">
-        <p:split orient="vert"/>
-      </p:transition>
+      <p:transition p14:dur="10"/>
     </mc:Choice>
     <mc:Fallback xmlns="">
-      <p:transition spd="slow">
-        <p:split orient="vert"/>
-      </p:transition>
+      <p:transition/>
     </mc:Fallback>
   </mc:AlternateContent>
   <p:timing>
     <p:tnLst>
       <p:par>
-        <p:cTn id="1" dur="indefinite" restart="never" nodeType="tmRoot"/>
+        <p:cTn id="1" dur="indefinite" restart="never" nodeType="tmRoot">
+          <p:childTnLst>
+            <p:seq concurrent="1" nextAc="seek">
+              <p:cTn id="2" dur="indefinite" nodeType="mainSeq">
+                <p:childTnLst>
+                  <p:par>
+                    <p:cTn id="3" fill="hold">
+                      <p:stCondLst>
+                        <p:cond delay="indefinite"/>
+                      </p:stCondLst>
+                      <p:childTnLst>
+                        <p:par>
+                          <p:cTn id="4" fill="hold">
+                            <p:stCondLst>
+                              <p:cond delay="0"/>
+                            </p:stCondLst>
+                            <p:childTnLst>
+                              <p:par>
+                                <p:cTn id="5" presetID="1" presetClass="entr" presetSubtype="0" fill="hold" grpId="0" nodeType="clickEffect">
+                                  <p:stCondLst>
+                                    <p:cond delay="0"/>
+                                  </p:stCondLst>
+                                  <p:childTnLst>
+                                    <p:set>
+                                      <p:cBhvr>
+                                        <p:cTn id="6" dur="1" fill="hold">
+                                          <p:stCondLst>
+                                            <p:cond delay="0"/>
+                                          </p:stCondLst>
+                                        </p:cTn>
+                                        <p:tgtEl>
+                                          <p:spTgt spid="6"/>
+                                        </p:tgtEl>
+                                        <p:attrNameLst>
+                                          <p:attrName>style.visibility</p:attrName>
+                                        </p:attrNameLst>
+                                      </p:cBhvr>
+                                      <p:to>
+                                        <p:strVal val="visible"/>
+                                      </p:to>
+                                    </p:set>
+                                  </p:childTnLst>
+                                </p:cTn>
+                              </p:par>
+                            </p:childTnLst>
+                          </p:cTn>
+                        </p:par>
+                      </p:childTnLst>
+                    </p:cTn>
+                  </p:par>
+                  <p:par>
+                    <p:cTn id="7" fill="hold">
+                      <p:stCondLst>
+                        <p:cond delay="indefinite"/>
+                      </p:stCondLst>
+                      <p:childTnLst>
+                        <p:par>
+                          <p:cTn id="8" fill="hold">
+                            <p:stCondLst>
+                              <p:cond delay="0"/>
+                            </p:stCondLst>
+                            <p:childTnLst>
+                              <p:par>
+                                <p:cTn id="9" presetID="1" presetClass="entr" presetSubtype="0" fill="hold" grpId="0" nodeType="clickEffect">
+                                  <p:stCondLst>
+                                    <p:cond delay="0"/>
+                                  </p:stCondLst>
+                                  <p:childTnLst>
+                                    <p:set>
+                                      <p:cBhvr>
+                                        <p:cTn id="10" dur="1" fill="hold">
+                                          <p:stCondLst>
+                                            <p:cond delay="0"/>
+                                          </p:stCondLst>
+                                        </p:cTn>
+                                        <p:tgtEl>
+                                          <p:spTgt spid="7"/>
+                                        </p:tgtEl>
+                                        <p:attrNameLst>
+                                          <p:attrName>style.visibility</p:attrName>
+                                        </p:attrNameLst>
+                                      </p:cBhvr>
+                                      <p:to>
+                                        <p:strVal val="visible"/>
+                                      </p:to>
+                                    </p:set>
+                                  </p:childTnLst>
+                                </p:cTn>
+                              </p:par>
+                            </p:childTnLst>
+                          </p:cTn>
+                        </p:par>
+                      </p:childTnLst>
+                    </p:cTn>
+                  </p:par>
+                  <p:par>
+                    <p:cTn id="11" fill="hold">
+                      <p:stCondLst>
+                        <p:cond delay="indefinite"/>
+                      </p:stCondLst>
+                      <p:childTnLst>
+                        <p:par>
+                          <p:cTn id="12" fill="hold">
+                            <p:stCondLst>
+                              <p:cond delay="0"/>
+                            </p:stCondLst>
+                            <p:childTnLst>
+                              <p:par>
+                                <p:cTn id="13" presetID="1" presetClass="entr" presetSubtype="0" fill="hold" grpId="0" nodeType="clickEffect">
+                                  <p:stCondLst>
+                                    <p:cond delay="0"/>
+                                  </p:stCondLst>
+                                  <p:childTnLst>
+                                    <p:set>
+                                      <p:cBhvr>
+                                        <p:cTn id="14" dur="1" fill="hold">
+                                          <p:stCondLst>
+                                            <p:cond delay="0"/>
+                                          </p:stCondLst>
+                                        </p:cTn>
+                                        <p:tgtEl>
+                                          <p:spTgt spid="8"/>
+                                        </p:tgtEl>
+                                        <p:attrNameLst>
+                                          <p:attrName>style.visibility</p:attrName>
+                                        </p:attrNameLst>
+                                      </p:cBhvr>
+                                      <p:to>
+                                        <p:strVal val="visible"/>
+                                      </p:to>
+                                    </p:set>
+                                  </p:childTnLst>
+                                </p:cTn>
+                              </p:par>
+                            </p:childTnLst>
+                          </p:cTn>
+                        </p:par>
+                      </p:childTnLst>
+                    </p:cTn>
+                  </p:par>
+                  <p:par>
+                    <p:cTn id="15" fill="hold">
+                      <p:stCondLst>
+                        <p:cond delay="indefinite"/>
+                      </p:stCondLst>
+                      <p:childTnLst>
+                        <p:par>
+                          <p:cTn id="16" fill="hold">
+                            <p:stCondLst>
+                              <p:cond delay="0"/>
+                            </p:stCondLst>
+                            <p:childTnLst>
+                              <p:par>
+                                <p:cTn id="17" presetID="1" presetClass="entr" presetSubtype="0" fill="hold" grpId="0" nodeType="clickEffect">
+                                  <p:stCondLst>
+                                    <p:cond delay="0"/>
+                                  </p:stCondLst>
+                                  <p:childTnLst>
+                                    <p:set>
+                                      <p:cBhvr>
+                                        <p:cTn id="18" dur="1" fill="hold">
+                                          <p:stCondLst>
+                                            <p:cond delay="0"/>
+                                          </p:stCondLst>
+                                        </p:cTn>
+                                        <p:tgtEl>
+                                          <p:spTgt spid="10"/>
+                                        </p:tgtEl>
+                                        <p:attrNameLst>
+                                          <p:attrName>style.visibility</p:attrName>
+                                        </p:attrNameLst>
+                                      </p:cBhvr>
+                                      <p:to>
+                                        <p:strVal val="visible"/>
+                                      </p:to>
+                                    </p:set>
+                                  </p:childTnLst>
+                                </p:cTn>
+                              </p:par>
+                            </p:childTnLst>
+                          </p:cTn>
+                        </p:par>
+                      </p:childTnLst>
+                    </p:cTn>
+                  </p:par>
+                  <p:par>
+                    <p:cTn id="19" fill="hold">
+                      <p:stCondLst>
+                        <p:cond delay="indefinite"/>
+                      </p:stCondLst>
+                      <p:childTnLst>
+                        <p:par>
+                          <p:cTn id="20" fill="hold">
+                            <p:stCondLst>
+                              <p:cond delay="0"/>
+                            </p:stCondLst>
+                            <p:childTnLst>
+                              <p:par>
+                                <p:cTn id="21" presetID="1" presetClass="entr" presetSubtype="0" fill="hold" grpId="0" nodeType="clickEffect">
+                                  <p:stCondLst>
+                                    <p:cond delay="0"/>
+                                  </p:stCondLst>
+                                  <p:childTnLst>
+                                    <p:set>
+                                      <p:cBhvr>
+                                        <p:cTn id="22" dur="1" fill="hold">
+                                          <p:stCondLst>
+                                            <p:cond delay="0"/>
+                                          </p:stCondLst>
+                                        </p:cTn>
+                                        <p:tgtEl>
+                                          <p:spTgt spid="11"/>
+                                        </p:tgtEl>
+                                        <p:attrNameLst>
+                                          <p:attrName>style.visibility</p:attrName>
+                                        </p:attrNameLst>
+                                      </p:cBhvr>
+                                      <p:to>
+                                        <p:strVal val="visible"/>
+                                      </p:to>
+                                    </p:set>
+                                  </p:childTnLst>
+                                </p:cTn>
+                              </p:par>
+                            </p:childTnLst>
+                          </p:cTn>
+                        </p:par>
+                      </p:childTnLst>
+                    </p:cTn>
+                  </p:par>
+                  <p:par>
+                    <p:cTn id="23" fill="hold">
+                      <p:stCondLst>
+                        <p:cond delay="indefinite"/>
+                      </p:stCondLst>
+                      <p:childTnLst>
+                        <p:par>
+                          <p:cTn id="24" fill="hold">
+                            <p:stCondLst>
+                              <p:cond delay="0"/>
+                            </p:stCondLst>
+                            <p:childTnLst>
+                              <p:par>
+                                <p:cTn id="25" presetID="1" presetClass="entr" presetSubtype="0" fill="hold" grpId="0" nodeType="clickEffect">
+                                  <p:stCondLst>
+                                    <p:cond delay="0"/>
+                                  </p:stCondLst>
+                                  <p:childTnLst>
+                                    <p:set>
+                                      <p:cBhvr>
+                                        <p:cTn id="26" dur="1" fill="hold">
+                                          <p:stCondLst>
+                                            <p:cond delay="0"/>
+                                          </p:stCondLst>
+                                        </p:cTn>
+                                        <p:tgtEl>
+                                          <p:spTgt spid="12"/>
+                                        </p:tgtEl>
+                                        <p:attrNameLst>
+                                          <p:attrName>style.visibility</p:attrName>
+                                        </p:attrNameLst>
+                                      </p:cBhvr>
+                                      <p:to>
+                                        <p:strVal val="visible"/>
+                                      </p:to>
+                                    </p:set>
+                                  </p:childTnLst>
+                                </p:cTn>
+                              </p:par>
+                            </p:childTnLst>
+                          </p:cTn>
+                        </p:par>
+                      </p:childTnLst>
+                    </p:cTn>
+                  </p:par>
+                  <p:par>
+                    <p:cTn id="27" fill="hold">
+                      <p:stCondLst>
+                        <p:cond delay="indefinite"/>
+                      </p:stCondLst>
+                      <p:childTnLst>
+                        <p:par>
+                          <p:cTn id="28" fill="hold">
+                            <p:stCondLst>
+                              <p:cond delay="0"/>
+                            </p:stCondLst>
+                            <p:childTnLst>
+                              <p:par>
+                                <p:cTn id="29" presetID="1" presetClass="entr" presetSubtype="0" fill="hold" grpId="0" nodeType="clickEffect">
+                                  <p:stCondLst>
+                                    <p:cond delay="0"/>
+                                  </p:stCondLst>
+                                  <p:childTnLst>
+                                    <p:set>
+                                      <p:cBhvr>
+                                        <p:cTn id="30" dur="1" fill="hold">
+                                          <p:stCondLst>
+                                            <p:cond delay="0"/>
+                                          </p:stCondLst>
+                                        </p:cTn>
+                                        <p:tgtEl>
+                                          <p:spTgt spid="13"/>
+                                        </p:tgtEl>
+                                        <p:attrNameLst>
+                                          <p:attrName>style.visibility</p:attrName>
+                                        </p:attrNameLst>
+                                      </p:cBhvr>
+                                      <p:to>
+                                        <p:strVal val="visible"/>
+                                      </p:to>
+                                    </p:set>
+                                  </p:childTnLst>
+                                </p:cTn>
+                              </p:par>
+                            </p:childTnLst>
+                          </p:cTn>
+                        </p:par>
+                      </p:childTnLst>
+                    </p:cTn>
+                  </p:par>
+                </p:childTnLst>
+              </p:cTn>
+              <p:prevCondLst>
+                <p:cond evt="onPrev" delay="0">
+                  <p:tgtEl>
+                    <p:sldTgt/>
+                  </p:tgtEl>
+                </p:cond>
+              </p:prevCondLst>
+              <p:nextCondLst>
+                <p:cond evt="onNext" delay="0">
+                  <p:tgtEl>
+                    <p:sldTgt/>
+                  </p:tgtEl>
+                </p:cond>
+              </p:nextCondLst>
+            </p:seq>
+          </p:childTnLst>
+        </p:cTn>
       </p:par>
     </p:tnLst>
+    <p:bldLst>
+      <p:bldP spid="6" grpId="0"/>
+      <p:bldP spid="7" grpId="0"/>
+      <p:bldP spid="8" grpId="0"/>
+      <p:bldP spid="10" grpId="0"/>
+      <p:bldP spid="11" grpId="0"/>
+      <p:bldP spid="12" grpId="0"/>
+      <p:bldP spid="13" grpId="0"/>
+    </p:bldLst>
   </p:timing>
 </p:sld>
 </file>
 
-<file path=ppt/slides/slide7.xml><?xml version="1.0" encoding="utf-8"?>
+<file path=ppt/slides/slide6.xml><?xml version="1.0" encoding="utf-8"?>
 <p:sld xmlns:a="http://schemas.openxmlformats.org/drawingml/2006/main" xmlns:r="http://schemas.openxmlformats.org/officeDocument/2006/relationships" xmlns:p="http://schemas.openxmlformats.org/presentationml/2006/main" showMasterSp="0">
   <p:cSld>
     <p:spTree>
@@ -6922,7 +6453,7 @@
           <a:bodyPr wrap="square" lIns="0" tIns="0" rIns="0" bIns="0" rtlCol="0"/>
           <a:lstStyle/>
           <a:p>
-            <a:endParaRPr/>
+            <a:endParaRPr dirty="0"/>
           </a:p>
         </p:txBody>
       </p:sp>
@@ -6984,7 +6515,7 @@
         </p:nvSpPr>
         <p:spPr>
           <a:xfrm>
-            <a:off x="12106418" y="2689911"/>
+            <a:off x="12093280" y="2689911"/>
             <a:ext cx="4958080" cy="1244600"/>
           </a:xfrm>
           <a:prstGeom prst="rect">
@@ -7066,47 +6597,6 @@
           </a:p>
         </p:txBody>
       </p:sp>
-      <p:pic>
-        <p:nvPicPr>
-          <p:cNvPr id="1026" name="Picture 2" descr="C:\Users\rosimeire\Desktop\jkjk.png"/>
-          <p:cNvPicPr>
-            <a:picLocks noChangeAspect="1" noChangeArrowheads="1"/>
-          </p:cNvPicPr>
-          <p:nvPr/>
-        </p:nvPicPr>
-        <p:blipFill>
-          <a:blip r:embed="rId4">
-            <a:extLst>
-              <a:ext uri="{28A0092B-C50C-407E-A947-70E740481C1C}">
-                <a14:useLocalDpi xmlns:a14="http://schemas.microsoft.com/office/drawing/2010/main" val="0"/>
-              </a:ext>
-            </a:extLst>
-          </a:blip>
-          <a:srcRect/>
-          <a:stretch>
-            <a:fillRect/>
-          </a:stretch>
-        </p:blipFill>
-        <p:spPr bwMode="auto">
-          <a:xfrm>
-            <a:off x="12832858" y="4461641"/>
-            <a:ext cx="3505200" cy="3505200"/>
-          </a:xfrm>
-          <a:prstGeom prst="rect">
-            <a:avLst/>
-          </a:prstGeom>
-          <a:noFill/>
-          <a:extLst>
-            <a:ext uri="{909E8E84-426E-40DD-AFC4-6F175D3DCCD1}">
-              <a14:hiddenFill xmlns:a14="http://schemas.microsoft.com/office/drawing/2010/main">
-                <a:solidFill>
-                  <a:srgbClr val="FFFFFF"/>
-                </a:solidFill>
-              </a14:hiddenFill>
-            </a:ext>
-          </a:extLst>
-        </p:spPr>
-      </p:pic>
     </p:spTree>
   </p:cSld>
   <p:clrMapOvr>
@@ -7114,14 +6604,10 @@
   </p:clrMapOvr>
   <mc:AlternateContent xmlns:mc="http://schemas.openxmlformats.org/markup-compatibility/2006" xmlns:p14="http://schemas.microsoft.com/office/powerpoint/2010/main">
     <mc:Choice Requires="p14">
-      <p:transition spd="slow" p14:dur="1500">
-        <p:split orient="vert"/>
-      </p:transition>
+      <p:transition p14:dur="0"/>
     </mc:Choice>
     <mc:Fallback xmlns="">
-      <p:transition spd="slow">
-        <p:split orient="vert"/>
-      </p:transition>
+      <p:transition/>
     </mc:Fallback>
   </mc:AlternateContent>
   <p:timing>
